--- a/figs/fig_coordtrans.pptx
+++ b/figs/fig_coordtrans.pptx
@@ -2,12 +2,12 @@
 <file path=ppt/presentation.xml><?xml version="1.0" encoding="utf-8"?>
 <p:presentation xmlns:a="http://schemas.openxmlformats.org/drawingml/2006/main" xmlns:r="http://schemas.openxmlformats.org/officeDocument/2006/relationships" xmlns:p="http://schemas.openxmlformats.org/presentationml/2006/main" saveSubsetFonts="1" autoCompressPictures="0">
   <p:sldMasterIdLst>
-    <p:sldMasterId id="2147483684" r:id="rId1"/>
+    <p:sldMasterId id="2147483696" r:id="rId1"/>
   </p:sldMasterIdLst>
   <p:sldIdLst>
     <p:sldId id="256" r:id="rId2"/>
   </p:sldIdLst>
-  <p:sldSz cx="14173200" cy="4572000"/>
+  <p:sldSz cx="14173200" cy="5029200"/>
   <p:notesSz cx="6858000" cy="9144000"/>
   <p:defaultTextStyle>
     <a:defPPr>
@@ -107,7 +107,7 @@
   <p:extLst>
     <p:ext uri="{EFAFB233-063F-42B5-8137-9DF3F51BA10A}">
       <p15:sldGuideLst xmlns:p15="http://schemas.microsoft.com/office/powerpoint/2012/main">
-        <p15:guide id="1" orient="horz" pos="1440" userDrawn="1">
+        <p15:guide id="1" orient="horz" pos="1584" userDrawn="1">
           <p15:clr>
             <a:srgbClr val="A4A3A4"/>
           </p15:clr>
@@ -121,6 +121,14 @@
     </p:ext>
   </p:extLst>
 </p:presentation>
+</file>
+
+<file path=ppt/revisionInfo.xml><?xml version="1.0" encoding="utf-8"?>
+<p1510:revInfo xmlns:a="http://schemas.openxmlformats.org/drawingml/2006/main" xmlns:r="http://schemas.openxmlformats.org/officeDocument/2006/relationships" xmlns:p1510="http://schemas.microsoft.com/office/powerpoint/2015/10/main">
+  <p1510:revLst>
+    <p1510:client id="{14723DC9-91C2-A846-8CF6-085A7C83E4A0}" v="6" dt="2025-05-23T03:34:30.726"/>
+  </p1510:revLst>
+</p1510:revInfo>
 </file>
 
 <file path=ppt/changesInfos/changesInfo1.xml><?xml version="1.0" encoding="utf-8"?>
@@ -266,14 +274,6 @@
             <ac:spMk id="32" creationId="{9472E4EF-A136-9742-80DD-A64970F72AEF}"/>
           </ac:spMkLst>
         </pc:spChg>
-        <pc:spChg chg="del">
-          <ac:chgData name="Barkasi, Michael" userId="604489e9-c8b5-4a18-ae0d-3a3e29c44efc" providerId="ADAL" clId="{7B240E68-553F-994D-927D-9E20778282F8}" dt="2025-05-06T02:19:56.111" v="0" actId="478"/>
-          <ac:spMkLst>
-            <pc:docMk/>
-            <pc:sldMk cId="1160241537" sldId="256"/>
-            <ac:spMk id="33" creationId="{6DD1B967-3B7C-B8E3-3AD9-127CC0BB85B5}"/>
-          </ac:spMkLst>
-        </pc:spChg>
         <pc:spChg chg="add mod">
           <ac:chgData name="Barkasi, Michael" userId="604489e9-c8b5-4a18-ae0d-3a3e29c44efc" providerId="ADAL" clId="{7B240E68-553F-994D-927D-9E20778282F8}" dt="2025-05-06T03:14:06.930" v="687" actId="14100"/>
           <ac:spMkLst>
@@ -322,38 +322,6 @@
             <ac:spMk id="40" creationId="{8737FB37-D94B-EB09-5DBF-DA3B45803AF9}"/>
           </ac:spMkLst>
         </pc:spChg>
-        <pc:spChg chg="del">
-          <ac:chgData name="Barkasi, Michael" userId="604489e9-c8b5-4a18-ae0d-3a3e29c44efc" providerId="ADAL" clId="{7B240E68-553F-994D-927D-9E20778282F8}" dt="2025-05-06T02:19:56.111" v="0" actId="478"/>
-          <ac:spMkLst>
-            <pc:docMk/>
-            <pc:sldMk cId="1160241537" sldId="256"/>
-            <ac:spMk id="41" creationId="{489C7890-2293-260F-927E-3A0BAF6AE31E}"/>
-          </ac:spMkLst>
-        </pc:spChg>
-        <pc:spChg chg="del">
-          <ac:chgData name="Barkasi, Michael" userId="604489e9-c8b5-4a18-ae0d-3a3e29c44efc" providerId="ADAL" clId="{7B240E68-553F-994D-927D-9E20778282F8}" dt="2025-05-06T02:19:56.111" v="0" actId="478"/>
-          <ac:spMkLst>
-            <pc:docMk/>
-            <pc:sldMk cId="1160241537" sldId="256"/>
-            <ac:spMk id="42" creationId="{BB15E696-D7E8-065F-22C9-1F1C225CBEE6}"/>
-          </ac:spMkLst>
-        </pc:spChg>
-        <pc:spChg chg="del">
-          <ac:chgData name="Barkasi, Michael" userId="604489e9-c8b5-4a18-ae0d-3a3e29c44efc" providerId="ADAL" clId="{7B240E68-553F-994D-927D-9E20778282F8}" dt="2025-05-06T02:19:56.111" v="0" actId="478"/>
-          <ac:spMkLst>
-            <pc:docMk/>
-            <pc:sldMk cId="1160241537" sldId="256"/>
-            <ac:spMk id="43" creationId="{CDC17340-8A6A-952F-C785-2381010C19BF}"/>
-          </ac:spMkLst>
-        </pc:spChg>
-        <pc:spChg chg="del">
-          <ac:chgData name="Barkasi, Michael" userId="604489e9-c8b5-4a18-ae0d-3a3e29c44efc" providerId="ADAL" clId="{7B240E68-553F-994D-927D-9E20778282F8}" dt="2025-05-06T02:19:56.111" v="0" actId="478"/>
-          <ac:spMkLst>
-            <pc:docMk/>
-            <pc:sldMk cId="1160241537" sldId="256"/>
-            <ac:spMk id="44" creationId="{71DEAC27-2EA9-F41D-4751-9DC0B3CBC65F}"/>
-          </ac:spMkLst>
-        </pc:spChg>
         <pc:spChg chg="add mod">
           <ac:chgData name="Barkasi, Michael" userId="604489e9-c8b5-4a18-ae0d-3a3e29c44efc" providerId="ADAL" clId="{7B240E68-553F-994D-927D-9E20778282F8}" dt="2025-05-06T02:58:48.406" v="635" actId="1076"/>
           <ac:spMkLst>
@@ -442,30 +410,6 @@
             <ac:spMk id="100" creationId="{FED3D04B-5A2C-CA5B-1D61-9DDC547AC876}"/>
           </ac:spMkLst>
         </pc:spChg>
-        <pc:spChg chg="del">
-          <ac:chgData name="Barkasi, Michael" userId="604489e9-c8b5-4a18-ae0d-3a3e29c44efc" providerId="ADAL" clId="{7B240E68-553F-994D-927D-9E20778282F8}" dt="2025-05-06T02:19:56.111" v="0" actId="478"/>
-          <ac:spMkLst>
-            <pc:docMk/>
-            <pc:sldMk cId="1160241537" sldId="256"/>
-            <ac:spMk id="102" creationId="{1A3C6997-4E40-38F4-EB1E-1C61067AAE9F}"/>
-          </ac:spMkLst>
-        </pc:spChg>
-        <pc:spChg chg="del">
-          <ac:chgData name="Barkasi, Michael" userId="604489e9-c8b5-4a18-ae0d-3a3e29c44efc" providerId="ADAL" clId="{7B240E68-553F-994D-927D-9E20778282F8}" dt="2025-05-06T02:19:56.111" v="0" actId="478"/>
-          <ac:spMkLst>
-            <pc:docMk/>
-            <pc:sldMk cId="1160241537" sldId="256"/>
-            <ac:spMk id="103" creationId="{74CFA3CB-217D-96DE-8D0B-AA3628379351}"/>
-          </ac:spMkLst>
-        </pc:spChg>
-        <pc:spChg chg="del">
-          <ac:chgData name="Barkasi, Michael" userId="604489e9-c8b5-4a18-ae0d-3a3e29c44efc" providerId="ADAL" clId="{7B240E68-553F-994D-927D-9E20778282F8}" dt="2025-05-06T02:19:56.111" v="0" actId="478"/>
-          <ac:spMkLst>
-            <pc:docMk/>
-            <pc:sldMk cId="1160241537" sldId="256"/>
-            <ac:spMk id="104" creationId="{B493F746-8314-8F87-5519-0151F9AFD43C}"/>
-          </ac:spMkLst>
-        </pc:spChg>
         <pc:spChg chg="add mod">
           <ac:chgData name="Barkasi, Michael" userId="604489e9-c8b5-4a18-ae0d-3a3e29c44efc" providerId="ADAL" clId="{7B240E68-553F-994D-927D-9E20778282F8}" dt="2025-05-06T03:48:21.153" v="926" actId="1076"/>
           <ac:spMkLst>
@@ -474,30 +418,6 @@
             <ac:spMk id="105" creationId="{FBB96981-705A-C6BA-FD25-F7B3C75652C6}"/>
           </ac:spMkLst>
         </pc:spChg>
-        <pc:spChg chg="del">
-          <ac:chgData name="Barkasi, Michael" userId="604489e9-c8b5-4a18-ae0d-3a3e29c44efc" providerId="ADAL" clId="{7B240E68-553F-994D-927D-9E20778282F8}" dt="2025-05-06T02:19:56.111" v="0" actId="478"/>
-          <ac:spMkLst>
-            <pc:docMk/>
-            <pc:sldMk cId="1160241537" sldId="256"/>
-            <ac:spMk id="109" creationId="{C0CECDFC-29DC-9E49-F628-C98AF3712AF1}"/>
-          </ac:spMkLst>
-        </pc:spChg>
-        <pc:spChg chg="del">
-          <ac:chgData name="Barkasi, Michael" userId="604489e9-c8b5-4a18-ae0d-3a3e29c44efc" providerId="ADAL" clId="{7B240E68-553F-994D-927D-9E20778282F8}" dt="2025-05-06T02:19:56.111" v="0" actId="478"/>
-          <ac:spMkLst>
-            <pc:docMk/>
-            <pc:sldMk cId="1160241537" sldId="256"/>
-            <ac:spMk id="110" creationId="{DD6AAAD2-9A51-A203-8D3E-39A30D638981}"/>
-          </ac:spMkLst>
-        </pc:spChg>
-        <pc:grpChg chg="mod">
-          <ac:chgData name="Barkasi, Michael" userId="604489e9-c8b5-4a18-ae0d-3a3e29c44efc" providerId="ADAL" clId="{7B240E68-553F-994D-927D-9E20778282F8}" dt="2025-05-06T03:08:45.753" v="662" actId="1076"/>
-          <ac:grpSpMkLst>
-            <pc:docMk/>
-            <pc:sldMk cId="1160241537" sldId="256"/>
-            <ac:grpSpMk id="71" creationId="{03A42BA7-4890-048C-1557-BDC665BA6DB6}"/>
-          </ac:grpSpMkLst>
-        </pc:grpChg>
         <pc:grpChg chg="mod">
           <ac:chgData name="Barkasi, Michael" userId="604489e9-c8b5-4a18-ae0d-3a3e29c44efc" providerId="ADAL" clId="{7B240E68-553F-994D-927D-9E20778282F8}" dt="2025-05-06T03:10:52.854" v="679" actId="1076"/>
           <ac:grpSpMkLst>
@@ -562,30 +482,6 @@
             <ac:picMk id="12" creationId="{0C3A8B35-30FD-60F1-F2A8-CCC7521E9D89}"/>
           </ac:picMkLst>
         </pc:picChg>
-        <pc:cxnChg chg="add del mod">
-          <ac:chgData name="Barkasi, Michael" userId="604489e9-c8b5-4a18-ae0d-3a3e29c44efc" providerId="ADAL" clId="{7B240E68-553F-994D-927D-9E20778282F8}" dt="2025-05-06T03:46:40.391" v="906" actId="478"/>
-          <ac:cxnSpMkLst>
-            <pc:docMk/>
-            <pc:sldMk cId="1160241537" sldId="256"/>
-            <ac:cxnSpMk id="83" creationId="{145ED8B8-AF0C-B2B2-84F6-A75A57ACF2C9}"/>
-          </ac:cxnSpMkLst>
-        </pc:cxnChg>
-        <pc:cxnChg chg="add del mod">
-          <ac:chgData name="Barkasi, Michael" userId="604489e9-c8b5-4a18-ae0d-3a3e29c44efc" providerId="ADAL" clId="{7B240E68-553F-994D-927D-9E20778282F8}" dt="2025-05-06T03:46:42.738" v="907" actId="478"/>
-          <ac:cxnSpMkLst>
-            <pc:docMk/>
-            <pc:sldMk cId="1160241537" sldId="256"/>
-            <ac:cxnSpMk id="86" creationId="{2AE93DAD-05D9-A9A4-63EC-DD1842162BA5}"/>
-          </ac:cxnSpMkLst>
-        </pc:cxnChg>
-        <pc:cxnChg chg="add del mod">
-          <ac:chgData name="Barkasi, Michael" userId="604489e9-c8b5-4a18-ae0d-3a3e29c44efc" providerId="ADAL" clId="{7B240E68-553F-994D-927D-9E20778282F8}" dt="2025-05-06T03:46:44.878" v="908" actId="478"/>
-          <ac:cxnSpMkLst>
-            <pc:docMk/>
-            <pc:sldMk cId="1160241537" sldId="256"/>
-            <ac:cxnSpMk id="92" creationId="{2EB4E48B-C281-C70E-EEB7-BF6056537F84}"/>
-          </ac:cxnSpMkLst>
-        </pc:cxnChg>
       </pc:sldChg>
       <pc:sldMasterChg chg="modSp modSldLayout">
         <pc:chgData name="Barkasi, Michael" userId="604489e9-c8b5-4a18-ae0d-3a3e29c44efc" providerId="ADAL" clId="{7B240E68-553F-994D-927D-9E20778282F8}" dt="2025-05-06T02:21:37.361" v="23"/>
@@ -593,46 +489,6 @@
           <pc:docMk/>
           <pc:sldMasterMk cId="1703888869" sldId="2147483648"/>
         </pc:sldMasterMkLst>
-        <pc:spChg chg="mod">
-          <ac:chgData name="Barkasi, Michael" userId="604489e9-c8b5-4a18-ae0d-3a3e29c44efc" providerId="ADAL" clId="{7B240E68-553F-994D-927D-9E20778282F8}" dt="2025-05-06T02:21:37.361" v="23"/>
-          <ac:spMkLst>
-            <pc:docMk/>
-            <pc:sldMasterMk cId="1703888869" sldId="2147483648"/>
-            <ac:spMk id="2" creationId="{2465A266-885A-B0E2-7875-2CE5BB48E795}"/>
-          </ac:spMkLst>
-        </pc:spChg>
-        <pc:spChg chg="mod">
-          <ac:chgData name="Barkasi, Michael" userId="604489e9-c8b5-4a18-ae0d-3a3e29c44efc" providerId="ADAL" clId="{7B240E68-553F-994D-927D-9E20778282F8}" dt="2025-05-06T02:21:37.361" v="23"/>
-          <ac:spMkLst>
-            <pc:docMk/>
-            <pc:sldMasterMk cId="1703888869" sldId="2147483648"/>
-            <ac:spMk id="3" creationId="{BE87D7C2-B556-E78F-FE64-4F29F45B76BA}"/>
-          </ac:spMkLst>
-        </pc:spChg>
-        <pc:spChg chg="mod">
-          <ac:chgData name="Barkasi, Michael" userId="604489e9-c8b5-4a18-ae0d-3a3e29c44efc" providerId="ADAL" clId="{7B240E68-553F-994D-927D-9E20778282F8}" dt="2025-05-06T02:21:37.361" v="23"/>
-          <ac:spMkLst>
-            <pc:docMk/>
-            <pc:sldMasterMk cId="1703888869" sldId="2147483648"/>
-            <ac:spMk id="4" creationId="{0252BC6A-06AE-F3C1-B327-8DD5C55E606E}"/>
-          </ac:spMkLst>
-        </pc:spChg>
-        <pc:spChg chg="mod">
-          <ac:chgData name="Barkasi, Michael" userId="604489e9-c8b5-4a18-ae0d-3a3e29c44efc" providerId="ADAL" clId="{7B240E68-553F-994D-927D-9E20778282F8}" dt="2025-05-06T02:21:37.361" v="23"/>
-          <ac:spMkLst>
-            <pc:docMk/>
-            <pc:sldMasterMk cId="1703888869" sldId="2147483648"/>
-            <ac:spMk id="5" creationId="{A4195665-D3A0-E52C-EC63-BD0C96C8BEE0}"/>
-          </ac:spMkLst>
-        </pc:spChg>
-        <pc:spChg chg="mod">
-          <ac:chgData name="Barkasi, Michael" userId="604489e9-c8b5-4a18-ae0d-3a3e29c44efc" providerId="ADAL" clId="{7B240E68-553F-994D-927D-9E20778282F8}" dt="2025-05-06T02:21:37.361" v="23"/>
-          <ac:spMkLst>
-            <pc:docMk/>
-            <pc:sldMasterMk cId="1703888869" sldId="2147483648"/>
-            <ac:spMk id="6" creationId="{390F9AD5-7365-81DC-A9D9-4EA2A607C80E}"/>
-          </ac:spMkLst>
-        </pc:spChg>
         <pc:sldLayoutChg chg="modSp">
           <pc:chgData name="Barkasi, Michael" userId="604489e9-c8b5-4a18-ae0d-3a3e29c44efc" providerId="ADAL" clId="{7B240E68-553F-994D-927D-9E20778282F8}" dt="2025-05-06T02:21:37.361" v="23"/>
           <pc:sldLayoutMkLst>
@@ -640,24 +496,6 @@
             <pc:sldMasterMk cId="1703888869" sldId="2147483648"/>
             <pc:sldLayoutMk cId="1294584495" sldId="2147483649"/>
           </pc:sldLayoutMkLst>
-          <pc:spChg chg="mod">
-            <ac:chgData name="Barkasi, Michael" userId="604489e9-c8b5-4a18-ae0d-3a3e29c44efc" providerId="ADAL" clId="{7B240E68-553F-994D-927D-9E20778282F8}" dt="2025-05-06T02:21:37.361" v="23"/>
-            <ac:spMkLst>
-              <pc:docMk/>
-              <pc:sldMasterMk cId="1703888869" sldId="2147483648"/>
-              <pc:sldLayoutMk cId="1294584495" sldId="2147483649"/>
-              <ac:spMk id="2" creationId="{6F0B5B33-68A3-EC2E-BBC7-8FC014EC24D4}"/>
-            </ac:spMkLst>
-          </pc:spChg>
-          <pc:spChg chg="mod">
-            <ac:chgData name="Barkasi, Michael" userId="604489e9-c8b5-4a18-ae0d-3a3e29c44efc" providerId="ADAL" clId="{7B240E68-553F-994D-927D-9E20778282F8}" dt="2025-05-06T02:21:37.361" v="23"/>
-            <ac:spMkLst>
-              <pc:docMk/>
-              <pc:sldMasterMk cId="1703888869" sldId="2147483648"/>
-              <pc:sldLayoutMk cId="1294584495" sldId="2147483649"/>
-              <ac:spMk id="3" creationId="{C3916706-3932-9698-FEE8-6E21C4E76C72}"/>
-            </ac:spMkLst>
-          </pc:spChg>
         </pc:sldLayoutChg>
         <pc:sldLayoutChg chg="modSp">
           <pc:chgData name="Barkasi, Michael" userId="604489e9-c8b5-4a18-ae0d-3a3e29c44efc" providerId="ADAL" clId="{7B240E68-553F-994D-927D-9E20778282F8}" dt="2025-05-06T02:21:37.361" v="23"/>
@@ -666,24 +504,6 @@
             <pc:sldMasterMk cId="1703888869" sldId="2147483648"/>
             <pc:sldLayoutMk cId="3860423307" sldId="2147483651"/>
           </pc:sldLayoutMkLst>
-          <pc:spChg chg="mod">
-            <ac:chgData name="Barkasi, Michael" userId="604489e9-c8b5-4a18-ae0d-3a3e29c44efc" providerId="ADAL" clId="{7B240E68-553F-994D-927D-9E20778282F8}" dt="2025-05-06T02:21:37.361" v="23"/>
-            <ac:spMkLst>
-              <pc:docMk/>
-              <pc:sldMasterMk cId="1703888869" sldId="2147483648"/>
-              <pc:sldLayoutMk cId="3860423307" sldId="2147483651"/>
-              <ac:spMk id="2" creationId="{5D47E0B5-82F7-E56A-116C-292CBED374B1}"/>
-            </ac:spMkLst>
-          </pc:spChg>
-          <pc:spChg chg="mod">
-            <ac:chgData name="Barkasi, Michael" userId="604489e9-c8b5-4a18-ae0d-3a3e29c44efc" providerId="ADAL" clId="{7B240E68-553F-994D-927D-9E20778282F8}" dt="2025-05-06T02:21:37.361" v="23"/>
-            <ac:spMkLst>
-              <pc:docMk/>
-              <pc:sldMasterMk cId="1703888869" sldId="2147483648"/>
-              <pc:sldLayoutMk cId="3860423307" sldId="2147483651"/>
-              <ac:spMk id="3" creationId="{F8EA85A3-C622-21A0-FDCB-0F7D32B64A84}"/>
-            </ac:spMkLst>
-          </pc:spChg>
         </pc:sldLayoutChg>
         <pc:sldLayoutChg chg="modSp">
           <pc:chgData name="Barkasi, Michael" userId="604489e9-c8b5-4a18-ae0d-3a3e29c44efc" providerId="ADAL" clId="{7B240E68-553F-994D-927D-9E20778282F8}" dt="2025-05-06T02:21:37.361" v="23"/>
@@ -692,24 +512,6 @@
             <pc:sldMasterMk cId="1703888869" sldId="2147483648"/>
             <pc:sldLayoutMk cId="2310068252" sldId="2147483652"/>
           </pc:sldLayoutMkLst>
-          <pc:spChg chg="mod">
-            <ac:chgData name="Barkasi, Michael" userId="604489e9-c8b5-4a18-ae0d-3a3e29c44efc" providerId="ADAL" clId="{7B240E68-553F-994D-927D-9E20778282F8}" dt="2025-05-06T02:21:37.361" v="23"/>
-            <ac:spMkLst>
-              <pc:docMk/>
-              <pc:sldMasterMk cId="1703888869" sldId="2147483648"/>
-              <pc:sldLayoutMk cId="2310068252" sldId="2147483652"/>
-              <ac:spMk id="3" creationId="{1B95B245-CECA-0578-A530-294517537981}"/>
-            </ac:spMkLst>
-          </pc:spChg>
-          <pc:spChg chg="mod">
-            <ac:chgData name="Barkasi, Michael" userId="604489e9-c8b5-4a18-ae0d-3a3e29c44efc" providerId="ADAL" clId="{7B240E68-553F-994D-927D-9E20778282F8}" dt="2025-05-06T02:21:37.361" v="23"/>
-            <ac:spMkLst>
-              <pc:docMk/>
-              <pc:sldMasterMk cId="1703888869" sldId="2147483648"/>
-              <pc:sldLayoutMk cId="2310068252" sldId="2147483652"/>
-              <ac:spMk id="4" creationId="{07B1CD16-C23E-C436-F993-8CE8BABC54CA}"/>
-            </ac:spMkLst>
-          </pc:spChg>
         </pc:sldLayoutChg>
         <pc:sldLayoutChg chg="modSp">
           <pc:chgData name="Barkasi, Michael" userId="604489e9-c8b5-4a18-ae0d-3a3e29c44efc" providerId="ADAL" clId="{7B240E68-553F-994D-927D-9E20778282F8}" dt="2025-05-06T02:21:37.361" v="23"/>
@@ -718,51 +520,6 @@
             <pc:sldMasterMk cId="1703888869" sldId="2147483648"/>
             <pc:sldLayoutMk cId="2182980002" sldId="2147483653"/>
           </pc:sldLayoutMkLst>
-          <pc:spChg chg="mod">
-            <ac:chgData name="Barkasi, Michael" userId="604489e9-c8b5-4a18-ae0d-3a3e29c44efc" providerId="ADAL" clId="{7B240E68-553F-994D-927D-9E20778282F8}" dt="2025-05-06T02:21:37.361" v="23"/>
-            <ac:spMkLst>
-              <pc:docMk/>
-              <pc:sldMasterMk cId="1703888869" sldId="2147483648"/>
-              <pc:sldLayoutMk cId="2182980002" sldId="2147483653"/>
-              <ac:spMk id="2" creationId="{EAE902F9-3FBB-DC16-0AA7-7F5D5961BB43}"/>
-            </ac:spMkLst>
-          </pc:spChg>
-          <pc:spChg chg="mod">
-            <ac:chgData name="Barkasi, Michael" userId="604489e9-c8b5-4a18-ae0d-3a3e29c44efc" providerId="ADAL" clId="{7B240E68-553F-994D-927D-9E20778282F8}" dt="2025-05-06T02:21:37.361" v="23"/>
-            <ac:spMkLst>
-              <pc:docMk/>
-              <pc:sldMasterMk cId="1703888869" sldId="2147483648"/>
-              <pc:sldLayoutMk cId="2182980002" sldId="2147483653"/>
-              <ac:spMk id="3" creationId="{CC8BD7FB-7A1C-B3CE-8B02-F0B9FA031987}"/>
-            </ac:spMkLst>
-          </pc:spChg>
-          <pc:spChg chg="mod">
-            <ac:chgData name="Barkasi, Michael" userId="604489e9-c8b5-4a18-ae0d-3a3e29c44efc" providerId="ADAL" clId="{7B240E68-553F-994D-927D-9E20778282F8}" dt="2025-05-06T02:21:37.361" v="23"/>
-            <ac:spMkLst>
-              <pc:docMk/>
-              <pc:sldMasterMk cId="1703888869" sldId="2147483648"/>
-              <pc:sldLayoutMk cId="2182980002" sldId="2147483653"/>
-              <ac:spMk id="4" creationId="{5AB8E58E-56E2-CE1D-FF3C-D4B7008814D8}"/>
-            </ac:spMkLst>
-          </pc:spChg>
-          <pc:spChg chg="mod">
-            <ac:chgData name="Barkasi, Michael" userId="604489e9-c8b5-4a18-ae0d-3a3e29c44efc" providerId="ADAL" clId="{7B240E68-553F-994D-927D-9E20778282F8}" dt="2025-05-06T02:21:37.361" v="23"/>
-            <ac:spMkLst>
-              <pc:docMk/>
-              <pc:sldMasterMk cId="1703888869" sldId="2147483648"/>
-              <pc:sldLayoutMk cId="2182980002" sldId="2147483653"/>
-              <ac:spMk id="5" creationId="{9FF20E81-21CB-1830-C4B3-5DDFEC2F67C7}"/>
-            </ac:spMkLst>
-          </pc:spChg>
-          <pc:spChg chg="mod">
-            <ac:chgData name="Barkasi, Michael" userId="604489e9-c8b5-4a18-ae0d-3a3e29c44efc" providerId="ADAL" clId="{7B240E68-553F-994D-927D-9E20778282F8}" dt="2025-05-06T02:21:37.361" v="23"/>
-            <ac:spMkLst>
-              <pc:docMk/>
-              <pc:sldMasterMk cId="1703888869" sldId="2147483648"/>
-              <pc:sldLayoutMk cId="2182980002" sldId="2147483653"/>
-              <ac:spMk id="6" creationId="{E7FF56D4-EB03-7603-CF9B-2C1F3E9749FB}"/>
-            </ac:spMkLst>
-          </pc:spChg>
         </pc:sldLayoutChg>
         <pc:sldLayoutChg chg="modSp">
           <pc:chgData name="Barkasi, Michael" userId="604489e9-c8b5-4a18-ae0d-3a3e29c44efc" providerId="ADAL" clId="{7B240E68-553F-994D-927D-9E20778282F8}" dt="2025-05-06T02:21:37.361" v="23"/>
@@ -771,33 +528,6 @@
             <pc:sldMasterMk cId="1703888869" sldId="2147483648"/>
             <pc:sldLayoutMk cId="2630747394" sldId="2147483656"/>
           </pc:sldLayoutMkLst>
-          <pc:spChg chg="mod">
-            <ac:chgData name="Barkasi, Michael" userId="604489e9-c8b5-4a18-ae0d-3a3e29c44efc" providerId="ADAL" clId="{7B240E68-553F-994D-927D-9E20778282F8}" dt="2025-05-06T02:21:37.361" v="23"/>
-            <ac:spMkLst>
-              <pc:docMk/>
-              <pc:sldMasterMk cId="1703888869" sldId="2147483648"/>
-              <pc:sldLayoutMk cId="2630747394" sldId="2147483656"/>
-              <ac:spMk id="2" creationId="{A2142746-A4B1-ADF7-08D3-50FF1799EFC0}"/>
-            </ac:spMkLst>
-          </pc:spChg>
-          <pc:spChg chg="mod">
-            <ac:chgData name="Barkasi, Michael" userId="604489e9-c8b5-4a18-ae0d-3a3e29c44efc" providerId="ADAL" clId="{7B240E68-553F-994D-927D-9E20778282F8}" dt="2025-05-06T02:21:37.361" v="23"/>
-            <ac:spMkLst>
-              <pc:docMk/>
-              <pc:sldMasterMk cId="1703888869" sldId="2147483648"/>
-              <pc:sldLayoutMk cId="2630747394" sldId="2147483656"/>
-              <ac:spMk id="3" creationId="{07597DE4-5BE5-1999-A809-09B238328FDB}"/>
-            </ac:spMkLst>
-          </pc:spChg>
-          <pc:spChg chg="mod">
-            <ac:chgData name="Barkasi, Michael" userId="604489e9-c8b5-4a18-ae0d-3a3e29c44efc" providerId="ADAL" clId="{7B240E68-553F-994D-927D-9E20778282F8}" dt="2025-05-06T02:21:37.361" v="23"/>
-            <ac:spMkLst>
-              <pc:docMk/>
-              <pc:sldMasterMk cId="1703888869" sldId="2147483648"/>
-              <pc:sldLayoutMk cId="2630747394" sldId="2147483656"/>
-              <ac:spMk id="4" creationId="{376124B4-9140-EA66-B70A-D8B834096F4C}"/>
-            </ac:spMkLst>
-          </pc:spChg>
         </pc:sldLayoutChg>
         <pc:sldLayoutChg chg="modSp">
           <pc:chgData name="Barkasi, Michael" userId="604489e9-c8b5-4a18-ae0d-3a3e29c44efc" providerId="ADAL" clId="{7B240E68-553F-994D-927D-9E20778282F8}" dt="2025-05-06T02:21:37.361" v="23"/>
@@ -806,33 +536,6 @@
             <pc:sldMasterMk cId="1703888869" sldId="2147483648"/>
             <pc:sldLayoutMk cId="1146306857" sldId="2147483657"/>
           </pc:sldLayoutMkLst>
-          <pc:spChg chg="mod">
-            <ac:chgData name="Barkasi, Michael" userId="604489e9-c8b5-4a18-ae0d-3a3e29c44efc" providerId="ADAL" clId="{7B240E68-553F-994D-927D-9E20778282F8}" dt="2025-05-06T02:21:37.361" v="23"/>
-            <ac:spMkLst>
-              <pc:docMk/>
-              <pc:sldMasterMk cId="1703888869" sldId="2147483648"/>
-              <pc:sldLayoutMk cId="1146306857" sldId="2147483657"/>
-              <ac:spMk id="2" creationId="{D054348B-8418-9AB3-68BA-FDFD0F58C843}"/>
-            </ac:spMkLst>
-          </pc:spChg>
-          <pc:spChg chg="mod">
-            <ac:chgData name="Barkasi, Michael" userId="604489e9-c8b5-4a18-ae0d-3a3e29c44efc" providerId="ADAL" clId="{7B240E68-553F-994D-927D-9E20778282F8}" dt="2025-05-06T02:21:37.361" v="23"/>
-            <ac:spMkLst>
-              <pc:docMk/>
-              <pc:sldMasterMk cId="1703888869" sldId="2147483648"/>
-              <pc:sldLayoutMk cId="1146306857" sldId="2147483657"/>
-              <ac:spMk id="3" creationId="{C160D014-C410-FF05-6ED6-FCDD1AFA0E56}"/>
-            </ac:spMkLst>
-          </pc:spChg>
-          <pc:spChg chg="mod">
-            <ac:chgData name="Barkasi, Michael" userId="604489e9-c8b5-4a18-ae0d-3a3e29c44efc" providerId="ADAL" clId="{7B240E68-553F-994D-927D-9E20778282F8}" dt="2025-05-06T02:21:37.361" v="23"/>
-            <ac:spMkLst>
-              <pc:docMk/>
-              <pc:sldMasterMk cId="1703888869" sldId="2147483648"/>
-              <pc:sldLayoutMk cId="1146306857" sldId="2147483657"/>
-              <ac:spMk id="4" creationId="{29D73979-D6B9-B7E7-339C-71798B5B8AC5}"/>
-            </ac:spMkLst>
-          </pc:spChg>
         </pc:sldLayoutChg>
         <pc:sldLayoutChg chg="modSp">
           <pc:chgData name="Barkasi, Michael" userId="604489e9-c8b5-4a18-ae0d-3a3e29c44efc" providerId="ADAL" clId="{7B240E68-553F-994D-927D-9E20778282F8}" dt="2025-05-06T02:21:37.361" v="23"/>
@@ -841,24 +544,6 @@
             <pc:sldMasterMk cId="1703888869" sldId="2147483648"/>
             <pc:sldLayoutMk cId="2326339952" sldId="2147483659"/>
           </pc:sldLayoutMkLst>
-          <pc:spChg chg="mod">
-            <ac:chgData name="Barkasi, Michael" userId="604489e9-c8b5-4a18-ae0d-3a3e29c44efc" providerId="ADAL" clId="{7B240E68-553F-994D-927D-9E20778282F8}" dt="2025-05-06T02:21:37.361" v="23"/>
-            <ac:spMkLst>
-              <pc:docMk/>
-              <pc:sldMasterMk cId="1703888869" sldId="2147483648"/>
-              <pc:sldLayoutMk cId="2326339952" sldId="2147483659"/>
-              <ac:spMk id="2" creationId="{E5EB7D9C-8176-F359-9274-ED96EA562217}"/>
-            </ac:spMkLst>
-          </pc:spChg>
-          <pc:spChg chg="mod">
-            <ac:chgData name="Barkasi, Michael" userId="604489e9-c8b5-4a18-ae0d-3a3e29c44efc" providerId="ADAL" clId="{7B240E68-553F-994D-927D-9E20778282F8}" dt="2025-05-06T02:21:37.361" v="23"/>
-            <ac:spMkLst>
-              <pc:docMk/>
-              <pc:sldMasterMk cId="1703888869" sldId="2147483648"/>
-              <pc:sldLayoutMk cId="2326339952" sldId="2147483659"/>
-              <ac:spMk id="3" creationId="{20AD3C8B-6FB2-2897-51C6-3EC3F91A1503}"/>
-            </ac:spMkLst>
-          </pc:spChg>
         </pc:sldLayoutChg>
       </pc:sldMasterChg>
       <pc:sldMasterChg chg="modSp modSldLayout">
@@ -867,46 +552,6 @@
           <pc:docMk/>
           <pc:sldMasterMk cId="1606534133" sldId="2147483660"/>
         </pc:sldMasterMkLst>
-        <pc:spChg chg="mod">
-          <ac:chgData name="Barkasi, Michael" userId="604489e9-c8b5-4a18-ae0d-3a3e29c44efc" providerId="ADAL" clId="{7B240E68-553F-994D-927D-9E20778282F8}" dt="2025-05-06T02:30:58.841" v="51"/>
-          <ac:spMkLst>
-            <pc:docMk/>
-            <pc:sldMasterMk cId="1606534133" sldId="2147483660"/>
-            <ac:spMk id="2" creationId="{00000000-0000-0000-0000-000000000000}"/>
-          </ac:spMkLst>
-        </pc:spChg>
-        <pc:spChg chg="mod">
-          <ac:chgData name="Barkasi, Michael" userId="604489e9-c8b5-4a18-ae0d-3a3e29c44efc" providerId="ADAL" clId="{7B240E68-553F-994D-927D-9E20778282F8}" dt="2025-05-06T02:30:58.841" v="51"/>
-          <ac:spMkLst>
-            <pc:docMk/>
-            <pc:sldMasterMk cId="1606534133" sldId="2147483660"/>
-            <ac:spMk id="3" creationId="{00000000-0000-0000-0000-000000000000}"/>
-          </ac:spMkLst>
-        </pc:spChg>
-        <pc:spChg chg="mod">
-          <ac:chgData name="Barkasi, Michael" userId="604489e9-c8b5-4a18-ae0d-3a3e29c44efc" providerId="ADAL" clId="{7B240E68-553F-994D-927D-9E20778282F8}" dt="2025-05-06T02:30:58.841" v="51"/>
-          <ac:spMkLst>
-            <pc:docMk/>
-            <pc:sldMasterMk cId="1606534133" sldId="2147483660"/>
-            <ac:spMk id="4" creationId="{00000000-0000-0000-0000-000000000000}"/>
-          </ac:spMkLst>
-        </pc:spChg>
-        <pc:spChg chg="mod">
-          <ac:chgData name="Barkasi, Michael" userId="604489e9-c8b5-4a18-ae0d-3a3e29c44efc" providerId="ADAL" clId="{7B240E68-553F-994D-927D-9E20778282F8}" dt="2025-05-06T02:30:58.841" v="51"/>
-          <ac:spMkLst>
-            <pc:docMk/>
-            <pc:sldMasterMk cId="1606534133" sldId="2147483660"/>
-            <ac:spMk id="5" creationId="{00000000-0000-0000-0000-000000000000}"/>
-          </ac:spMkLst>
-        </pc:spChg>
-        <pc:spChg chg="mod">
-          <ac:chgData name="Barkasi, Michael" userId="604489e9-c8b5-4a18-ae0d-3a3e29c44efc" providerId="ADAL" clId="{7B240E68-553F-994D-927D-9E20778282F8}" dt="2025-05-06T02:30:58.841" v="51"/>
-          <ac:spMkLst>
-            <pc:docMk/>
-            <pc:sldMasterMk cId="1606534133" sldId="2147483660"/>
-            <ac:spMk id="6" creationId="{00000000-0000-0000-0000-000000000000}"/>
-          </ac:spMkLst>
-        </pc:spChg>
         <pc:sldLayoutChg chg="modSp">
           <pc:chgData name="Barkasi, Michael" userId="604489e9-c8b5-4a18-ae0d-3a3e29c44efc" providerId="ADAL" clId="{7B240E68-553F-994D-927D-9E20778282F8}" dt="2025-05-06T02:30:58.841" v="51"/>
           <pc:sldLayoutMkLst>
@@ -914,24 +559,6 @@
             <pc:sldMasterMk cId="1606534133" sldId="2147483660"/>
             <pc:sldLayoutMk cId="3139180671" sldId="2147483661"/>
           </pc:sldLayoutMkLst>
-          <pc:spChg chg="mod">
-            <ac:chgData name="Barkasi, Michael" userId="604489e9-c8b5-4a18-ae0d-3a3e29c44efc" providerId="ADAL" clId="{7B240E68-553F-994D-927D-9E20778282F8}" dt="2025-05-06T02:30:58.841" v="51"/>
-            <ac:spMkLst>
-              <pc:docMk/>
-              <pc:sldMasterMk cId="1606534133" sldId="2147483660"/>
-              <pc:sldLayoutMk cId="3139180671" sldId="2147483661"/>
-              <ac:spMk id="2" creationId="{00000000-0000-0000-0000-000000000000}"/>
-            </ac:spMkLst>
-          </pc:spChg>
-          <pc:spChg chg="mod">
-            <ac:chgData name="Barkasi, Michael" userId="604489e9-c8b5-4a18-ae0d-3a3e29c44efc" providerId="ADAL" clId="{7B240E68-553F-994D-927D-9E20778282F8}" dt="2025-05-06T02:30:58.841" v="51"/>
-            <ac:spMkLst>
-              <pc:docMk/>
-              <pc:sldMasterMk cId="1606534133" sldId="2147483660"/>
-              <pc:sldLayoutMk cId="3139180671" sldId="2147483661"/>
-              <ac:spMk id="3" creationId="{00000000-0000-0000-0000-000000000000}"/>
-            </ac:spMkLst>
-          </pc:spChg>
         </pc:sldLayoutChg>
         <pc:sldLayoutChg chg="modSp">
           <pc:chgData name="Barkasi, Michael" userId="604489e9-c8b5-4a18-ae0d-3a3e29c44efc" providerId="ADAL" clId="{7B240E68-553F-994D-927D-9E20778282F8}" dt="2025-05-06T02:30:58.841" v="51"/>
@@ -940,24 +567,6 @@
             <pc:sldMasterMk cId="1606534133" sldId="2147483660"/>
             <pc:sldLayoutMk cId="4017515987" sldId="2147483663"/>
           </pc:sldLayoutMkLst>
-          <pc:spChg chg="mod">
-            <ac:chgData name="Barkasi, Michael" userId="604489e9-c8b5-4a18-ae0d-3a3e29c44efc" providerId="ADAL" clId="{7B240E68-553F-994D-927D-9E20778282F8}" dt="2025-05-06T02:30:58.841" v="51"/>
-            <ac:spMkLst>
-              <pc:docMk/>
-              <pc:sldMasterMk cId="1606534133" sldId="2147483660"/>
-              <pc:sldLayoutMk cId="4017515987" sldId="2147483663"/>
-              <ac:spMk id="2" creationId="{00000000-0000-0000-0000-000000000000}"/>
-            </ac:spMkLst>
-          </pc:spChg>
-          <pc:spChg chg="mod">
-            <ac:chgData name="Barkasi, Michael" userId="604489e9-c8b5-4a18-ae0d-3a3e29c44efc" providerId="ADAL" clId="{7B240E68-553F-994D-927D-9E20778282F8}" dt="2025-05-06T02:30:58.841" v="51"/>
-            <ac:spMkLst>
-              <pc:docMk/>
-              <pc:sldMasterMk cId="1606534133" sldId="2147483660"/>
-              <pc:sldLayoutMk cId="4017515987" sldId="2147483663"/>
-              <ac:spMk id="3" creationId="{00000000-0000-0000-0000-000000000000}"/>
-            </ac:spMkLst>
-          </pc:spChg>
         </pc:sldLayoutChg>
         <pc:sldLayoutChg chg="modSp">
           <pc:chgData name="Barkasi, Michael" userId="604489e9-c8b5-4a18-ae0d-3a3e29c44efc" providerId="ADAL" clId="{7B240E68-553F-994D-927D-9E20778282F8}" dt="2025-05-06T02:30:58.841" v="51"/>
@@ -966,24 +575,6 @@
             <pc:sldMasterMk cId="1606534133" sldId="2147483660"/>
             <pc:sldLayoutMk cId="3762359325" sldId="2147483664"/>
           </pc:sldLayoutMkLst>
-          <pc:spChg chg="mod">
-            <ac:chgData name="Barkasi, Michael" userId="604489e9-c8b5-4a18-ae0d-3a3e29c44efc" providerId="ADAL" clId="{7B240E68-553F-994D-927D-9E20778282F8}" dt="2025-05-06T02:30:58.841" v="51"/>
-            <ac:spMkLst>
-              <pc:docMk/>
-              <pc:sldMasterMk cId="1606534133" sldId="2147483660"/>
-              <pc:sldLayoutMk cId="3762359325" sldId="2147483664"/>
-              <ac:spMk id="3" creationId="{00000000-0000-0000-0000-000000000000}"/>
-            </ac:spMkLst>
-          </pc:spChg>
-          <pc:spChg chg="mod">
-            <ac:chgData name="Barkasi, Michael" userId="604489e9-c8b5-4a18-ae0d-3a3e29c44efc" providerId="ADAL" clId="{7B240E68-553F-994D-927D-9E20778282F8}" dt="2025-05-06T02:30:58.841" v="51"/>
-            <ac:spMkLst>
-              <pc:docMk/>
-              <pc:sldMasterMk cId="1606534133" sldId="2147483660"/>
-              <pc:sldLayoutMk cId="3762359325" sldId="2147483664"/>
-              <ac:spMk id="4" creationId="{00000000-0000-0000-0000-000000000000}"/>
-            </ac:spMkLst>
-          </pc:spChg>
         </pc:sldLayoutChg>
         <pc:sldLayoutChg chg="modSp">
           <pc:chgData name="Barkasi, Michael" userId="604489e9-c8b5-4a18-ae0d-3a3e29c44efc" providerId="ADAL" clId="{7B240E68-553F-994D-927D-9E20778282F8}" dt="2025-05-06T02:30:58.841" v="51"/>
@@ -992,51 +583,6 @@
             <pc:sldMasterMk cId="1606534133" sldId="2147483660"/>
             <pc:sldLayoutMk cId="3453869816" sldId="2147483665"/>
           </pc:sldLayoutMkLst>
-          <pc:spChg chg="mod">
-            <ac:chgData name="Barkasi, Michael" userId="604489e9-c8b5-4a18-ae0d-3a3e29c44efc" providerId="ADAL" clId="{7B240E68-553F-994D-927D-9E20778282F8}" dt="2025-05-06T02:30:58.841" v="51"/>
-            <ac:spMkLst>
-              <pc:docMk/>
-              <pc:sldMasterMk cId="1606534133" sldId="2147483660"/>
-              <pc:sldLayoutMk cId="3453869816" sldId="2147483665"/>
-              <ac:spMk id="2" creationId="{00000000-0000-0000-0000-000000000000}"/>
-            </ac:spMkLst>
-          </pc:spChg>
-          <pc:spChg chg="mod">
-            <ac:chgData name="Barkasi, Michael" userId="604489e9-c8b5-4a18-ae0d-3a3e29c44efc" providerId="ADAL" clId="{7B240E68-553F-994D-927D-9E20778282F8}" dt="2025-05-06T02:30:58.841" v="51"/>
-            <ac:spMkLst>
-              <pc:docMk/>
-              <pc:sldMasterMk cId="1606534133" sldId="2147483660"/>
-              <pc:sldLayoutMk cId="3453869816" sldId="2147483665"/>
-              <ac:spMk id="3" creationId="{00000000-0000-0000-0000-000000000000}"/>
-            </ac:spMkLst>
-          </pc:spChg>
-          <pc:spChg chg="mod">
-            <ac:chgData name="Barkasi, Michael" userId="604489e9-c8b5-4a18-ae0d-3a3e29c44efc" providerId="ADAL" clId="{7B240E68-553F-994D-927D-9E20778282F8}" dt="2025-05-06T02:30:58.841" v="51"/>
-            <ac:spMkLst>
-              <pc:docMk/>
-              <pc:sldMasterMk cId="1606534133" sldId="2147483660"/>
-              <pc:sldLayoutMk cId="3453869816" sldId="2147483665"/>
-              <ac:spMk id="4" creationId="{00000000-0000-0000-0000-000000000000}"/>
-            </ac:spMkLst>
-          </pc:spChg>
-          <pc:spChg chg="mod">
-            <ac:chgData name="Barkasi, Michael" userId="604489e9-c8b5-4a18-ae0d-3a3e29c44efc" providerId="ADAL" clId="{7B240E68-553F-994D-927D-9E20778282F8}" dt="2025-05-06T02:30:58.841" v="51"/>
-            <ac:spMkLst>
-              <pc:docMk/>
-              <pc:sldMasterMk cId="1606534133" sldId="2147483660"/>
-              <pc:sldLayoutMk cId="3453869816" sldId="2147483665"/>
-              <ac:spMk id="5" creationId="{00000000-0000-0000-0000-000000000000}"/>
-            </ac:spMkLst>
-          </pc:spChg>
-          <pc:spChg chg="mod">
-            <ac:chgData name="Barkasi, Michael" userId="604489e9-c8b5-4a18-ae0d-3a3e29c44efc" providerId="ADAL" clId="{7B240E68-553F-994D-927D-9E20778282F8}" dt="2025-05-06T02:30:58.841" v="51"/>
-            <ac:spMkLst>
-              <pc:docMk/>
-              <pc:sldMasterMk cId="1606534133" sldId="2147483660"/>
-              <pc:sldLayoutMk cId="3453869816" sldId="2147483665"/>
-              <ac:spMk id="6" creationId="{00000000-0000-0000-0000-000000000000}"/>
-            </ac:spMkLst>
-          </pc:spChg>
         </pc:sldLayoutChg>
         <pc:sldLayoutChg chg="modSp">
           <pc:chgData name="Barkasi, Michael" userId="604489e9-c8b5-4a18-ae0d-3a3e29c44efc" providerId="ADAL" clId="{7B240E68-553F-994D-927D-9E20778282F8}" dt="2025-05-06T02:30:58.841" v="51"/>
@@ -1045,33 +591,6 @@
             <pc:sldMasterMk cId="1606534133" sldId="2147483660"/>
             <pc:sldLayoutMk cId="3555278767" sldId="2147483668"/>
           </pc:sldLayoutMkLst>
-          <pc:spChg chg="mod">
-            <ac:chgData name="Barkasi, Michael" userId="604489e9-c8b5-4a18-ae0d-3a3e29c44efc" providerId="ADAL" clId="{7B240E68-553F-994D-927D-9E20778282F8}" dt="2025-05-06T02:30:58.841" v="51"/>
-            <ac:spMkLst>
-              <pc:docMk/>
-              <pc:sldMasterMk cId="1606534133" sldId="2147483660"/>
-              <pc:sldLayoutMk cId="3555278767" sldId="2147483668"/>
-              <ac:spMk id="2" creationId="{00000000-0000-0000-0000-000000000000}"/>
-            </ac:spMkLst>
-          </pc:spChg>
-          <pc:spChg chg="mod">
-            <ac:chgData name="Barkasi, Michael" userId="604489e9-c8b5-4a18-ae0d-3a3e29c44efc" providerId="ADAL" clId="{7B240E68-553F-994D-927D-9E20778282F8}" dt="2025-05-06T02:30:58.841" v="51"/>
-            <ac:spMkLst>
-              <pc:docMk/>
-              <pc:sldMasterMk cId="1606534133" sldId="2147483660"/>
-              <pc:sldLayoutMk cId="3555278767" sldId="2147483668"/>
-              <ac:spMk id="3" creationId="{00000000-0000-0000-0000-000000000000}"/>
-            </ac:spMkLst>
-          </pc:spChg>
-          <pc:spChg chg="mod">
-            <ac:chgData name="Barkasi, Michael" userId="604489e9-c8b5-4a18-ae0d-3a3e29c44efc" providerId="ADAL" clId="{7B240E68-553F-994D-927D-9E20778282F8}" dt="2025-05-06T02:30:58.841" v="51"/>
-            <ac:spMkLst>
-              <pc:docMk/>
-              <pc:sldMasterMk cId="1606534133" sldId="2147483660"/>
-              <pc:sldLayoutMk cId="3555278767" sldId="2147483668"/>
-              <ac:spMk id="4" creationId="{00000000-0000-0000-0000-000000000000}"/>
-            </ac:spMkLst>
-          </pc:spChg>
         </pc:sldLayoutChg>
         <pc:sldLayoutChg chg="modSp">
           <pc:chgData name="Barkasi, Michael" userId="604489e9-c8b5-4a18-ae0d-3a3e29c44efc" providerId="ADAL" clId="{7B240E68-553F-994D-927D-9E20778282F8}" dt="2025-05-06T02:30:58.841" v="51"/>
@@ -1080,33 +599,6 @@
             <pc:sldMasterMk cId="1606534133" sldId="2147483660"/>
             <pc:sldLayoutMk cId="3641198614" sldId="2147483669"/>
           </pc:sldLayoutMkLst>
-          <pc:spChg chg="mod">
-            <ac:chgData name="Barkasi, Michael" userId="604489e9-c8b5-4a18-ae0d-3a3e29c44efc" providerId="ADAL" clId="{7B240E68-553F-994D-927D-9E20778282F8}" dt="2025-05-06T02:30:58.841" v="51"/>
-            <ac:spMkLst>
-              <pc:docMk/>
-              <pc:sldMasterMk cId="1606534133" sldId="2147483660"/>
-              <pc:sldLayoutMk cId="3641198614" sldId="2147483669"/>
-              <ac:spMk id="2" creationId="{00000000-0000-0000-0000-000000000000}"/>
-            </ac:spMkLst>
-          </pc:spChg>
-          <pc:spChg chg="mod">
-            <ac:chgData name="Barkasi, Michael" userId="604489e9-c8b5-4a18-ae0d-3a3e29c44efc" providerId="ADAL" clId="{7B240E68-553F-994D-927D-9E20778282F8}" dt="2025-05-06T02:30:58.841" v="51"/>
-            <ac:spMkLst>
-              <pc:docMk/>
-              <pc:sldMasterMk cId="1606534133" sldId="2147483660"/>
-              <pc:sldLayoutMk cId="3641198614" sldId="2147483669"/>
-              <ac:spMk id="3" creationId="{00000000-0000-0000-0000-000000000000}"/>
-            </ac:spMkLst>
-          </pc:spChg>
-          <pc:spChg chg="mod">
-            <ac:chgData name="Barkasi, Michael" userId="604489e9-c8b5-4a18-ae0d-3a3e29c44efc" providerId="ADAL" clId="{7B240E68-553F-994D-927D-9E20778282F8}" dt="2025-05-06T02:30:58.841" v="51"/>
-            <ac:spMkLst>
-              <pc:docMk/>
-              <pc:sldMasterMk cId="1606534133" sldId="2147483660"/>
-              <pc:sldLayoutMk cId="3641198614" sldId="2147483669"/>
-              <ac:spMk id="4" creationId="{00000000-0000-0000-0000-000000000000}"/>
-            </ac:spMkLst>
-          </pc:spChg>
         </pc:sldLayoutChg>
         <pc:sldLayoutChg chg="modSp">
           <pc:chgData name="Barkasi, Michael" userId="604489e9-c8b5-4a18-ae0d-3a3e29c44efc" providerId="ADAL" clId="{7B240E68-553F-994D-927D-9E20778282F8}" dt="2025-05-06T02:30:58.841" v="51"/>
@@ -1115,24 +607,6 @@
             <pc:sldMasterMk cId="1606534133" sldId="2147483660"/>
             <pc:sldLayoutMk cId="1489354792" sldId="2147483671"/>
           </pc:sldLayoutMkLst>
-          <pc:spChg chg="mod">
-            <ac:chgData name="Barkasi, Michael" userId="604489e9-c8b5-4a18-ae0d-3a3e29c44efc" providerId="ADAL" clId="{7B240E68-553F-994D-927D-9E20778282F8}" dt="2025-05-06T02:30:58.841" v="51"/>
-            <ac:spMkLst>
-              <pc:docMk/>
-              <pc:sldMasterMk cId="1606534133" sldId="2147483660"/>
-              <pc:sldLayoutMk cId="1489354792" sldId="2147483671"/>
-              <ac:spMk id="2" creationId="{00000000-0000-0000-0000-000000000000}"/>
-            </ac:spMkLst>
-          </pc:spChg>
-          <pc:spChg chg="mod">
-            <ac:chgData name="Barkasi, Michael" userId="604489e9-c8b5-4a18-ae0d-3a3e29c44efc" providerId="ADAL" clId="{7B240E68-553F-994D-927D-9E20778282F8}" dt="2025-05-06T02:30:58.841" v="51"/>
-            <ac:spMkLst>
-              <pc:docMk/>
-              <pc:sldMasterMk cId="1606534133" sldId="2147483660"/>
-              <pc:sldLayoutMk cId="1489354792" sldId="2147483671"/>
-              <ac:spMk id="3" creationId="{00000000-0000-0000-0000-000000000000}"/>
-            </ac:spMkLst>
-          </pc:spChg>
         </pc:sldLayoutChg>
       </pc:sldMasterChg>
       <pc:sldMasterChg chg="modSp modSldLayout">
@@ -1141,46 +615,6 @@
           <pc:docMk/>
           <pc:sldMasterMk cId="2603251638" sldId="2147483672"/>
         </pc:sldMasterMkLst>
-        <pc:spChg chg="mod">
-          <ac:chgData name="Barkasi, Michael" userId="604489e9-c8b5-4a18-ae0d-3a3e29c44efc" providerId="ADAL" clId="{7B240E68-553F-994D-927D-9E20778282F8}" dt="2025-05-06T02:31:35.626" v="54"/>
-          <ac:spMkLst>
-            <pc:docMk/>
-            <pc:sldMasterMk cId="2603251638" sldId="2147483672"/>
-            <ac:spMk id="2" creationId="{00000000-0000-0000-0000-000000000000}"/>
-          </ac:spMkLst>
-        </pc:spChg>
-        <pc:spChg chg="mod">
-          <ac:chgData name="Barkasi, Michael" userId="604489e9-c8b5-4a18-ae0d-3a3e29c44efc" providerId="ADAL" clId="{7B240E68-553F-994D-927D-9E20778282F8}" dt="2025-05-06T02:31:35.626" v="54"/>
-          <ac:spMkLst>
-            <pc:docMk/>
-            <pc:sldMasterMk cId="2603251638" sldId="2147483672"/>
-            <ac:spMk id="3" creationId="{00000000-0000-0000-0000-000000000000}"/>
-          </ac:spMkLst>
-        </pc:spChg>
-        <pc:spChg chg="mod">
-          <ac:chgData name="Barkasi, Michael" userId="604489e9-c8b5-4a18-ae0d-3a3e29c44efc" providerId="ADAL" clId="{7B240E68-553F-994D-927D-9E20778282F8}" dt="2025-05-06T02:31:35.626" v="54"/>
-          <ac:spMkLst>
-            <pc:docMk/>
-            <pc:sldMasterMk cId="2603251638" sldId="2147483672"/>
-            <ac:spMk id="4" creationId="{00000000-0000-0000-0000-000000000000}"/>
-          </ac:spMkLst>
-        </pc:spChg>
-        <pc:spChg chg="mod">
-          <ac:chgData name="Barkasi, Michael" userId="604489e9-c8b5-4a18-ae0d-3a3e29c44efc" providerId="ADAL" clId="{7B240E68-553F-994D-927D-9E20778282F8}" dt="2025-05-06T02:31:35.626" v="54"/>
-          <ac:spMkLst>
-            <pc:docMk/>
-            <pc:sldMasterMk cId="2603251638" sldId="2147483672"/>
-            <ac:spMk id="5" creationId="{00000000-0000-0000-0000-000000000000}"/>
-          </ac:spMkLst>
-        </pc:spChg>
-        <pc:spChg chg="mod">
-          <ac:chgData name="Barkasi, Michael" userId="604489e9-c8b5-4a18-ae0d-3a3e29c44efc" providerId="ADAL" clId="{7B240E68-553F-994D-927D-9E20778282F8}" dt="2025-05-06T02:31:35.626" v="54"/>
-          <ac:spMkLst>
-            <pc:docMk/>
-            <pc:sldMasterMk cId="2603251638" sldId="2147483672"/>
-            <ac:spMk id="6" creationId="{00000000-0000-0000-0000-000000000000}"/>
-          </ac:spMkLst>
-        </pc:spChg>
         <pc:sldLayoutChg chg="modSp">
           <pc:chgData name="Barkasi, Michael" userId="604489e9-c8b5-4a18-ae0d-3a3e29c44efc" providerId="ADAL" clId="{7B240E68-553F-994D-927D-9E20778282F8}" dt="2025-05-06T02:31:35.626" v="54"/>
           <pc:sldLayoutMkLst>
@@ -1188,24 +622,6 @@
             <pc:sldMasterMk cId="2603251638" sldId="2147483672"/>
             <pc:sldLayoutMk cId="1859547578" sldId="2147483673"/>
           </pc:sldLayoutMkLst>
-          <pc:spChg chg="mod">
-            <ac:chgData name="Barkasi, Michael" userId="604489e9-c8b5-4a18-ae0d-3a3e29c44efc" providerId="ADAL" clId="{7B240E68-553F-994D-927D-9E20778282F8}" dt="2025-05-06T02:31:35.626" v="54"/>
-            <ac:spMkLst>
-              <pc:docMk/>
-              <pc:sldMasterMk cId="2603251638" sldId="2147483672"/>
-              <pc:sldLayoutMk cId="1859547578" sldId="2147483673"/>
-              <ac:spMk id="2" creationId="{00000000-0000-0000-0000-000000000000}"/>
-            </ac:spMkLst>
-          </pc:spChg>
-          <pc:spChg chg="mod">
-            <ac:chgData name="Barkasi, Michael" userId="604489e9-c8b5-4a18-ae0d-3a3e29c44efc" providerId="ADAL" clId="{7B240E68-553F-994D-927D-9E20778282F8}" dt="2025-05-06T02:31:35.626" v="54"/>
-            <ac:spMkLst>
-              <pc:docMk/>
-              <pc:sldMasterMk cId="2603251638" sldId="2147483672"/>
-              <pc:sldLayoutMk cId="1859547578" sldId="2147483673"/>
-              <ac:spMk id="3" creationId="{00000000-0000-0000-0000-000000000000}"/>
-            </ac:spMkLst>
-          </pc:spChg>
         </pc:sldLayoutChg>
         <pc:sldLayoutChg chg="modSp">
           <pc:chgData name="Barkasi, Michael" userId="604489e9-c8b5-4a18-ae0d-3a3e29c44efc" providerId="ADAL" clId="{7B240E68-553F-994D-927D-9E20778282F8}" dt="2025-05-06T02:31:35.626" v="54"/>
@@ -1214,24 +630,6 @@
             <pc:sldMasterMk cId="2603251638" sldId="2147483672"/>
             <pc:sldLayoutMk cId="3694281360" sldId="2147483675"/>
           </pc:sldLayoutMkLst>
-          <pc:spChg chg="mod">
-            <ac:chgData name="Barkasi, Michael" userId="604489e9-c8b5-4a18-ae0d-3a3e29c44efc" providerId="ADAL" clId="{7B240E68-553F-994D-927D-9E20778282F8}" dt="2025-05-06T02:31:35.626" v="54"/>
-            <ac:spMkLst>
-              <pc:docMk/>
-              <pc:sldMasterMk cId="2603251638" sldId="2147483672"/>
-              <pc:sldLayoutMk cId="3694281360" sldId="2147483675"/>
-              <ac:spMk id="2" creationId="{00000000-0000-0000-0000-000000000000}"/>
-            </ac:spMkLst>
-          </pc:spChg>
-          <pc:spChg chg="mod">
-            <ac:chgData name="Barkasi, Michael" userId="604489e9-c8b5-4a18-ae0d-3a3e29c44efc" providerId="ADAL" clId="{7B240E68-553F-994D-927D-9E20778282F8}" dt="2025-05-06T02:31:35.626" v="54"/>
-            <ac:spMkLst>
-              <pc:docMk/>
-              <pc:sldMasterMk cId="2603251638" sldId="2147483672"/>
-              <pc:sldLayoutMk cId="3694281360" sldId="2147483675"/>
-              <ac:spMk id="3" creationId="{00000000-0000-0000-0000-000000000000}"/>
-            </ac:spMkLst>
-          </pc:spChg>
         </pc:sldLayoutChg>
         <pc:sldLayoutChg chg="modSp">
           <pc:chgData name="Barkasi, Michael" userId="604489e9-c8b5-4a18-ae0d-3a3e29c44efc" providerId="ADAL" clId="{7B240E68-553F-994D-927D-9E20778282F8}" dt="2025-05-06T02:31:35.626" v="54"/>
@@ -1240,24 +638,6 @@
             <pc:sldMasterMk cId="2603251638" sldId="2147483672"/>
             <pc:sldLayoutMk cId="1122480992" sldId="2147483676"/>
           </pc:sldLayoutMkLst>
-          <pc:spChg chg="mod">
-            <ac:chgData name="Barkasi, Michael" userId="604489e9-c8b5-4a18-ae0d-3a3e29c44efc" providerId="ADAL" clId="{7B240E68-553F-994D-927D-9E20778282F8}" dt="2025-05-06T02:31:35.626" v="54"/>
-            <ac:spMkLst>
-              <pc:docMk/>
-              <pc:sldMasterMk cId="2603251638" sldId="2147483672"/>
-              <pc:sldLayoutMk cId="1122480992" sldId="2147483676"/>
-              <ac:spMk id="3" creationId="{00000000-0000-0000-0000-000000000000}"/>
-            </ac:spMkLst>
-          </pc:spChg>
-          <pc:spChg chg="mod">
-            <ac:chgData name="Barkasi, Michael" userId="604489e9-c8b5-4a18-ae0d-3a3e29c44efc" providerId="ADAL" clId="{7B240E68-553F-994D-927D-9E20778282F8}" dt="2025-05-06T02:31:35.626" v="54"/>
-            <ac:spMkLst>
-              <pc:docMk/>
-              <pc:sldMasterMk cId="2603251638" sldId="2147483672"/>
-              <pc:sldLayoutMk cId="1122480992" sldId="2147483676"/>
-              <ac:spMk id="4" creationId="{00000000-0000-0000-0000-000000000000}"/>
-            </ac:spMkLst>
-          </pc:spChg>
         </pc:sldLayoutChg>
         <pc:sldLayoutChg chg="modSp">
           <pc:chgData name="Barkasi, Michael" userId="604489e9-c8b5-4a18-ae0d-3a3e29c44efc" providerId="ADAL" clId="{7B240E68-553F-994D-927D-9E20778282F8}" dt="2025-05-06T02:31:35.626" v="54"/>
@@ -1266,51 +646,6 @@
             <pc:sldMasterMk cId="2603251638" sldId="2147483672"/>
             <pc:sldLayoutMk cId="939574839" sldId="2147483677"/>
           </pc:sldLayoutMkLst>
-          <pc:spChg chg="mod">
-            <ac:chgData name="Barkasi, Michael" userId="604489e9-c8b5-4a18-ae0d-3a3e29c44efc" providerId="ADAL" clId="{7B240E68-553F-994D-927D-9E20778282F8}" dt="2025-05-06T02:31:35.626" v="54"/>
-            <ac:spMkLst>
-              <pc:docMk/>
-              <pc:sldMasterMk cId="2603251638" sldId="2147483672"/>
-              <pc:sldLayoutMk cId="939574839" sldId="2147483677"/>
-              <ac:spMk id="2" creationId="{00000000-0000-0000-0000-000000000000}"/>
-            </ac:spMkLst>
-          </pc:spChg>
-          <pc:spChg chg="mod">
-            <ac:chgData name="Barkasi, Michael" userId="604489e9-c8b5-4a18-ae0d-3a3e29c44efc" providerId="ADAL" clId="{7B240E68-553F-994D-927D-9E20778282F8}" dt="2025-05-06T02:31:35.626" v="54"/>
-            <ac:spMkLst>
-              <pc:docMk/>
-              <pc:sldMasterMk cId="2603251638" sldId="2147483672"/>
-              <pc:sldLayoutMk cId="939574839" sldId="2147483677"/>
-              <ac:spMk id="3" creationId="{00000000-0000-0000-0000-000000000000}"/>
-            </ac:spMkLst>
-          </pc:spChg>
-          <pc:spChg chg="mod">
-            <ac:chgData name="Barkasi, Michael" userId="604489e9-c8b5-4a18-ae0d-3a3e29c44efc" providerId="ADAL" clId="{7B240E68-553F-994D-927D-9E20778282F8}" dt="2025-05-06T02:31:35.626" v="54"/>
-            <ac:spMkLst>
-              <pc:docMk/>
-              <pc:sldMasterMk cId="2603251638" sldId="2147483672"/>
-              <pc:sldLayoutMk cId="939574839" sldId="2147483677"/>
-              <ac:spMk id="4" creationId="{00000000-0000-0000-0000-000000000000}"/>
-            </ac:spMkLst>
-          </pc:spChg>
-          <pc:spChg chg="mod">
-            <ac:chgData name="Barkasi, Michael" userId="604489e9-c8b5-4a18-ae0d-3a3e29c44efc" providerId="ADAL" clId="{7B240E68-553F-994D-927D-9E20778282F8}" dt="2025-05-06T02:31:35.626" v="54"/>
-            <ac:spMkLst>
-              <pc:docMk/>
-              <pc:sldMasterMk cId="2603251638" sldId="2147483672"/>
-              <pc:sldLayoutMk cId="939574839" sldId="2147483677"/>
-              <ac:spMk id="5" creationId="{00000000-0000-0000-0000-000000000000}"/>
-            </ac:spMkLst>
-          </pc:spChg>
-          <pc:spChg chg="mod">
-            <ac:chgData name="Barkasi, Michael" userId="604489e9-c8b5-4a18-ae0d-3a3e29c44efc" providerId="ADAL" clId="{7B240E68-553F-994D-927D-9E20778282F8}" dt="2025-05-06T02:31:35.626" v="54"/>
-            <ac:spMkLst>
-              <pc:docMk/>
-              <pc:sldMasterMk cId="2603251638" sldId="2147483672"/>
-              <pc:sldLayoutMk cId="939574839" sldId="2147483677"/>
-              <ac:spMk id="6" creationId="{00000000-0000-0000-0000-000000000000}"/>
-            </ac:spMkLst>
-          </pc:spChg>
         </pc:sldLayoutChg>
         <pc:sldLayoutChg chg="modSp">
           <pc:chgData name="Barkasi, Michael" userId="604489e9-c8b5-4a18-ae0d-3a3e29c44efc" providerId="ADAL" clId="{7B240E68-553F-994D-927D-9E20778282F8}" dt="2025-05-06T02:31:35.626" v="54"/>
@@ -1319,33 +654,6 @@
             <pc:sldMasterMk cId="2603251638" sldId="2147483672"/>
             <pc:sldLayoutMk cId="2416541566" sldId="2147483680"/>
           </pc:sldLayoutMkLst>
-          <pc:spChg chg="mod">
-            <ac:chgData name="Barkasi, Michael" userId="604489e9-c8b5-4a18-ae0d-3a3e29c44efc" providerId="ADAL" clId="{7B240E68-553F-994D-927D-9E20778282F8}" dt="2025-05-06T02:31:35.626" v="54"/>
-            <ac:spMkLst>
-              <pc:docMk/>
-              <pc:sldMasterMk cId="2603251638" sldId="2147483672"/>
-              <pc:sldLayoutMk cId="2416541566" sldId="2147483680"/>
-              <ac:spMk id="2" creationId="{00000000-0000-0000-0000-000000000000}"/>
-            </ac:spMkLst>
-          </pc:spChg>
-          <pc:spChg chg="mod">
-            <ac:chgData name="Barkasi, Michael" userId="604489e9-c8b5-4a18-ae0d-3a3e29c44efc" providerId="ADAL" clId="{7B240E68-553F-994D-927D-9E20778282F8}" dt="2025-05-06T02:31:35.626" v="54"/>
-            <ac:spMkLst>
-              <pc:docMk/>
-              <pc:sldMasterMk cId="2603251638" sldId="2147483672"/>
-              <pc:sldLayoutMk cId="2416541566" sldId="2147483680"/>
-              <ac:spMk id="3" creationId="{00000000-0000-0000-0000-000000000000}"/>
-            </ac:spMkLst>
-          </pc:spChg>
-          <pc:spChg chg="mod">
-            <ac:chgData name="Barkasi, Michael" userId="604489e9-c8b5-4a18-ae0d-3a3e29c44efc" providerId="ADAL" clId="{7B240E68-553F-994D-927D-9E20778282F8}" dt="2025-05-06T02:31:35.626" v="54"/>
-            <ac:spMkLst>
-              <pc:docMk/>
-              <pc:sldMasterMk cId="2603251638" sldId="2147483672"/>
-              <pc:sldLayoutMk cId="2416541566" sldId="2147483680"/>
-              <ac:spMk id="4" creationId="{00000000-0000-0000-0000-000000000000}"/>
-            </ac:spMkLst>
-          </pc:spChg>
         </pc:sldLayoutChg>
         <pc:sldLayoutChg chg="modSp">
           <pc:chgData name="Barkasi, Michael" userId="604489e9-c8b5-4a18-ae0d-3a3e29c44efc" providerId="ADAL" clId="{7B240E68-553F-994D-927D-9E20778282F8}" dt="2025-05-06T02:31:35.626" v="54"/>
@@ -1354,33 +662,6 @@
             <pc:sldMasterMk cId="2603251638" sldId="2147483672"/>
             <pc:sldLayoutMk cId="3908978839" sldId="2147483681"/>
           </pc:sldLayoutMkLst>
-          <pc:spChg chg="mod">
-            <ac:chgData name="Barkasi, Michael" userId="604489e9-c8b5-4a18-ae0d-3a3e29c44efc" providerId="ADAL" clId="{7B240E68-553F-994D-927D-9E20778282F8}" dt="2025-05-06T02:31:35.626" v="54"/>
-            <ac:spMkLst>
-              <pc:docMk/>
-              <pc:sldMasterMk cId="2603251638" sldId="2147483672"/>
-              <pc:sldLayoutMk cId="3908978839" sldId="2147483681"/>
-              <ac:spMk id="2" creationId="{00000000-0000-0000-0000-000000000000}"/>
-            </ac:spMkLst>
-          </pc:spChg>
-          <pc:spChg chg="mod">
-            <ac:chgData name="Barkasi, Michael" userId="604489e9-c8b5-4a18-ae0d-3a3e29c44efc" providerId="ADAL" clId="{7B240E68-553F-994D-927D-9E20778282F8}" dt="2025-05-06T02:31:35.626" v="54"/>
-            <ac:spMkLst>
-              <pc:docMk/>
-              <pc:sldMasterMk cId="2603251638" sldId="2147483672"/>
-              <pc:sldLayoutMk cId="3908978839" sldId="2147483681"/>
-              <ac:spMk id="3" creationId="{00000000-0000-0000-0000-000000000000}"/>
-            </ac:spMkLst>
-          </pc:spChg>
-          <pc:spChg chg="mod">
-            <ac:chgData name="Barkasi, Michael" userId="604489e9-c8b5-4a18-ae0d-3a3e29c44efc" providerId="ADAL" clId="{7B240E68-553F-994D-927D-9E20778282F8}" dt="2025-05-06T02:31:35.626" v="54"/>
-            <ac:spMkLst>
-              <pc:docMk/>
-              <pc:sldMasterMk cId="2603251638" sldId="2147483672"/>
-              <pc:sldLayoutMk cId="3908978839" sldId="2147483681"/>
-              <ac:spMk id="4" creationId="{00000000-0000-0000-0000-000000000000}"/>
-            </ac:spMkLst>
-          </pc:spChg>
         </pc:sldLayoutChg>
         <pc:sldLayoutChg chg="modSp">
           <pc:chgData name="Barkasi, Michael" userId="604489e9-c8b5-4a18-ae0d-3a3e29c44efc" providerId="ADAL" clId="{7B240E68-553F-994D-927D-9E20778282F8}" dt="2025-05-06T02:31:35.626" v="54"/>
@@ -1389,24 +670,6 @@
             <pc:sldMasterMk cId="2603251638" sldId="2147483672"/>
             <pc:sldLayoutMk cId="154893290" sldId="2147483683"/>
           </pc:sldLayoutMkLst>
-          <pc:spChg chg="mod">
-            <ac:chgData name="Barkasi, Michael" userId="604489e9-c8b5-4a18-ae0d-3a3e29c44efc" providerId="ADAL" clId="{7B240E68-553F-994D-927D-9E20778282F8}" dt="2025-05-06T02:31:35.626" v="54"/>
-            <ac:spMkLst>
-              <pc:docMk/>
-              <pc:sldMasterMk cId="2603251638" sldId="2147483672"/>
-              <pc:sldLayoutMk cId="154893290" sldId="2147483683"/>
-              <ac:spMk id="2" creationId="{00000000-0000-0000-0000-000000000000}"/>
-            </ac:spMkLst>
-          </pc:spChg>
-          <pc:spChg chg="mod">
-            <ac:chgData name="Barkasi, Michael" userId="604489e9-c8b5-4a18-ae0d-3a3e29c44efc" providerId="ADAL" clId="{7B240E68-553F-994D-927D-9E20778282F8}" dt="2025-05-06T02:31:35.626" v="54"/>
-            <ac:spMkLst>
-              <pc:docMk/>
-              <pc:sldMasterMk cId="2603251638" sldId="2147483672"/>
-              <pc:sldLayoutMk cId="154893290" sldId="2147483683"/>
-              <ac:spMk id="3" creationId="{00000000-0000-0000-0000-000000000000}"/>
-            </ac:spMkLst>
-          </pc:spChg>
         </pc:sldLayoutChg>
       </pc:sldMasterChg>
       <pc:sldMasterChg chg="modSp">
@@ -1415,38 +678,6 @@
           <pc:docMk/>
           <pc:sldMasterMk cId="2751816586" sldId="2147483684"/>
         </pc:sldMasterMkLst>
-        <pc:spChg chg="mod">
-          <ac:chgData name="Barkasi, Michael" userId="604489e9-c8b5-4a18-ae0d-3a3e29c44efc" providerId="ADAL" clId="{7B240E68-553F-994D-927D-9E20778282F8}" dt="2025-05-06T03:13:33.527" v="682"/>
-          <ac:spMkLst>
-            <pc:docMk/>
-            <pc:sldMasterMk cId="2751816586" sldId="2147483684"/>
-            <ac:spMk id="3" creationId="{00000000-0000-0000-0000-000000000000}"/>
-          </ac:spMkLst>
-        </pc:spChg>
-        <pc:spChg chg="mod">
-          <ac:chgData name="Barkasi, Michael" userId="604489e9-c8b5-4a18-ae0d-3a3e29c44efc" providerId="ADAL" clId="{7B240E68-553F-994D-927D-9E20778282F8}" dt="2025-05-06T03:13:33.527" v="682"/>
-          <ac:spMkLst>
-            <pc:docMk/>
-            <pc:sldMasterMk cId="2751816586" sldId="2147483684"/>
-            <ac:spMk id="4" creationId="{00000000-0000-0000-0000-000000000000}"/>
-          </ac:spMkLst>
-        </pc:spChg>
-        <pc:spChg chg="mod">
-          <ac:chgData name="Barkasi, Michael" userId="604489e9-c8b5-4a18-ae0d-3a3e29c44efc" providerId="ADAL" clId="{7B240E68-553F-994D-927D-9E20778282F8}" dt="2025-05-06T03:13:33.527" v="682"/>
-          <ac:spMkLst>
-            <pc:docMk/>
-            <pc:sldMasterMk cId="2751816586" sldId="2147483684"/>
-            <ac:spMk id="5" creationId="{00000000-0000-0000-0000-000000000000}"/>
-          </ac:spMkLst>
-        </pc:spChg>
-        <pc:spChg chg="mod">
-          <ac:chgData name="Barkasi, Michael" userId="604489e9-c8b5-4a18-ae0d-3a3e29c44efc" providerId="ADAL" clId="{7B240E68-553F-994D-927D-9E20778282F8}" dt="2025-05-06T03:13:33.527" v="682"/>
-          <ac:spMkLst>
-            <pc:docMk/>
-            <pc:sldMasterMk cId="2751816586" sldId="2147483684"/>
-            <ac:spMk id="6" creationId="{00000000-0000-0000-0000-000000000000}"/>
-          </ac:spMkLst>
-        </pc:spChg>
       </pc:sldMasterChg>
     </pc:docChg>
   </pc:docChgLst>
@@ -1600,6 +831,568 @@
           </ac:spMkLst>
         </pc:spChg>
       </pc:sldChg>
+    </pc:docChg>
+  </pc:docChgLst>
+  <pc:docChgLst>
+    <pc:chgData name="Barkasi, Michael" userId="604489e9-c8b5-4a18-ae0d-3a3e29c44efc" providerId="ADAL" clId="{14723DC9-91C2-A846-8CF6-085A7C83E4A0}"/>
+    <pc:docChg chg="modSld modMainMaster">
+      <pc:chgData name="Barkasi, Michael" userId="604489e9-c8b5-4a18-ae0d-3a3e29c44efc" providerId="ADAL" clId="{14723DC9-91C2-A846-8CF6-085A7C83E4A0}" dt="2025-05-23T03:35:03.610" v="73" actId="1076"/>
+      <pc:docMkLst>
+        <pc:docMk/>
+      </pc:docMkLst>
+      <pc:sldChg chg="addSp delSp modSp mod">
+        <pc:chgData name="Barkasi, Michael" userId="604489e9-c8b5-4a18-ae0d-3a3e29c44efc" providerId="ADAL" clId="{14723DC9-91C2-A846-8CF6-085A7C83E4A0}" dt="2025-05-23T03:35:03.610" v="73" actId="1076"/>
+        <pc:sldMkLst>
+          <pc:docMk/>
+          <pc:sldMk cId="1160241537" sldId="256"/>
+        </pc:sldMkLst>
+        <pc:spChg chg="add mod">
+          <ac:chgData name="Barkasi, Michael" userId="604489e9-c8b5-4a18-ae0d-3a3e29c44efc" providerId="ADAL" clId="{14723DC9-91C2-A846-8CF6-085A7C83E4A0}" dt="2025-05-23T03:35:03.610" v="73" actId="1076"/>
+          <ac:spMkLst>
+            <pc:docMk/>
+            <pc:sldMk cId="1160241537" sldId="256"/>
+            <ac:spMk id="4" creationId="{24205FA8-F77A-14F7-9549-610A8D9BD025}"/>
+          </ac:spMkLst>
+        </pc:spChg>
+        <pc:spChg chg="mod topLvl">
+          <ac:chgData name="Barkasi, Michael" userId="604489e9-c8b5-4a18-ae0d-3a3e29c44efc" providerId="ADAL" clId="{14723DC9-91C2-A846-8CF6-085A7C83E4A0}" dt="2025-05-23T03:33:54.719" v="62" actId="165"/>
+          <ac:spMkLst>
+            <pc:docMk/>
+            <pc:sldMk cId="1160241537" sldId="256"/>
+            <ac:spMk id="13" creationId="{7B91DD4F-8E1E-E9FB-FE2A-E9A0304EE8A1}"/>
+          </ac:spMkLst>
+        </pc:spChg>
+        <pc:spChg chg="mod topLvl">
+          <ac:chgData name="Barkasi, Michael" userId="604489e9-c8b5-4a18-ae0d-3a3e29c44efc" providerId="ADAL" clId="{14723DC9-91C2-A846-8CF6-085A7C83E4A0}" dt="2025-05-23T03:34:30.726" v="69" actId="165"/>
+          <ac:spMkLst>
+            <pc:docMk/>
+            <pc:sldMk cId="1160241537" sldId="256"/>
+            <ac:spMk id="14" creationId="{7CABAB10-265F-7B21-7E4A-78722ABB6501}"/>
+          </ac:spMkLst>
+        </pc:spChg>
+        <pc:spChg chg="mod topLvl">
+          <ac:chgData name="Barkasi, Michael" userId="604489e9-c8b5-4a18-ae0d-3a3e29c44efc" providerId="ADAL" clId="{14723DC9-91C2-A846-8CF6-085A7C83E4A0}" dt="2025-05-23T03:34:30.726" v="69" actId="165"/>
+          <ac:spMkLst>
+            <pc:docMk/>
+            <pc:sldMk cId="1160241537" sldId="256"/>
+            <ac:spMk id="15" creationId="{09BF9B13-3340-B1E4-256E-9A39D868530C}"/>
+          </ac:spMkLst>
+        </pc:spChg>
+        <pc:spChg chg="mod topLvl">
+          <ac:chgData name="Barkasi, Michael" userId="604489e9-c8b5-4a18-ae0d-3a3e29c44efc" providerId="ADAL" clId="{14723DC9-91C2-A846-8CF6-085A7C83E4A0}" dt="2025-05-23T03:34:30.726" v="69" actId="165"/>
+          <ac:spMkLst>
+            <pc:docMk/>
+            <pc:sldMk cId="1160241537" sldId="256"/>
+            <ac:spMk id="17" creationId="{BCB5E42C-BDAF-4472-57FD-CEC87C4ED0C1}"/>
+          </ac:spMkLst>
+        </pc:spChg>
+        <pc:spChg chg="mod topLvl">
+          <ac:chgData name="Barkasi, Michael" userId="604489e9-c8b5-4a18-ae0d-3a3e29c44efc" providerId="ADAL" clId="{14723DC9-91C2-A846-8CF6-085A7C83E4A0}" dt="2025-05-23T03:33:54.719" v="62" actId="165"/>
+          <ac:spMkLst>
+            <pc:docMk/>
+            <pc:sldMk cId="1160241537" sldId="256"/>
+            <ac:spMk id="18" creationId="{D10A3D1F-6FAF-0137-94F8-3B0AF6F172D8}"/>
+          </ac:spMkLst>
+        </pc:spChg>
+        <pc:spChg chg="mod topLvl">
+          <ac:chgData name="Barkasi, Michael" userId="604489e9-c8b5-4a18-ae0d-3a3e29c44efc" providerId="ADAL" clId="{14723DC9-91C2-A846-8CF6-085A7C83E4A0}" dt="2025-05-23T03:33:54.719" v="62" actId="165"/>
+          <ac:spMkLst>
+            <pc:docMk/>
+            <pc:sldMk cId="1160241537" sldId="256"/>
+            <ac:spMk id="19" creationId="{4315B280-3EAC-DD2E-7B99-DE549B779C6A}"/>
+          </ac:spMkLst>
+        </pc:spChg>
+        <pc:spChg chg="mod topLvl">
+          <ac:chgData name="Barkasi, Michael" userId="604489e9-c8b5-4a18-ae0d-3a3e29c44efc" providerId="ADAL" clId="{14723DC9-91C2-A846-8CF6-085A7C83E4A0}" dt="2025-05-23T03:33:54.719" v="62" actId="165"/>
+          <ac:spMkLst>
+            <pc:docMk/>
+            <pc:sldMk cId="1160241537" sldId="256"/>
+            <ac:spMk id="20" creationId="{B847D3E9-F6AC-40DB-2581-58FA1DC09D0D}"/>
+          </ac:spMkLst>
+        </pc:spChg>
+        <pc:spChg chg="mod topLvl">
+          <ac:chgData name="Barkasi, Michael" userId="604489e9-c8b5-4a18-ae0d-3a3e29c44efc" providerId="ADAL" clId="{14723DC9-91C2-A846-8CF6-085A7C83E4A0}" dt="2025-05-23T03:34:30.726" v="69" actId="165"/>
+          <ac:spMkLst>
+            <pc:docMk/>
+            <pc:sldMk cId="1160241537" sldId="256"/>
+            <ac:spMk id="22" creationId="{0D3340DE-406D-11E2-8775-79C3AE14B727}"/>
+          </ac:spMkLst>
+        </pc:spChg>
+        <pc:spChg chg="mod topLvl">
+          <ac:chgData name="Barkasi, Michael" userId="604489e9-c8b5-4a18-ae0d-3a3e29c44efc" providerId="ADAL" clId="{14723DC9-91C2-A846-8CF6-085A7C83E4A0}" dt="2025-05-23T03:34:30.726" v="69" actId="165"/>
+          <ac:spMkLst>
+            <pc:docMk/>
+            <pc:sldMk cId="1160241537" sldId="256"/>
+            <ac:spMk id="23" creationId="{B51C9DC5-F89E-0FC9-7E6B-863DA0C1F720}"/>
+          </ac:spMkLst>
+        </pc:spChg>
+        <pc:spChg chg="mod topLvl">
+          <ac:chgData name="Barkasi, Michael" userId="604489e9-c8b5-4a18-ae0d-3a3e29c44efc" providerId="ADAL" clId="{14723DC9-91C2-A846-8CF6-085A7C83E4A0}" dt="2025-05-23T03:33:54.719" v="62" actId="165"/>
+          <ac:spMkLst>
+            <pc:docMk/>
+            <pc:sldMk cId="1160241537" sldId="256"/>
+            <ac:spMk id="25" creationId="{6CACE375-140F-ABBF-99B5-E90E4D3F0097}"/>
+          </ac:spMkLst>
+        </pc:spChg>
+        <pc:spChg chg="mod topLvl">
+          <ac:chgData name="Barkasi, Michael" userId="604489e9-c8b5-4a18-ae0d-3a3e29c44efc" providerId="ADAL" clId="{14723DC9-91C2-A846-8CF6-085A7C83E4A0}" dt="2025-05-23T03:33:54.719" v="62" actId="165"/>
+          <ac:spMkLst>
+            <pc:docMk/>
+            <pc:sldMk cId="1160241537" sldId="256"/>
+            <ac:spMk id="29" creationId="{F83DFDAD-3292-5568-9297-AEBC3860A5DA}"/>
+          </ac:spMkLst>
+        </pc:spChg>
+        <pc:spChg chg="mod topLvl">
+          <ac:chgData name="Barkasi, Michael" userId="604489e9-c8b5-4a18-ae0d-3a3e29c44efc" providerId="ADAL" clId="{14723DC9-91C2-A846-8CF6-085A7C83E4A0}" dt="2025-05-23T03:34:30.726" v="69" actId="165"/>
+          <ac:spMkLst>
+            <pc:docMk/>
+            <pc:sldMk cId="1160241537" sldId="256"/>
+            <ac:spMk id="30" creationId="{609293E5-FAEF-B4AC-3345-328CCDC32FFE}"/>
+          </ac:spMkLst>
+        </pc:spChg>
+        <pc:spChg chg="mod topLvl">
+          <ac:chgData name="Barkasi, Michael" userId="604489e9-c8b5-4a18-ae0d-3a3e29c44efc" providerId="ADAL" clId="{14723DC9-91C2-A846-8CF6-085A7C83E4A0}" dt="2025-05-23T03:34:30.726" v="69" actId="165"/>
+          <ac:spMkLst>
+            <pc:docMk/>
+            <pc:sldMk cId="1160241537" sldId="256"/>
+            <ac:spMk id="32" creationId="{9472E4EF-A136-9742-80DD-A64970F72AEF}"/>
+          </ac:spMkLst>
+        </pc:spChg>
+        <pc:spChg chg="mod topLvl">
+          <ac:chgData name="Barkasi, Michael" userId="604489e9-c8b5-4a18-ae0d-3a3e29c44efc" providerId="ADAL" clId="{14723DC9-91C2-A846-8CF6-085A7C83E4A0}" dt="2025-05-23T03:33:54.719" v="62" actId="165"/>
+          <ac:spMkLst>
+            <pc:docMk/>
+            <pc:sldMk cId="1160241537" sldId="256"/>
+            <ac:spMk id="35" creationId="{31E5522E-260A-87C4-320B-130EB388D970}"/>
+          </ac:spMkLst>
+        </pc:spChg>
+        <pc:spChg chg="mod topLvl">
+          <ac:chgData name="Barkasi, Michael" userId="604489e9-c8b5-4a18-ae0d-3a3e29c44efc" providerId="ADAL" clId="{14723DC9-91C2-A846-8CF6-085A7C83E4A0}" dt="2025-05-23T03:34:30.726" v="69" actId="165"/>
+          <ac:spMkLst>
+            <pc:docMk/>
+            <pc:sldMk cId="1160241537" sldId="256"/>
+            <ac:spMk id="36" creationId="{D6CEB36B-1F87-DD10-A42A-BEC8CD516816}"/>
+          </ac:spMkLst>
+        </pc:spChg>
+        <pc:spChg chg="mod topLvl">
+          <ac:chgData name="Barkasi, Michael" userId="604489e9-c8b5-4a18-ae0d-3a3e29c44efc" providerId="ADAL" clId="{14723DC9-91C2-A846-8CF6-085A7C83E4A0}" dt="2025-05-23T03:33:54.719" v="62" actId="165"/>
+          <ac:spMkLst>
+            <pc:docMk/>
+            <pc:sldMk cId="1160241537" sldId="256"/>
+            <ac:spMk id="37" creationId="{D961E832-5A9C-7FA5-B576-F946E195770F}"/>
+          </ac:spMkLst>
+        </pc:spChg>
+        <pc:spChg chg="mod topLvl">
+          <ac:chgData name="Barkasi, Michael" userId="604489e9-c8b5-4a18-ae0d-3a3e29c44efc" providerId="ADAL" clId="{14723DC9-91C2-A846-8CF6-085A7C83E4A0}" dt="2025-05-23T03:34:30.726" v="69" actId="165"/>
+          <ac:spMkLst>
+            <pc:docMk/>
+            <pc:sldMk cId="1160241537" sldId="256"/>
+            <ac:spMk id="38" creationId="{9A6EB0F7-039E-DF0B-BDCE-5B7C2881181F}"/>
+          </ac:spMkLst>
+        </pc:spChg>
+        <pc:spChg chg="mod">
+          <ac:chgData name="Barkasi, Michael" userId="604489e9-c8b5-4a18-ae0d-3a3e29c44efc" providerId="ADAL" clId="{14723DC9-91C2-A846-8CF6-085A7C83E4A0}" dt="2025-05-23T03:29:15.704" v="1" actId="164"/>
+          <ac:spMkLst>
+            <pc:docMk/>
+            <pc:sldMk cId="1160241537" sldId="256"/>
+            <ac:spMk id="39" creationId="{2C2C0C59-B88E-1A37-3301-55C9F77DF7D3}"/>
+          </ac:spMkLst>
+        </pc:spChg>
+        <pc:spChg chg="mod topLvl">
+          <ac:chgData name="Barkasi, Michael" userId="604489e9-c8b5-4a18-ae0d-3a3e29c44efc" providerId="ADAL" clId="{14723DC9-91C2-A846-8CF6-085A7C83E4A0}" dt="2025-05-23T03:33:43.896" v="61" actId="165"/>
+          <ac:spMkLst>
+            <pc:docMk/>
+            <pc:sldMk cId="1160241537" sldId="256"/>
+            <ac:spMk id="40" creationId="{8737FB37-D94B-EB09-5DBF-DA3B45803AF9}"/>
+          </ac:spMkLst>
+        </pc:spChg>
+        <pc:spChg chg="mod topLvl">
+          <ac:chgData name="Barkasi, Michael" userId="604489e9-c8b5-4a18-ae0d-3a3e29c44efc" providerId="ADAL" clId="{14723DC9-91C2-A846-8CF6-085A7C83E4A0}" dt="2025-05-23T03:33:43.896" v="61" actId="165"/>
+          <ac:spMkLst>
+            <pc:docMk/>
+            <pc:sldMk cId="1160241537" sldId="256"/>
+            <ac:spMk id="48" creationId="{E6302993-DD51-CC3D-EE9E-6AB07E87E742}"/>
+          </ac:spMkLst>
+        </pc:spChg>
+        <pc:spChg chg="mod topLvl">
+          <ac:chgData name="Barkasi, Michael" userId="604489e9-c8b5-4a18-ae0d-3a3e29c44efc" providerId="ADAL" clId="{14723DC9-91C2-A846-8CF6-085A7C83E4A0}" dt="2025-05-23T03:33:54.719" v="62" actId="165"/>
+          <ac:spMkLst>
+            <pc:docMk/>
+            <pc:sldMk cId="1160241537" sldId="256"/>
+            <ac:spMk id="50" creationId="{B7B1CAC3-A690-A8BA-ABAE-E523DEA91CD3}"/>
+          </ac:spMkLst>
+        </pc:spChg>
+        <pc:spChg chg="mod topLvl">
+          <ac:chgData name="Barkasi, Michael" userId="604489e9-c8b5-4a18-ae0d-3a3e29c44efc" providerId="ADAL" clId="{14723DC9-91C2-A846-8CF6-085A7C83E4A0}" dt="2025-05-23T03:34:25.044" v="68" actId="1076"/>
+          <ac:spMkLst>
+            <pc:docMk/>
+            <pc:sldMk cId="1160241537" sldId="256"/>
+            <ac:spMk id="51" creationId="{9A0BE34F-57FC-A882-BE9C-DE71B97773AC}"/>
+          </ac:spMkLst>
+        </pc:spChg>
+        <pc:spChg chg="mod">
+          <ac:chgData name="Barkasi, Michael" userId="604489e9-c8b5-4a18-ae0d-3a3e29c44efc" providerId="ADAL" clId="{14723DC9-91C2-A846-8CF6-085A7C83E4A0}" dt="2025-05-23T03:34:39.179" v="72" actId="14100"/>
+          <ac:spMkLst>
+            <pc:docMk/>
+            <pc:sldMk cId="1160241537" sldId="256"/>
+            <ac:spMk id="63" creationId="{942A2658-E403-25D7-3AC3-3E31397ED7F3}"/>
+          </ac:spMkLst>
+        </pc:spChg>
+        <pc:spChg chg="mod">
+          <ac:chgData name="Barkasi, Michael" userId="604489e9-c8b5-4a18-ae0d-3a3e29c44efc" providerId="ADAL" clId="{14723DC9-91C2-A846-8CF6-085A7C83E4A0}" dt="2025-05-23T03:29:15.704" v="1" actId="164"/>
+          <ac:spMkLst>
+            <pc:docMk/>
+            <pc:sldMk cId="1160241537" sldId="256"/>
+            <ac:spMk id="64" creationId="{AF7333AD-39E2-F1BE-0029-38386FDB7D17}"/>
+          </ac:spMkLst>
+        </pc:spChg>
+        <pc:spChg chg="mod">
+          <ac:chgData name="Barkasi, Michael" userId="604489e9-c8b5-4a18-ae0d-3a3e29c44efc" providerId="ADAL" clId="{14723DC9-91C2-A846-8CF6-085A7C83E4A0}" dt="2025-05-23T03:29:05.646" v="0"/>
+          <ac:spMkLst>
+            <pc:docMk/>
+            <pc:sldMk cId="1160241537" sldId="256"/>
+            <ac:spMk id="68" creationId="{549FB2DF-D27D-0D92-AE12-899E4D85F4C0}"/>
+          </ac:spMkLst>
+        </pc:spChg>
+        <pc:spChg chg="mod topLvl">
+          <ac:chgData name="Barkasi, Michael" userId="604489e9-c8b5-4a18-ae0d-3a3e29c44efc" providerId="ADAL" clId="{14723DC9-91C2-A846-8CF6-085A7C83E4A0}" dt="2025-05-23T03:34:30.726" v="69" actId="165"/>
+          <ac:spMkLst>
+            <pc:docMk/>
+            <pc:sldMk cId="1160241537" sldId="256"/>
+            <ac:spMk id="69" creationId="{5F0D54BB-7B2F-BE9F-E94A-AB4B7CA0E82E}"/>
+          </ac:spMkLst>
+        </pc:spChg>
+        <pc:spChg chg="mod">
+          <ac:chgData name="Barkasi, Michael" userId="604489e9-c8b5-4a18-ae0d-3a3e29c44efc" providerId="ADAL" clId="{14723DC9-91C2-A846-8CF6-085A7C83E4A0}" dt="2025-05-23T03:29:15.704" v="1" actId="164"/>
+          <ac:spMkLst>
+            <pc:docMk/>
+            <pc:sldMk cId="1160241537" sldId="256"/>
+            <ac:spMk id="95" creationId="{EAE47810-0E78-1D70-BB59-D061A2D94E9A}"/>
+          </ac:spMkLst>
+        </pc:spChg>
+        <pc:spChg chg="mod">
+          <ac:chgData name="Barkasi, Michael" userId="604489e9-c8b5-4a18-ae0d-3a3e29c44efc" providerId="ADAL" clId="{14723DC9-91C2-A846-8CF6-085A7C83E4A0}" dt="2025-05-23T03:29:15.704" v="1" actId="164"/>
+          <ac:spMkLst>
+            <pc:docMk/>
+            <pc:sldMk cId="1160241537" sldId="256"/>
+            <ac:spMk id="98" creationId="{3AAC87AF-261E-ABF7-50F7-87FC51C56B51}"/>
+          </ac:spMkLst>
+        </pc:spChg>
+        <pc:spChg chg="mod">
+          <ac:chgData name="Barkasi, Michael" userId="604489e9-c8b5-4a18-ae0d-3a3e29c44efc" providerId="ADAL" clId="{14723DC9-91C2-A846-8CF6-085A7C83E4A0}" dt="2025-05-23T03:29:15.704" v="1" actId="164"/>
+          <ac:spMkLst>
+            <pc:docMk/>
+            <pc:sldMk cId="1160241537" sldId="256"/>
+            <ac:spMk id="100" creationId="{FED3D04B-5A2C-CA5B-1D61-9DDC547AC876}"/>
+          </ac:spMkLst>
+        </pc:spChg>
+        <pc:spChg chg="mod">
+          <ac:chgData name="Barkasi, Michael" userId="604489e9-c8b5-4a18-ae0d-3a3e29c44efc" providerId="ADAL" clId="{14723DC9-91C2-A846-8CF6-085A7C83E4A0}" dt="2025-05-23T03:29:15.704" v="1" actId="164"/>
+          <ac:spMkLst>
+            <pc:docMk/>
+            <pc:sldMk cId="1160241537" sldId="256"/>
+            <ac:spMk id="105" creationId="{FBB96981-705A-C6BA-FD25-F7B3C75652C6}"/>
+          </ac:spMkLst>
+        </pc:spChg>
+        <pc:grpChg chg="mod">
+          <ac:chgData name="Barkasi, Michael" userId="604489e9-c8b5-4a18-ae0d-3a3e29c44efc" providerId="ADAL" clId="{14723DC9-91C2-A846-8CF6-085A7C83E4A0}" dt="2025-05-23T03:29:24.485" v="2" actId="1076"/>
+          <ac:grpSpMkLst>
+            <pc:docMk/>
+            <pc:sldMk cId="1160241537" sldId="256"/>
+            <ac:grpSpMk id="2" creationId="{574199DA-4B54-894E-0FA8-07A9B91554B0}"/>
+          </ac:grpSpMkLst>
+        </pc:grpChg>
+        <pc:picChg chg="mod">
+          <ac:chgData name="Barkasi, Michael" userId="604489e9-c8b5-4a18-ae0d-3a3e29c44efc" providerId="ADAL" clId="{14723DC9-91C2-A846-8CF6-085A7C83E4A0}" dt="2025-05-23T03:29:15.704" v="1" actId="164"/>
+          <ac:picMkLst>
+            <pc:docMk/>
+            <pc:sldMk cId="1160241537" sldId="256"/>
+            <ac:picMk id="9" creationId="{F8376F68-E2B1-A07A-FAD5-378B30782077}"/>
+          </ac:picMkLst>
+        </pc:picChg>
+        <pc:picChg chg="mod">
+          <ac:chgData name="Barkasi, Michael" userId="604489e9-c8b5-4a18-ae0d-3a3e29c44efc" providerId="ADAL" clId="{14723DC9-91C2-A846-8CF6-085A7C83E4A0}" dt="2025-05-23T03:29:15.704" v="1" actId="164"/>
+          <ac:picMkLst>
+            <pc:docMk/>
+            <pc:sldMk cId="1160241537" sldId="256"/>
+            <ac:picMk id="12" creationId="{0C3A8B35-30FD-60F1-F2A8-CCC7521E9D89}"/>
+          </ac:picMkLst>
+        </pc:picChg>
+      </pc:sldChg>
+      <pc:sldMasterChg chg="modSp modSldLayout">
+        <pc:chgData name="Barkasi, Michael" userId="604489e9-c8b5-4a18-ae0d-3a3e29c44efc" providerId="ADAL" clId="{14723DC9-91C2-A846-8CF6-085A7C83E4A0}" dt="2025-05-23T03:29:05.646" v="0"/>
+        <pc:sldMasterMkLst>
+          <pc:docMk/>
+          <pc:sldMasterMk cId="2751816586" sldId="2147483684"/>
+        </pc:sldMasterMkLst>
+        <pc:spChg chg="mod">
+          <ac:chgData name="Barkasi, Michael" userId="604489e9-c8b5-4a18-ae0d-3a3e29c44efc" providerId="ADAL" clId="{14723DC9-91C2-A846-8CF6-085A7C83E4A0}" dt="2025-05-23T03:29:05.646" v="0"/>
+          <ac:spMkLst>
+            <pc:docMk/>
+            <pc:sldMasterMk cId="2751816586" sldId="2147483684"/>
+            <ac:spMk id="2" creationId="{00000000-0000-0000-0000-000000000000}"/>
+          </ac:spMkLst>
+        </pc:spChg>
+        <pc:spChg chg="mod">
+          <ac:chgData name="Barkasi, Michael" userId="604489e9-c8b5-4a18-ae0d-3a3e29c44efc" providerId="ADAL" clId="{14723DC9-91C2-A846-8CF6-085A7C83E4A0}" dt="2025-05-23T03:29:05.646" v="0"/>
+          <ac:spMkLst>
+            <pc:docMk/>
+            <pc:sldMasterMk cId="2751816586" sldId="2147483684"/>
+            <ac:spMk id="3" creationId="{00000000-0000-0000-0000-000000000000}"/>
+          </ac:spMkLst>
+        </pc:spChg>
+        <pc:spChg chg="mod">
+          <ac:chgData name="Barkasi, Michael" userId="604489e9-c8b5-4a18-ae0d-3a3e29c44efc" providerId="ADAL" clId="{14723DC9-91C2-A846-8CF6-085A7C83E4A0}" dt="2025-05-23T03:29:05.646" v="0"/>
+          <ac:spMkLst>
+            <pc:docMk/>
+            <pc:sldMasterMk cId="2751816586" sldId="2147483684"/>
+            <ac:spMk id="4" creationId="{00000000-0000-0000-0000-000000000000}"/>
+          </ac:spMkLst>
+        </pc:spChg>
+        <pc:spChg chg="mod">
+          <ac:chgData name="Barkasi, Michael" userId="604489e9-c8b5-4a18-ae0d-3a3e29c44efc" providerId="ADAL" clId="{14723DC9-91C2-A846-8CF6-085A7C83E4A0}" dt="2025-05-23T03:29:05.646" v="0"/>
+          <ac:spMkLst>
+            <pc:docMk/>
+            <pc:sldMasterMk cId="2751816586" sldId="2147483684"/>
+            <ac:spMk id="5" creationId="{00000000-0000-0000-0000-000000000000}"/>
+          </ac:spMkLst>
+        </pc:spChg>
+        <pc:spChg chg="mod">
+          <ac:chgData name="Barkasi, Michael" userId="604489e9-c8b5-4a18-ae0d-3a3e29c44efc" providerId="ADAL" clId="{14723DC9-91C2-A846-8CF6-085A7C83E4A0}" dt="2025-05-23T03:29:05.646" v="0"/>
+          <ac:spMkLst>
+            <pc:docMk/>
+            <pc:sldMasterMk cId="2751816586" sldId="2147483684"/>
+            <ac:spMk id="6" creationId="{00000000-0000-0000-0000-000000000000}"/>
+          </ac:spMkLst>
+        </pc:spChg>
+        <pc:sldLayoutChg chg="modSp">
+          <pc:chgData name="Barkasi, Michael" userId="604489e9-c8b5-4a18-ae0d-3a3e29c44efc" providerId="ADAL" clId="{14723DC9-91C2-A846-8CF6-085A7C83E4A0}" dt="2025-05-23T03:29:05.646" v="0"/>
+          <pc:sldLayoutMkLst>
+            <pc:docMk/>
+            <pc:sldMasterMk cId="2751816586" sldId="2147483684"/>
+            <pc:sldLayoutMk cId="1386076262" sldId="2147483685"/>
+          </pc:sldLayoutMkLst>
+          <pc:spChg chg="mod">
+            <ac:chgData name="Barkasi, Michael" userId="604489e9-c8b5-4a18-ae0d-3a3e29c44efc" providerId="ADAL" clId="{14723DC9-91C2-A846-8CF6-085A7C83E4A0}" dt="2025-05-23T03:29:05.646" v="0"/>
+            <ac:spMkLst>
+              <pc:docMk/>
+              <pc:sldMasterMk cId="2751816586" sldId="2147483684"/>
+              <pc:sldLayoutMk cId="1386076262" sldId="2147483685"/>
+              <ac:spMk id="2" creationId="{00000000-0000-0000-0000-000000000000}"/>
+            </ac:spMkLst>
+          </pc:spChg>
+          <pc:spChg chg="mod">
+            <ac:chgData name="Barkasi, Michael" userId="604489e9-c8b5-4a18-ae0d-3a3e29c44efc" providerId="ADAL" clId="{14723DC9-91C2-A846-8CF6-085A7C83E4A0}" dt="2025-05-23T03:29:05.646" v="0"/>
+            <ac:spMkLst>
+              <pc:docMk/>
+              <pc:sldMasterMk cId="2751816586" sldId="2147483684"/>
+              <pc:sldLayoutMk cId="1386076262" sldId="2147483685"/>
+              <ac:spMk id="3" creationId="{00000000-0000-0000-0000-000000000000}"/>
+            </ac:spMkLst>
+          </pc:spChg>
+        </pc:sldLayoutChg>
+        <pc:sldLayoutChg chg="modSp">
+          <pc:chgData name="Barkasi, Michael" userId="604489e9-c8b5-4a18-ae0d-3a3e29c44efc" providerId="ADAL" clId="{14723DC9-91C2-A846-8CF6-085A7C83E4A0}" dt="2025-05-23T03:29:05.646" v="0"/>
+          <pc:sldLayoutMkLst>
+            <pc:docMk/>
+            <pc:sldMasterMk cId="2751816586" sldId="2147483684"/>
+            <pc:sldLayoutMk cId="2955566847" sldId="2147483687"/>
+          </pc:sldLayoutMkLst>
+          <pc:spChg chg="mod">
+            <ac:chgData name="Barkasi, Michael" userId="604489e9-c8b5-4a18-ae0d-3a3e29c44efc" providerId="ADAL" clId="{14723DC9-91C2-A846-8CF6-085A7C83E4A0}" dt="2025-05-23T03:29:05.646" v="0"/>
+            <ac:spMkLst>
+              <pc:docMk/>
+              <pc:sldMasterMk cId="2751816586" sldId="2147483684"/>
+              <pc:sldLayoutMk cId="2955566847" sldId="2147483687"/>
+              <ac:spMk id="2" creationId="{00000000-0000-0000-0000-000000000000}"/>
+            </ac:spMkLst>
+          </pc:spChg>
+          <pc:spChg chg="mod">
+            <ac:chgData name="Barkasi, Michael" userId="604489e9-c8b5-4a18-ae0d-3a3e29c44efc" providerId="ADAL" clId="{14723DC9-91C2-A846-8CF6-085A7C83E4A0}" dt="2025-05-23T03:29:05.646" v="0"/>
+            <ac:spMkLst>
+              <pc:docMk/>
+              <pc:sldMasterMk cId="2751816586" sldId="2147483684"/>
+              <pc:sldLayoutMk cId="2955566847" sldId="2147483687"/>
+              <ac:spMk id="3" creationId="{00000000-0000-0000-0000-000000000000}"/>
+            </ac:spMkLst>
+          </pc:spChg>
+        </pc:sldLayoutChg>
+        <pc:sldLayoutChg chg="modSp">
+          <pc:chgData name="Barkasi, Michael" userId="604489e9-c8b5-4a18-ae0d-3a3e29c44efc" providerId="ADAL" clId="{14723DC9-91C2-A846-8CF6-085A7C83E4A0}" dt="2025-05-23T03:29:05.646" v="0"/>
+          <pc:sldLayoutMkLst>
+            <pc:docMk/>
+            <pc:sldMasterMk cId="2751816586" sldId="2147483684"/>
+            <pc:sldLayoutMk cId="2685930672" sldId="2147483688"/>
+          </pc:sldLayoutMkLst>
+          <pc:spChg chg="mod">
+            <ac:chgData name="Barkasi, Michael" userId="604489e9-c8b5-4a18-ae0d-3a3e29c44efc" providerId="ADAL" clId="{14723DC9-91C2-A846-8CF6-085A7C83E4A0}" dt="2025-05-23T03:29:05.646" v="0"/>
+            <ac:spMkLst>
+              <pc:docMk/>
+              <pc:sldMasterMk cId="2751816586" sldId="2147483684"/>
+              <pc:sldLayoutMk cId="2685930672" sldId="2147483688"/>
+              <ac:spMk id="3" creationId="{00000000-0000-0000-0000-000000000000}"/>
+            </ac:spMkLst>
+          </pc:spChg>
+          <pc:spChg chg="mod">
+            <ac:chgData name="Barkasi, Michael" userId="604489e9-c8b5-4a18-ae0d-3a3e29c44efc" providerId="ADAL" clId="{14723DC9-91C2-A846-8CF6-085A7C83E4A0}" dt="2025-05-23T03:29:05.646" v="0"/>
+            <ac:spMkLst>
+              <pc:docMk/>
+              <pc:sldMasterMk cId="2751816586" sldId="2147483684"/>
+              <pc:sldLayoutMk cId="2685930672" sldId="2147483688"/>
+              <ac:spMk id="4" creationId="{00000000-0000-0000-0000-000000000000}"/>
+            </ac:spMkLst>
+          </pc:spChg>
+        </pc:sldLayoutChg>
+        <pc:sldLayoutChg chg="modSp">
+          <pc:chgData name="Barkasi, Michael" userId="604489e9-c8b5-4a18-ae0d-3a3e29c44efc" providerId="ADAL" clId="{14723DC9-91C2-A846-8CF6-085A7C83E4A0}" dt="2025-05-23T03:29:05.646" v="0"/>
+          <pc:sldLayoutMkLst>
+            <pc:docMk/>
+            <pc:sldMasterMk cId="2751816586" sldId="2147483684"/>
+            <pc:sldLayoutMk cId="2903562950" sldId="2147483689"/>
+          </pc:sldLayoutMkLst>
+          <pc:spChg chg="mod">
+            <ac:chgData name="Barkasi, Michael" userId="604489e9-c8b5-4a18-ae0d-3a3e29c44efc" providerId="ADAL" clId="{14723DC9-91C2-A846-8CF6-085A7C83E4A0}" dt="2025-05-23T03:29:05.646" v="0"/>
+            <ac:spMkLst>
+              <pc:docMk/>
+              <pc:sldMasterMk cId="2751816586" sldId="2147483684"/>
+              <pc:sldLayoutMk cId="2903562950" sldId="2147483689"/>
+              <ac:spMk id="2" creationId="{00000000-0000-0000-0000-000000000000}"/>
+            </ac:spMkLst>
+          </pc:spChg>
+          <pc:spChg chg="mod">
+            <ac:chgData name="Barkasi, Michael" userId="604489e9-c8b5-4a18-ae0d-3a3e29c44efc" providerId="ADAL" clId="{14723DC9-91C2-A846-8CF6-085A7C83E4A0}" dt="2025-05-23T03:29:05.646" v="0"/>
+            <ac:spMkLst>
+              <pc:docMk/>
+              <pc:sldMasterMk cId="2751816586" sldId="2147483684"/>
+              <pc:sldLayoutMk cId="2903562950" sldId="2147483689"/>
+              <ac:spMk id="3" creationId="{00000000-0000-0000-0000-000000000000}"/>
+            </ac:spMkLst>
+          </pc:spChg>
+          <pc:spChg chg="mod">
+            <ac:chgData name="Barkasi, Michael" userId="604489e9-c8b5-4a18-ae0d-3a3e29c44efc" providerId="ADAL" clId="{14723DC9-91C2-A846-8CF6-085A7C83E4A0}" dt="2025-05-23T03:29:05.646" v="0"/>
+            <ac:spMkLst>
+              <pc:docMk/>
+              <pc:sldMasterMk cId="2751816586" sldId="2147483684"/>
+              <pc:sldLayoutMk cId="2903562950" sldId="2147483689"/>
+              <ac:spMk id="4" creationId="{00000000-0000-0000-0000-000000000000}"/>
+            </ac:spMkLst>
+          </pc:spChg>
+          <pc:spChg chg="mod">
+            <ac:chgData name="Barkasi, Michael" userId="604489e9-c8b5-4a18-ae0d-3a3e29c44efc" providerId="ADAL" clId="{14723DC9-91C2-A846-8CF6-085A7C83E4A0}" dt="2025-05-23T03:29:05.646" v="0"/>
+            <ac:spMkLst>
+              <pc:docMk/>
+              <pc:sldMasterMk cId="2751816586" sldId="2147483684"/>
+              <pc:sldLayoutMk cId="2903562950" sldId="2147483689"/>
+              <ac:spMk id="5" creationId="{00000000-0000-0000-0000-000000000000}"/>
+            </ac:spMkLst>
+          </pc:spChg>
+          <pc:spChg chg="mod">
+            <ac:chgData name="Barkasi, Michael" userId="604489e9-c8b5-4a18-ae0d-3a3e29c44efc" providerId="ADAL" clId="{14723DC9-91C2-A846-8CF6-085A7C83E4A0}" dt="2025-05-23T03:29:05.646" v="0"/>
+            <ac:spMkLst>
+              <pc:docMk/>
+              <pc:sldMasterMk cId="2751816586" sldId="2147483684"/>
+              <pc:sldLayoutMk cId="2903562950" sldId="2147483689"/>
+              <ac:spMk id="6" creationId="{00000000-0000-0000-0000-000000000000}"/>
+            </ac:spMkLst>
+          </pc:spChg>
+        </pc:sldLayoutChg>
+        <pc:sldLayoutChg chg="modSp">
+          <pc:chgData name="Barkasi, Michael" userId="604489e9-c8b5-4a18-ae0d-3a3e29c44efc" providerId="ADAL" clId="{14723DC9-91C2-A846-8CF6-085A7C83E4A0}" dt="2025-05-23T03:29:05.646" v="0"/>
+          <pc:sldLayoutMkLst>
+            <pc:docMk/>
+            <pc:sldMasterMk cId="2751816586" sldId="2147483684"/>
+            <pc:sldLayoutMk cId="2951232646" sldId="2147483692"/>
+          </pc:sldLayoutMkLst>
+          <pc:spChg chg="mod">
+            <ac:chgData name="Barkasi, Michael" userId="604489e9-c8b5-4a18-ae0d-3a3e29c44efc" providerId="ADAL" clId="{14723DC9-91C2-A846-8CF6-085A7C83E4A0}" dt="2025-05-23T03:29:05.646" v="0"/>
+            <ac:spMkLst>
+              <pc:docMk/>
+              <pc:sldMasterMk cId="2751816586" sldId="2147483684"/>
+              <pc:sldLayoutMk cId="2951232646" sldId="2147483692"/>
+              <ac:spMk id="2" creationId="{00000000-0000-0000-0000-000000000000}"/>
+            </ac:spMkLst>
+          </pc:spChg>
+          <pc:spChg chg="mod">
+            <ac:chgData name="Barkasi, Michael" userId="604489e9-c8b5-4a18-ae0d-3a3e29c44efc" providerId="ADAL" clId="{14723DC9-91C2-A846-8CF6-085A7C83E4A0}" dt="2025-05-23T03:29:05.646" v="0"/>
+            <ac:spMkLst>
+              <pc:docMk/>
+              <pc:sldMasterMk cId="2751816586" sldId="2147483684"/>
+              <pc:sldLayoutMk cId="2951232646" sldId="2147483692"/>
+              <ac:spMk id="3" creationId="{00000000-0000-0000-0000-000000000000}"/>
+            </ac:spMkLst>
+          </pc:spChg>
+          <pc:spChg chg="mod">
+            <ac:chgData name="Barkasi, Michael" userId="604489e9-c8b5-4a18-ae0d-3a3e29c44efc" providerId="ADAL" clId="{14723DC9-91C2-A846-8CF6-085A7C83E4A0}" dt="2025-05-23T03:29:05.646" v="0"/>
+            <ac:spMkLst>
+              <pc:docMk/>
+              <pc:sldMasterMk cId="2751816586" sldId="2147483684"/>
+              <pc:sldLayoutMk cId="2951232646" sldId="2147483692"/>
+              <ac:spMk id="4" creationId="{00000000-0000-0000-0000-000000000000}"/>
+            </ac:spMkLst>
+          </pc:spChg>
+        </pc:sldLayoutChg>
+        <pc:sldLayoutChg chg="modSp">
+          <pc:chgData name="Barkasi, Michael" userId="604489e9-c8b5-4a18-ae0d-3a3e29c44efc" providerId="ADAL" clId="{14723DC9-91C2-A846-8CF6-085A7C83E4A0}" dt="2025-05-23T03:29:05.646" v="0"/>
+          <pc:sldLayoutMkLst>
+            <pc:docMk/>
+            <pc:sldMasterMk cId="2751816586" sldId="2147483684"/>
+            <pc:sldLayoutMk cId="1874333956" sldId="2147483693"/>
+          </pc:sldLayoutMkLst>
+          <pc:spChg chg="mod">
+            <ac:chgData name="Barkasi, Michael" userId="604489e9-c8b5-4a18-ae0d-3a3e29c44efc" providerId="ADAL" clId="{14723DC9-91C2-A846-8CF6-085A7C83E4A0}" dt="2025-05-23T03:29:05.646" v="0"/>
+            <ac:spMkLst>
+              <pc:docMk/>
+              <pc:sldMasterMk cId="2751816586" sldId="2147483684"/>
+              <pc:sldLayoutMk cId="1874333956" sldId="2147483693"/>
+              <ac:spMk id="2" creationId="{00000000-0000-0000-0000-000000000000}"/>
+            </ac:spMkLst>
+          </pc:spChg>
+          <pc:spChg chg="mod">
+            <ac:chgData name="Barkasi, Michael" userId="604489e9-c8b5-4a18-ae0d-3a3e29c44efc" providerId="ADAL" clId="{14723DC9-91C2-A846-8CF6-085A7C83E4A0}" dt="2025-05-23T03:29:05.646" v="0"/>
+            <ac:spMkLst>
+              <pc:docMk/>
+              <pc:sldMasterMk cId="2751816586" sldId="2147483684"/>
+              <pc:sldLayoutMk cId="1874333956" sldId="2147483693"/>
+              <ac:spMk id="3" creationId="{00000000-0000-0000-0000-000000000000}"/>
+            </ac:spMkLst>
+          </pc:spChg>
+          <pc:spChg chg="mod">
+            <ac:chgData name="Barkasi, Michael" userId="604489e9-c8b5-4a18-ae0d-3a3e29c44efc" providerId="ADAL" clId="{14723DC9-91C2-A846-8CF6-085A7C83E4A0}" dt="2025-05-23T03:29:05.646" v="0"/>
+            <ac:spMkLst>
+              <pc:docMk/>
+              <pc:sldMasterMk cId="2751816586" sldId="2147483684"/>
+              <pc:sldLayoutMk cId="1874333956" sldId="2147483693"/>
+              <ac:spMk id="4" creationId="{00000000-0000-0000-0000-000000000000}"/>
+            </ac:spMkLst>
+          </pc:spChg>
+        </pc:sldLayoutChg>
+        <pc:sldLayoutChg chg="modSp">
+          <pc:chgData name="Barkasi, Michael" userId="604489e9-c8b5-4a18-ae0d-3a3e29c44efc" providerId="ADAL" clId="{14723DC9-91C2-A846-8CF6-085A7C83E4A0}" dt="2025-05-23T03:29:05.646" v="0"/>
+          <pc:sldLayoutMkLst>
+            <pc:docMk/>
+            <pc:sldMasterMk cId="2751816586" sldId="2147483684"/>
+            <pc:sldLayoutMk cId="3401473473" sldId="2147483695"/>
+          </pc:sldLayoutMkLst>
+          <pc:spChg chg="mod">
+            <ac:chgData name="Barkasi, Michael" userId="604489e9-c8b5-4a18-ae0d-3a3e29c44efc" providerId="ADAL" clId="{14723DC9-91C2-A846-8CF6-085A7C83E4A0}" dt="2025-05-23T03:29:05.646" v="0"/>
+            <ac:spMkLst>
+              <pc:docMk/>
+              <pc:sldMasterMk cId="2751816586" sldId="2147483684"/>
+              <pc:sldLayoutMk cId="3401473473" sldId="2147483695"/>
+              <ac:spMk id="2" creationId="{00000000-0000-0000-0000-000000000000}"/>
+            </ac:spMkLst>
+          </pc:spChg>
+          <pc:spChg chg="mod">
+            <ac:chgData name="Barkasi, Michael" userId="604489e9-c8b5-4a18-ae0d-3a3e29c44efc" providerId="ADAL" clId="{14723DC9-91C2-A846-8CF6-085A7C83E4A0}" dt="2025-05-23T03:29:05.646" v="0"/>
+            <ac:spMkLst>
+              <pc:docMk/>
+              <pc:sldMasterMk cId="2751816586" sldId="2147483684"/>
+              <pc:sldLayoutMk cId="3401473473" sldId="2147483695"/>
+              <ac:spMk id="3" creationId="{00000000-0000-0000-0000-000000000000}"/>
+            </ac:spMkLst>
+          </pc:spChg>
+        </pc:sldLayoutChg>
+      </pc:sldMasterChg>
     </pc:docChg>
   </pc:docChgLst>
 </pc:chgInfo>
@@ -1634,15 +1427,15 @@
         </p:nvSpPr>
         <p:spPr>
           <a:xfrm>
-            <a:off x="1771650" y="748242"/>
-            <a:ext cx="10629900" cy="1591733"/>
+            <a:off x="1771650" y="823066"/>
+            <a:ext cx="10629900" cy="1750907"/>
           </a:xfrm>
         </p:spPr>
         <p:txBody>
           <a:bodyPr anchor="b"/>
           <a:lstStyle>
             <a:lvl1pPr algn="ctr">
-              <a:defRPr sz="4000"/>
+              <a:defRPr sz="4400"/>
             </a:lvl1pPr>
           </a:lstStyle>
           <a:p>
@@ -1666,8 +1459,8 @@
         </p:nvSpPr>
         <p:spPr>
           <a:xfrm>
-            <a:off x="1771650" y="2401359"/>
-            <a:ext cx="10629900" cy="1103841"/>
+            <a:off x="1771650" y="2641495"/>
+            <a:ext cx="10629900" cy="1214225"/>
           </a:xfrm>
         </p:spPr>
         <p:txBody>
@@ -1675,39 +1468,39 @@
           <a:lstStyle>
             <a:lvl1pPr marL="0" indent="0" algn="ctr">
               <a:buNone/>
-              <a:defRPr sz="1600"/>
+              <a:defRPr sz="1760"/>
             </a:lvl1pPr>
-            <a:lvl2pPr marL="304815" indent="0" algn="ctr">
-              <a:buNone/>
-              <a:defRPr sz="1333"/>
+            <a:lvl2pPr marL="335265" indent="0" algn="ctr">
+              <a:buNone/>
+              <a:defRPr sz="1467"/>
             </a:lvl2pPr>
-            <a:lvl3pPr marL="609630" indent="0" algn="ctr">
-              <a:buNone/>
-              <a:defRPr sz="1200"/>
+            <a:lvl3pPr marL="670530" indent="0" algn="ctr">
+              <a:buNone/>
+              <a:defRPr sz="1320"/>
             </a:lvl3pPr>
-            <a:lvl4pPr marL="914446" indent="0" algn="ctr">
-              <a:buNone/>
-              <a:defRPr sz="1067"/>
+            <a:lvl4pPr marL="1005794" indent="0" algn="ctr">
+              <a:buNone/>
+              <a:defRPr sz="1173"/>
             </a:lvl4pPr>
-            <a:lvl5pPr marL="1219261" indent="0" algn="ctr">
-              <a:buNone/>
-              <a:defRPr sz="1067"/>
+            <a:lvl5pPr marL="1341059" indent="0" algn="ctr">
+              <a:buNone/>
+              <a:defRPr sz="1173"/>
             </a:lvl5pPr>
-            <a:lvl6pPr marL="1524076" indent="0" algn="ctr">
-              <a:buNone/>
-              <a:defRPr sz="1067"/>
+            <a:lvl6pPr marL="1676324" indent="0" algn="ctr">
+              <a:buNone/>
+              <a:defRPr sz="1173"/>
             </a:lvl6pPr>
-            <a:lvl7pPr marL="1828891" indent="0" algn="ctr">
-              <a:buNone/>
-              <a:defRPr sz="1067"/>
+            <a:lvl7pPr marL="2011589" indent="0" algn="ctr">
+              <a:buNone/>
+              <a:defRPr sz="1173"/>
             </a:lvl7pPr>
-            <a:lvl8pPr marL="2133707" indent="0" algn="ctr">
-              <a:buNone/>
-              <a:defRPr sz="1067"/>
+            <a:lvl8pPr marL="2346853" indent="0" algn="ctr">
+              <a:buNone/>
+              <a:defRPr sz="1173"/>
             </a:lvl8pPr>
-            <a:lvl9pPr marL="2438522" indent="0" algn="ctr">
-              <a:buNone/>
-              <a:defRPr sz="1067"/>
+            <a:lvl9pPr marL="2682118" indent="0" algn="ctr">
+              <a:buNone/>
+              <a:defRPr sz="1173"/>
             </a:lvl9pPr>
           </a:lstStyle>
           <a:p>
@@ -1736,7 +1529,7 @@
           <a:p>
             <a:fld id="{0671BF96-9467-0B49-AF35-7149D7F70E39}" type="datetimeFigureOut">
               <a:rPr lang="en-US" smtClean="0"/>
-              <a:t>5/7/25</a:t>
+              <a:t>5/22/25</a:t>
             </a:fld>
             <a:endParaRPr lang="en-US"/>
           </a:p>
@@ -1787,7 +1580,7 @@
     </p:spTree>
     <p:extLst>
       <p:ext uri="{BB962C8B-B14F-4D97-AF65-F5344CB8AC3E}">
-        <p14:creationId xmlns:p14="http://schemas.microsoft.com/office/powerpoint/2010/main" val="1386076262"/>
+        <p14:creationId xmlns:p14="http://schemas.microsoft.com/office/powerpoint/2010/main" val="4074836028"/>
       </p:ext>
     </p:extLst>
   </p:cSld>
@@ -1906,7 +1699,7 @@
           <a:p>
             <a:fld id="{0671BF96-9467-0B49-AF35-7149D7F70E39}" type="datetimeFigureOut">
               <a:rPr lang="en-US" smtClean="0"/>
-              <a:t>5/7/25</a:t>
+              <a:t>5/22/25</a:t>
             </a:fld>
             <a:endParaRPr lang="en-US"/>
           </a:p>
@@ -1957,7 +1750,7 @@
     </p:spTree>
     <p:extLst>
       <p:ext uri="{BB962C8B-B14F-4D97-AF65-F5344CB8AC3E}">
-        <p14:creationId xmlns:p14="http://schemas.microsoft.com/office/powerpoint/2010/main" val="2627391625"/>
+        <p14:creationId xmlns:p14="http://schemas.microsoft.com/office/powerpoint/2010/main" val="4028057778"/>
       </p:ext>
     </p:extLst>
   </p:cSld>
@@ -1996,8 +1789,8 @@
         </p:nvSpPr>
         <p:spPr>
           <a:xfrm>
-            <a:off x="10142696" y="243416"/>
-            <a:ext cx="3056096" cy="3874559"/>
+            <a:off x="10142696" y="267758"/>
+            <a:ext cx="3056096" cy="4262015"/>
           </a:xfrm>
         </p:spPr>
         <p:txBody>
@@ -2024,8 +1817,8 @@
         </p:nvSpPr>
         <p:spPr>
           <a:xfrm>
-            <a:off x="974407" y="243416"/>
-            <a:ext cx="8991124" cy="3874559"/>
+            <a:off x="974407" y="267758"/>
+            <a:ext cx="8991124" cy="4262015"/>
           </a:xfrm>
         </p:spPr>
         <p:txBody>
@@ -2086,7 +1879,7 @@
           <a:p>
             <a:fld id="{0671BF96-9467-0B49-AF35-7149D7F70E39}" type="datetimeFigureOut">
               <a:rPr lang="en-US" smtClean="0"/>
-              <a:t>5/7/25</a:t>
+              <a:t>5/22/25</a:t>
             </a:fld>
             <a:endParaRPr lang="en-US"/>
           </a:p>
@@ -2137,7 +1930,7 @@
     </p:spTree>
     <p:extLst>
       <p:ext uri="{BB962C8B-B14F-4D97-AF65-F5344CB8AC3E}">
-        <p14:creationId xmlns:p14="http://schemas.microsoft.com/office/powerpoint/2010/main" val="3401473473"/>
+        <p14:creationId xmlns:p14="http://schemas.microsoft.com/office/powerpoint/2010/main" val="3818461402"/>
       </p:ext>
     </p:extLst>
   </p:cSld>
@@ -2256,7 +2049,7 @@
           <a:p>
             <a:fld id="{0671BF96-9467-0B49-AF35-7149D7F70E39}" type="datetimeFigureOut">
               <a:rPr lang="en-US" smtClean="0"/>
-              <a:t>5/7/25</a:t>
+              <a:t>5/22/25</a:t>
             </a:fld>
             <a:endParaRPr lang="en-US"/>
           </a:p>
@@ -2307,7 +2100,7 @@
     </p:spTree>
     <p:extLst>
       <p:ext uri="{BB962C8B-B14F-4D97-AF65-F5344CB8AC3E}">
-        <p14:creationId xmlns:p14="http://schemas.microsoft.com/office/powerpoint/2010/main" val="607781109"/>
+        <p14:creationId xmlns:p14="http://schemas.microsoft.com/office/powerpoint/2010/main" val="3262558365"/>
       </p:ext>
     </p:extLst>
   </p:cSld>
@@ -2346,15 +2139,15 @@
         </p:nvSpPr>
         <p:spPr>
           <a:xfrm>
-            <a:off x="967026" y="1139826"/>
-            <a:ext cx="12224385" cy="1901825"/>
+            <a:off x="967026" y="1253808"/>
+            <a:ext cx="12224385" cy="2092007"/>
           </a:xfrm>
         </p:spPr>
         <p:txBody>
           <a:bodyPr anchor="b"/>
           <a:lstStyle>
             <a:lvl1pPr>
-              <a:defRPr sz="4000"/>
+              <a:defRPr sz="4400"/>
             </a:lvl1pPr>
           </a:lstStyle>
           <a:p>
@@ -2378,8 +2171,8 @@
         </p:nvSpPr>
         <p:spPr>
           <a:xfrm>
-            <a:off x="967026" y="3059642"/>
-            <a:ext cx="12224385" cy="1000125"/>
+            <a:off x="967026" y="3365607"/>
+            <a:ext cx="12224385" cy="1100137"/>
           </a:xfrm>
         </p:spPr>
         <p:txBody>
@@ -2387,7 +2180,7 @@
           <a:lstStyle>
             <a:lvl1pPr marL="0" indent="0">
               <a:buNone/>
-              <a:defRPr sz="1600">
+              <a:defRPr sz="1760">
                 <a:solidFill>
                   <a:schemeClr val="tx1">
                     <a:tint val="82000"/>
@@ -2395,9 +2188,9 @@
                 </a:solidFill>
               </a:defRPr>
             </a:lvl1pPr>
-            <a:lvl2pPr marL="304815" indent="0">
-              <a:buNone/>
-              <a:defRPr sz="1333">
+            <a:lvl2pPr marL="335265" indent="0">
+              <a:buNone/>
+              <a:defRPr sz="1467">
                 <a:solidFill>
                   <a:schemeClr val="tx1">
                     <a:tint val="82000"/>
@@ -2405,9 +2198,9 @@
                 </a:solidFill>
               </a:defRPr>
             </a:lvl2pPr>
-            <a:lvl3pPr marL="609630" indent="0">
-              <a:buNone/>
-              <a:defRPr sz="1200">
+            <a:lvl3pPr marL="670530" indent="0">
+              <a:buNone/>
+              <a:defRPr sz="1320">
                 <a:solidFill>
                   <a:schemeClr val="tx1">
                     <a:tint val="82000"/>
@@ -2415,9 +2208,9 @@
                 </a:solidFill>
               </a:defRPr>
             </a:lvl3pPr>
-            <a:lvl4pPr marL="914446" indent="0">
-              <a:buNone/>
-              <a:defRPr sz="1067">
+            <a:lvl4pPr marL="1005794" indent="0">
+              <a:buNone/>
+              <a:defRPr sz="1173">
                 <a:solidFill>
                   <a:schemeClr val="tx1">
                     <a:tint val="82000"/>
@@ -2425,9 +2218,9 @@
                 </a:solidFill>
               </a:defRPr>
             </a:lvl4pPr>
-            <a:lvl5pPr marL="1219261" indent="0">
-              <a:buNone/>
-              <a:defRPr sz="1067">
+            <a:lvl5pPr marL="1341059" indent="0">
+              <a:buNone/>
+              <a:defRPr sz="1173">
                 <a:solidFill>
                   <a:schemeClr val="tx1">
                     <a:tint val="82000"/>
@@ -2435,9 +2228,9 @@
                 </a:solidFill>
               </a:defRPr>
             </a:lvl5pPr>
-            <a:lvl6pPr marL="1524076" indent="0">
-              <a:buNone/>
-              <a:defRPr sz="1067">
+            <a:lvl6pPr marL="1676324" indent="0">
+              <a:buNone/>
+              <a:defRPr sz="1173">
                 <a:solidFill>
                   <a:schemeClr val="tx1">
                     <a:tint val="82000"/>
@@ -2445,9 +2238,9 @@
                 </a:solidFill>
               </a:defRPr>
             </a:lvl6pPr>
-            <a:lvl7pPr marL="1828891" indent="0">
-              <a:buNone/>
-              <a:defRPr sz="1067">
+            <a:lvl7pPr marL="2011589" indent="0">
+              <a:buNone/>
+              <a:defRPr sz="1173">
                 <a:solidFill>
                   <a:schemeClr val="tx1">
                     <a:tint val="82000"/>
@@ -2455,9 +2248,9 @@
                 </a:solidFill>
               </a:defRPr>
             </a:lvl7pPr>
-            <a:lvl8pPr marL="2133707" indent="0">
-              <a:buNone/>
-              <a:defRPr sz="1067">
+            <a:lvl8pPr marL="2346853" indent="0">
+              <a:buNone/>
+              <a:defRPr sz="1173">
                 <a:solidFill>
                   <a:schemeClr val="tx1">
                     <a:tint val="82000"/>
@@ -2465,9 +2258,9 @@
                 </a:solidFill>
               </a:defRPr>
             </a:lvl8pPr>
-            <a:lvl9pPr marL="2438522" indent="0">
-              <a:buNone/>
-              <a:defRPr sz="1067">
+            <a:lvl9pPr marL="2682118" indent="0">
+              <a:buNone/>
+              <a:defRPr sz="1173">
                 <a:solidFill>
                   <a:schemeClr val="tx1">
                     <a:tint val="82000"/>
@@ -2502,7 +2295,7 @@
           <a:p>
             <a:fld id="{0671BF96-9467-0B49-AF35-7149D7F70E39}" type="datetimeFigureOut">
               <a:rPr lang="en-US" smtClean="0"/>
-              <a:t>5/7/25</a:t>
+              <a:t>5/22/25</a:t>
             </a:fld>
             <a:endParaRPr lang="en-US"/>
           </a:p>
@@ -2553,7 +2346,7 @@
     </p:spTree>
     <p:extLst>
       <p:ext uri="{BB962C8B-B14F-4D97-AF65-F5344CB8AC3E}">
-        <p14:creationId xmlns:p14="http://schemas.microsoft.com/office/powerpoint/2010/main" val="2955566847"/>
+        <p14:creationId xmlns:p14="http://schemas.microsoft.com/office/powerpoint/2010/main" val="2221632760"/>
       </p:ext>
     </p:extLst>
   </p:cSld>
@@ -2615,8 +2408,8 @@
         </p:nvSpPr>
         <p:spPr>
           <a:xfrm>
-            <a:off x="974408" y="1217083"/>
-            <a:ext cx="6023610" cy="2900892"/>
+            <a:off x="974408" y="1338792"/>
+            <a:ext cx="6023610" cy="3190981"/>
           </a:xfrm>
         </p:spPr>
         <p:txBody>
@@ -2672,8 +2465,8 @@
         </p:nvSpPr>
         <p:spPr>
           <a:xfrm>
-            <a:off x="7175183" y="1217083"/>
-            <a:ext cx="6023610" cy="2900892"/>
+            <a:off x="7175183" y="1338792"/>
+            <a:ext cx="6023610" cy="3190981"/>
           </a:xfrm>
         </p:spPr>
         <p:txBody>
@@ -2734,7 +2527,7 @@
           <a:p>
             <a:fld id="{0671BF96-9467-0B49-AF35-7149D7F70E39}" type="datetimeFigureOut">
               <a:rPr lang="en-US" smtClean="0"/>
-              <a:t>5/7/25</a:t>
+              <a:t>5/22/25</a:t>
             </a:fld>
             <a:endParaRPr lang="en-US"/>
           </a:p>
@@ -2785,7 +2578,7 @@
     </p:spTree>
     <p:extLst>
       <p:ext uri="{BB962C8B-B14F-4D97-AF65-F5344CB8AC3E}">
-        <p14:creationId xmlns:p14="http://schemas.microsoft.com/office/powerpoint/2010/main" val="2685930672"/>
+        <p14:creationId xmlns:p14="http://schemas.microsoft.com/office/powerpoint/2010/main" val="4161785515"/>
       </p:ext>
     </p:extLst>
   </p:cSld>
@@ -2824,8 +2617,8 @@
         </p:nvSpPr>
         <p:spPr>
           <a:xfrm>
-            <a:off x="976254" y="243417"/>
-            <a:ext cx="12224385" cy="883709"/>
+            <a:off x="976254" y="267758"/>
+            <a:ext cx="12224385" cy="972080"/>
           </a:xfrm>
         </p:spPr>
         <p:txBody>
@@ -2852,8 +2645,8 @@
         </p:nvSpPr>
         <p:spPr>
           <a:xfrm>
-            <a:off x="976254" y="1120775"/>
-            <a:ext cx="5995927" cy="549275"/>
+            <a:off x="976254" y="1232853"/>
+            <a:ext cx="5995927" cy="604202"/>
           </a:xfrm>
         </p:spPr>
         <p:txBody>
@@ -2861,39 +2654,39 @@
           <a:lstStyle>
             <a:lvl1pPr marL="0" indent="0">
               <a:buNone/>
-              <a:defRPr sz="1600" b="1"/>
+              <a:defRPr sz="1760" b="1"/>
             </a:lvl1pPr>
-            <a:lvl2pPr marL="304815" indent="0">
-              <a:buNone/>
-              <a:defRPr sz="1333" b="1"/>
+            <a:lvl2pPr marL="335265" indent="0">
+              <a:buNone/>
+              <a:defRPr sz="1467" b="1"/>
             </a:lvl2pPr>
-            <a:lvl3pPr marL="609630" indent="0">
-              <a:buNone/>
-              <a:defRPr sz="1200" b="1"/>
+            <a:lvl3pPr marL="670530" indent="0">
+              <a:buNone/>
+              <a:defRPr sz="1320" b="1"/>
             </a:lvl3pPr>
-            <a:lvl4pPr marL="914446" indent="0">
-              <a:buNone/>
-              <a:defRPr sz="1067" b="1"/>
+            <a:lvl4pPr marL="1005794" indent="0">
+              <a:buNone/>
+              <a:defRPr sz="1173" b="1"/>
             </a:lvl4pPr>
-            <a:lvl5pPr marL="1219261" indent="0">
-              <a:buNone/>
-              <a:defRPr sz="1067" b="1"/>
+            <a:lvl5pPr marL="1341059" indent="0">
+              <a:buNone/>
+              <a:defRPr sz="1173" b="1"/>
             </a:lvl5pPr>
-            <a:lvl6pPr marL="1524076" indent="0">
-              <a:buNone/>
-              <a:defRPr sz="1067" b="1"/>
+            <a:lvl6pPr marL="1676324" indent="0">
+              <a:buNone/>
+              <a:defRPr sz="1173" b="1"/>
             </a:lvl6pPr>
-            <a:lvl7pPr marL="1828891" indent="0">
-              <a:buNone/>
-              <a:defRPr sz="1067" b="1"/>
+            <a:lvl7pPr marL="2011589" indent="0">
+              <a:buNone/>
+              <a:defRPr sz="1173" b="1"/>
             </a:lvl7pPr>
-            <a:lvl8pPr marL="2133707" indent="0">
-              <a:buNone/>
-              <a:defRPr sz="1067" b="1"/>
+            <a:lvl8pPr marL="2346853" indent="0">
+              <a:buNone/>
+              <a:defRPr sz="1173" b="1"/>
             </a:lvl8pPr>
-            <a:lvl9pPr marL="2438522" indent="0">
-              <a:buNone/>
-              <a:defRPr sz="1067" b="1"/>
+            <a:lvl9pPr marL="2682118" indent="0">
+              <a:buNone/>
+              <a:defRPr sz="1173" b="1"/>
             </a:lvl9pPr>
           </a:lstStyle>
           <a:p>
@@ -2917,8 +2710,8 @@
         </p:nvSpPr>
         <p:spPr>
           <a:xfrm>
-            <a:off x="976254" y="1670050"/>
-            <a:ext cx="5995927" cy="2456392"/>
+            <a:off x="976254" y="1837055"/>
+            <a:ext cx="5995927" cy="2702031"/>
           </a:xfrm>
         </p:spPr>
         <p:txBody>
@@ -2974,8 +2767,8 @@
         </p:nvSpPr>
         <p:spPr>
           <a:xfrm>
-            <a:off x="7175183" y="1120775"/>
-            <a:ext cx="6025456" cy="549275"/>
+            <a:off x="7175183" y="1232853"/>
+            <a:ext cx="6025456" cy="604202"/>
           </a:xfrm>
         </p:spPr>
         <p:txBody>
@@ -2983,39 +2776,39 @@
           <a:lstStyle>
             <a:lvl1pPr marL="0" indent="0">
               <a:buNone/>
-              <a:defRPr sz="1600" b="1"/>
+              <a:defRPr sz="1760" b="1"/>
             </a:lvl1pPr>
-            <a:lvl2pPr marL="304815" indent="0">
-              <a:buNone/>
-              <a:defRPr sz="1333" b="1"/>
+            <a:lvl2pPr marL="335265" indent="0">
+              <a:buNone/>
+              <a:defRPr sz="1467" b="1"/>
             </a:lvl2pPr>
-            <a:lvl3pPr marL="609630" indent="0">
-              <a:buNone/>
-              <a:defRPr sz="1200" b="1"/>
+            <a:lvl3pPr marL="670530" indent="0">
+              <a:buNone/>
+              <a:defRPr sz="1320" b="1"/>
             </a:lvl3pPr>
-            <a:lvl4pPr marL="914446" indent="0">
-              <a:buNone/>
-              <a:defRPr sz="1067" b="1"/>
+            <a:lvl4pPr marL="1005794" indent="0">
+              <a:buNone/>
+              <a:defRPr sz="1173" b="1"/>
             </a:lvl4pPr>
-            <a:lvl5pPr marL="1219261" indent="0">
-              <a:buNone/>
-              <a:defRPr sz="1067" b="1"/>
+            <a:lvl5pPr marL="1341059" indent="0">
+              <a:buNone/>
+              <a:defRPr sz="1173" b="1"/>
             </a:lvl5pPr>
-            <a:lvl6pPr marL="1524076" indent="0">
-              <a:buNone/>
-              <a:defRPr sz="1067" b="1"/>
+            <a:lvl6pPr marL="1676324" indent="0">
+              <a:buNone/>
+              <a:defRPr sz="1173" b="1"/>
             </a:lvl6pPr>
-            <a:lvl7pPr marL="1828891" indent="0">
-              <a:buNone/>
-              <a:defRPr sz="1067" b="1"/>
+            <a:lvl7pPr marL="2011589" indent="0">
+              <a:buNone/>
+              <a:defRPr sz="1173" b="1"/>
             </a:lvl7pPr>
-            <a:lvl8pPr marL="2133707" indent="0">
-              <a:buNone/>
-              <a:defRPr sz="1067" b="1"/>
+            <a:lvl8pPr marL="2346853" indent="0">
+              <a:buNone/>
+              <a:defRPr sz="1173" b="1"/>
             </a:lvl8pPr>
-            <a:lvl9pPr marL="2438522" indent="0">
-              <a:buNone/>
-              <a:defRPr sz="1067" b="1"/>
+            <a:lvl9pPr marL="2682118" indent="0">
+              <a:buNone/>
+              <a:defRPr sz="1173" b="1"/>
             </a:lvl9pPr>
           </a:lstStyle>
           <a:p>
@@ -3039,8 +2832,8 @@
         </p:nvSpPr>
         <p:spPr>
           <a:xfrm>
-            <a:off x="7175183" y="1670050"/>
-            <a:ext cx="6025456" cy="2456392"/>
+            <a:off x="7175183" y="1837055"/>
+            <a:ext cx="6025456" cy="2702031"/>
           </a:xfrm>
         </p:spPr>
         <p:txBody>
@@ -3101,7 +2894,7 @@
           <a:p>
             <a:fld id="{0671BF96-9467-0B49-AF35-7149D7F70E39}" type="datetimeFigureOut">
               <a:rPr lang="en-US" smtClean="0"/>
-              <a:t>5/7/25</a:t>
+              <a:t>5/22/25</a:t>
             </a:fld>
             <a:endParaRPr lang="en-US"/>
           </a:p>
@@ -3152,7 +2945,7 @@
     </p:spTree>
     <p:extLst>
       <p:ext uri="{BB962C8B-B14F-4D97-AF65-F5344CB8AC3E}">
-        <p14:creationId xmlns:p14="http://schemas.microsoft.com/office/powerpoint/2010/main" val="2903562950"/>
+        <p14:creationId xmlns:p14="http://schemas.microsoft.com/office/powerpoint/2010/main" val="3460451636"/>
       </p:ext>
     </p:extLst>
   </p:cSld>
@@ -3219,7 +3012,7 @@
           <a:p>
             <a:fld id="{0671BF96-9467-0B49-AF35-7149D7F70E39}" type="datetimeFigureOut">
               <a:rPr lang="en-US" smtClean="0"/>
-              <a:t>5/7/25</a:t>
+              <a:t>5/22/25</a:t>
             </a:fld>
             <a:endParaRPr lang="en-US"/>
           </a:p>
@@ -3270,7 +3063,7 @@
     </p:spTree>
     <p:extLst>
       <p:ext uri="{BB962C8B-B14F-4D97-AF65-F5344CB8AC3E}">
-        <p14:creationId xmlns:p14="http://schemas.microsoft.com/office/powerpoint/2010/main" val="9551254"/>
+        <p14:creationId xmlns:p14="http://schemas.microsoft.com/office/powerpoint/2010/main" val="3528386034"/>
       </p:ext>
     </p:extLst>
   </p:cSld>
@@ -3314,7 +3107,7 @@
           <a:p>
             <a:fld id="{0671BF96-9467-0B49-AF35-7149D7F70E39}" type="datetimeFigureOut">
               <a:rPr lang="en-US" smtClean="0"/>
-              <a:t>5/7/25</a:t>
+              <a:t>5/22/25</a:t>
             </a:fld>
             <a:endParaRPr lang="en-US"/>
           </a:p>
@@ -3365,7 +3158,7 @@
     </p:spTree>
     <p:extLst>
       <p:ext uri="{BB962C8B-B14F-4D97-AF65-F5344CB8AC3E}">
-        <p14:creationId xmlns:p14="http://schemas.microsoft.com/office/powerpoint/2010/main" val="4225021802"/>
+        <p14:creationId xmlns:p14="http://schemas.microsoft.com/office/powerpoint/2010/main" val="1832720678"/>
       </p:ext>
     </p:extLst>
   </p:cSld>
@@ -3404,15 +3197,15 @@
         </p:nvSpPr>
         <p:spPr>
           <a:xfrm>
-            <a:off x="976254" y="304800"/>
-            <a:ext cx="4571226" cy="1066800"/>
+            <a:off x="976254" y="335280"/>
+            <a:ext cx="4571226" cy="1173480"/>
           </a:xfrm>
         </p:spPr>
         <p:txBody>
           <a:bodyPr anchor="b"/>
           <a:lstStyle>
             <a:lvl1pPr>
-              <a:defRPr sz="2133"/>
+              <a:defRPr sz="2347"/>
             </a:lvl1pPr>
           </a:lstStyle>
           <a:p>
@@ -3436,39 +3229,39 @@
         </p:nvSpPr>
         <p:spPr>
           <a:xfrm>
-            <a:off x="6025456" y="658284"/>
-            <a:ext cx="7175183" cy="3249083"/>
+            <a:off x="6025456" y="724112"/>
+            <a:ext cx="7175183" cy="3573992"/>
           </a:xfrm>
         </p:spPr>
         <p:txBody>
           <a:bodyPr/>
           <a:lstStyle>
             <a:lvl1pPr>
-              <a:defRPr sz="2133"/>
+              <a:defRPr sz="2347"/>
             </a:lvl1pPr>
             <a:lvl2pPr>
-              <a:defRPr sz="1867"/>
+              <a:defRPr sz="2053"/>
             </a:lvl2pPr>
             <a:lvl3pPr>
-              <a:defRPr sz="1600"/>
+              <a:defRPr sz="1760"/>
             </a:lvl3pPr>
             <a:lvl4pPr>
-              <a:defRPr sz="1333"/>
+              <a:defRPr sz="1467"/>
             </a:lvl4pPr>
             <a:lvl5pPr>
-              <a:defRPr sz="1333"/>
+              <a:defRPr sz="1467"/>
             </a:lvl5pPr>
             <a:lvl6pPr>
-              <a:defRPr sz="1333"/>
+              <a:defRPr sz="1467"/>
             </a:lvl6pPr>
             <a:lvl7pPr>
-              <a:defRPr sz="1333"/>
+              <a:defRPr sz="1467"/>
             </a:lvl7pPr>
             <a:lvl8pPr>
-              <a:defRPr sz="1333"/>
+              <a:defRPr sz="1467"/>
             </a:lvl8pPr>
             <a:lvl9pPr>
-              <a:defRPr sz="1333"/>
+              <a:defRPr sz="1467"/>
             </a:lvl9pPr>
           </a:lstStyle>
           <a:p>
@@ -3521,8 +3314,8 @@
         </p:nvSpPr>
         <p:spPr>
           <a:xfrm>
-            <a:off x="976254" y="1371600"/>
-            <a:ext cx="4571226" cy="2541059"/>
+            <a:off x="976254" y="1508760"/>
+            <a:ext cx="4571226" cy="2795165"/>
           </a:xfrm>
         </p:spPr>
         <p:txBody>
@@ -3530,39 +3323,39 @@
           <a:lstStyle>
             <a:lvl1pPr marL="0" indent="0">
               <a:buNone/>
-              <a:defRPr sz="1067"/>
+              <a:defRPr sz="1173"/>
             </a:lvl1pPr>
-            <a:lvl2pPr marL="304815" indent="0">
-              <a:buNone/>
-              <a:defRPr sz="933"/>
+            <a:lvl2pPr marL="335265" indent="0">
+              <a:buNone/>
+              <a:defRPr sz="1027"/>
             </a:lvl2pPr>
-            <a:lvl3pPr marL="609630" indent="0">
-              <a:buNone/>
-              <a:defRPr sz="800"/>
+            <a:lvl3pPr marL="670530" indent="0">
+              <a:buNone/>
+              <a:defRPr sz="880"/>
             </a:lvl3pPr>
-            <a:lvl4pPr marL="914446" indent="0">
-              <a:buNone/>
-              <a:defRPr sz="667"/>
+            <a:lvl4pPr marL="1005794" indent="0">
+              <a:buNone/>
+              <a:defRPr sz="733"/>
             </a:lvl4pPr>
-            <a:lvl5pPr marL="1219261" indent="0">
-              <a:buNone/>
-              <a:defRPr sz="667"/>
+            <a:lvl5pPr marL="1341059" indent="0">
+              <a:buNone/>
+              <a:defRPr sz="733"/>
             </a:lvl5pPr>
-            <a:lvl6pPr marL="1524076" indent="0">
-              <a:buNone/>
-              <a:defRPr sz="667"/>
+            <a:lvl6pPr marL="1676324" indent="0">
+              <a:buNone/>
+              <a:defRPr sz="733"/>
             </a:lvl6pPr>
-            <a:lvl7pPr marL="1828891" indent="0">
-              <a:buNone/>
-              <a:defRPr sz="667"/>
+            <a:lvl7pPr marL="2011589" indent="0">
+              <a:buNone/>
+              <a:defRPr sz="733"/>
             </a:lvl7pPr>
-            <a:lvl8pPr marL="2133707" indent="0">
-              <a:buNone/>
-              <a:defRPr sz="667"/>
+            <a:lvl8pPr marL="2346853" indent="0">
+              <a:buNone/>
+              <a:defRPr sz="733"/>
             </a:lvl8pPr>
-            <a:lvl9pPr marL="2438522" indent="0">
-              <a:buNone/>
-              <a:defRPr sz="667"/>
+            <a:lvl9pPr marL="2682118" indent="0">
+              <a:buNone/>
+              <a:defRPr sz="733"/>
             </a:lvl9pPr>
           </a:lstStyle>
           <a:p>
@@ -3591,7 +3384,7 @@
           <a:p>
             <a:fld id="{0671BF96-9467-0B49-AF35-7149D7F70E39}" type="datetimeFigureOut">
               <a:rPr lang="en-US" smtClean="0"/>
-              <a:t>5/7/25</a:t>
+              <a:t>5/22/25</a:t>
             </a:fld>
             <a:endParaRPr lang="en-US"/>
           </a:p>
@@ -3642,7 +3435,7 @@
     </p:spTree>
     <p:extLst>
       <p:ext uri="{BB962C8B-B14F-4D97-AF65-F5344CB8AC3E}">
-        <p14:creationId xmlns:p14="http://schemas.microsoft.com/office/powerpoint/2010/main" val="2951232646"/>
+        <p14:creationId xmlns:p14="http://schemas.microsoft.com/office/powerpoint/2010/main" val="3255982366"/>
       </p:ext>
     </p:extLst>
   </p:cSld>
@@ -3681,15 +3474,15 @@
         </p:nvSpPr>
         <p:spPr>
           <a:xfrm>
-            <a:off x="976254" y="304800"/>
-            <a:ext cx="4571226" cy="1066800"/>
+            <a:off x="976254" y="335280"/>
+            <a:ext cx="4571226" cy="1173480"/>
           </a:xfrm>
         </p:spPr>
         <p:txBody>
           <a:bodyPr anchor="b"/>
           <a:lstStyle>
             <a:lvl1pPr>
-              <a:defRPr sz="2133"/>
+              <a:defRPr sz="2347"/>
             </a:lvl1pPr>
           </a:lstStyle>
           <a:p>
@@ -3713,8 +3506,8 @@
         </p:nvSpPr>
         <p:spPr>
           <a:xfrm>
-            <a:off x="6025456" y="658284"/>
-            <a:ext cx="7175183" cy="3249083"/>
+            <a:off x="6025456" y="724112"/>
+            <a:ext cx="7175183" cy="3573992"/>
           </a:xfrm>
         </p:spPr>
         <p:txBody>
@@ -3722,39 +3515,39 @@
           <a:lstStyle>
             <a:lvl1pPr marL="0" indent="0">
               <a:buNone/>
-              <a:defRPr sz="2133"/>
+              <a:defRPr sz="2347"/>
             </a:lvl1pPr>
-            <a:lvl2pPr marL="304815" indent="0">
-              <a:buNone/>
-              <a:defRPr sz="1867"/>
+            <a:lvl2pPr marL="335265" indent="0">
+              <a:buNone/>
+              <a:defRPr sz="2053"/>
             </a:lvl2pPr>
-            <a:lvl3pPr marL="609630" indent="0">
-              <a:buNone/>
-              <a:defRPr sz="1600"/>
+            <a:lvl3pPr marL="670530" indent="0">
+              <a:buNone/>
+              <a:defRPr sz="1760"/>
             </a:lvl3pPr>
-            <a:lvl4pPr marL="914446" indent="0">
-              <a:buNone/>
-              <a:defRPr sz="1333"/>
+            <a:lvl4pPr marL="1005794" indent="0">
+              <a:buNone/>
+              <a:defRPr sz="1467"/>
             </a:lvl4pPr>
-            <a:lvl5pPr marL="1219261" indent="0">
-              <a:buNone/>
-              <a:defRPr sz="1333"/>
+            <a:lvl5pPr marL="1341059" indent="0">
+              <a:buNone/>
+              <a:defRPr sz="1467"/>
             </a:lvl5pPr>
-            <a:lvl6pPr marL="1524076" indent="0">
-              <a:buNone/>
-              <a:defRPr sz="1333"/>
+            <a:lvl6pPr marL="1676324" indent="0">
+              <a:buNone/>
+              <a:defRPr sz="1467"/>
             </a:lvl6pPr>
-            <a:lvl7pPr marL="1828891" indent="0">
-              <a:buNone/>
-              <a:defRPr sz="1333"/>
+            <a:lvl7pPr marL="2011589" indent="0">
+              <a:buNone/>
+              <a:defRPr sz="1467"/>
             </a:lvl7pPr>
-            <a:lvl8pPr marL="2133707" indent="0">
-              <a:buNone/>
-              <a:defRPr sz="1333"/>
+            <a:lvl8pPr marL="2346853" indent="0">
+              <a:buNone/>
+              <a:defRPr sz="1467"/>
             </a:lvl8pPr>
-            <a:lvl9pPr marL="2438522" indent="0">
-              <a:buNone/>
-              <a:defRPr sz="1333"/>
+            <a:lvl9pPr marL="2682118" indent="0">
+              <a:buNone/>
+              <a:defRPr sz="1467"/>
             </a:lvl9pPr>
           </a:lstStyle>
           <a:p>
@@ -3778,8 +3571,8 @@
         </p:nvSpPr>
         <p:spPr>
           <a:xfrm>
-            <a:off x="976254" y="1371600"/>
-            <a:ext cx="4571226" cy="2541059"/>
+            <a:off x="976254" y="1508760"/>
+            <a:ext cx="4571226" cy="2795165"/>
           </a:xfrm>
         </p:spPr>
         <p:txBody>
@@ -3787,39 +3580,39 @@
           <a:lstStyle>
             <a:lvl1pPr marL="0" indent="0">
               <a:buNone/>
-              <a:defRPr sz="1067"/>
+              <a:defRPr sz="1173"/>
             </a:lvl1pPr>
-            <a:lvl2pPr marL="304815" indent="0">
-              <a:buNone/>
-              <a:defRPr sz="933"/>
+            <a:lvl2pPr marL="335265" indent="0">
+              <a:buNone/>
+              <a:defRPr sz="1027"/>
             </a:lvl2pPr>
-            <a:lvl3pPr marL="609630" indent="0">
-              <a:buNone/>
-              <a:defRPr sz="800"/>
+            <a:lvl3pPr marL="670530" indent="0">
+              <a:buNone/>
+              <a:defRPr sz="880"/>
             </a:lvl3pPr>
-            <a:lvl4pPr marL="914446" indent="0">
-              <a:buNone/>
-              <a:defRPr sz="667"/>
+            <a:lvl4pPr marL="1005794" indent="0">
+              <a:buNone/>
+              <a:defRPr sz="733"/>
             </a:lvl4pPr>
-            <a:lvl5pPr marL="1219261" indent="0">
-              <a:buNone/>
-              <a:defRPr sz="667"/>
+            <a:lvl5pPr marL="1341059" indent="0">
+              <a:buNone/>
+              <a:defRPr sz="733"/>
             </a:lvl5pPr>
-            <a:lvl6pPr marL="1524076" indent="0">
-              <a:buNone/>
-              <a:defRPr sz="667"/>
+            <a:lvl6pPr marL="1676324" indent="0">
+              <a:buNone/>
+              <a:defRPr sz="733"/>
             </a:lvl6pPr>
-            <a:lvl7pPr marL="1828891" indent="0">
-              <a:buNone/>
-              <a:defRPr sz="667"/>
+            <a:lvl7pPr marL="2011589" indent="0">
+              <a:buNone/>
+              <a:defRPr sz="733"/>
             </a:lvl7pPr>
-            <a:lvl8pPr marL="2133707" indent="0">
-              <a:buNone/>
-              <a:defRPr sz="667"/>
+            <a:lvl8pPr marL="2346853" indent="0">
+              <a:buNone/>
+              <a:defRPr sz="733"/>
             </a:lvl8pPr>
-            <a:lvl9pPr marL="2438522" indent="0">
-              <a:buNone/>
-              <a:defRPr sz="667"/>
+            <a:lvl9pPr marL="2682118" indent="0">
+              <a:buNone/>
+              <a:defRPr sz="733"/>
             </a:lvl9pPr>
           </a:lstStyle>
           <a:p>
@@ -3848,7 +3641,7 @@
           <a:p>
             <a:fld id="{0671BF96-9467-0B49-AF35-7149D7F70E39}" type="datetimeFigureOut">
               <a:rPr lang="en-US" smtClean="0"/>
-              <a:t>5/7/25</a:t>
+              <a:t>5/22/25</a:t>
             </a:fld>
             <a:endParaRPr lang="en-US"/>
           </a:p>
@@ -3899,7 +3692,7 @@
     </p:spTree>
     <p:extLst>
       <p:ext uri="{BB962C8B-B14F-4D97-AF65-F5344CB8AC3E}">
-        <p14:creationId xmlns:p14="http://schemas.microsoft.com/office/powerpoint/2010/main" val="1874333956"/>
+        <p14:creationId xmlns:p14="http://schemas.microsoft.com/office/powerpoint/2010/main" val="3663237871"/>
       </p:ext>
     </p:extLst>
   </p:cSld>
@@ -3943,8 +3736,8 @@
         </p:nvSpPr>
         <p:spPr>
           <a:xfrm>
-            <a:off x="974408" y="243417"/>
-            <a:ext cx="12224385" cy="883709"/>
+            <a:off x="974408" y="267758"/>
+            <a:ext cx="12224385" cy="972080"/>
           </a:xfrm>
           <a:prstGeom prst="rect">
             <a:avLst/>
@@ -3976,8 +3769,8 @@
         </p:nvSpPr>
         <p:spPr>
           <a:xfrm>
-            <a:off x="974408" y="1217083"/>
-            <a:ext cx="12224385" cy="2900892"/>
+            <a:off x="974408" y="1338792"/>
+            <a:ext cx="12224385" cy="3190981"/>
           </a:xfrm>
           <a:prstGeom prst="rect">
             <a:avLst/>
@@ -3991,37 +3784,38 @@
           <a:p>
             <a:pPr lvl="0"/>
             <a:r>
-              <a:rPr lang="en-US" dirty="0"/>
+              <a:rPr lang="en-US"/>
               <a:t>Click to edit Master text styles</a:t>
             </a:r>
           </a:p>
           <a:p>
             <a:pPr lvl="1"/>
             <a:r>
-              <a:rPr lang="en-US" dirty="0"/>
+              <a:rPr lang="en-US"/>
               <a:t>Second level</a:t>
             </a:r>
           </a:p>
           <a:p>
             <a:pPr lvl="2"/>
             <a:r>
-              <a:rPr lang="en-US" dirty="0"/>
+              <a:rPr lang="en-US"/>
               <a:t>Third level</a:t>
             </a:r>
           </a:p>
           <a:p>
             <a:pPr lvl="3"/>
             <a:r>
-              <a:rPr lang="en-US" dirty="0"/>
+              <a:rPr lang="en-US"/>
               <a:t>Fourth level</a:t>
             </a:r>
           </a:p>
           <a:p>
             <a:pPr lvl="4"/>
             <a:r>
-              <a:rPr lang="en-US" dirty="0"/>
+              <a:rPr lang="en-US"/>
               <a:t>Fifth level</a:t>
             </a:r>
+            <a:endParaRPr lang="en-US" dirty="0"/>
           </a:p>
         </p:txBody>
       </p:sp>
@@ -4037,8 +3831,8 @@
         </p:nvSpPr>
         <p:spPr>
           <a:xfrm>
-            <a:off x="974407" y="4237567"/>
-            <a:ext cx="3188970" cy="243417"/>
+            <a:off x="974407" y="4661324"/>
+            <a:ext cx="3188970" cy="267758"/>
           </a:xfrm>
           <a:prstGeom prst="rect">
             <a:avLst/>
@@ -4048,7 +3842,7 @@
           <a:bodyPr vert="horz" lIns="91440" tIns="45720" rIns="91440" bIns="45720" rtlCol="0" anchor="ctr"/>
           <a:lstStyle>
             <a:lvl1pPr algn="l">
-              <a:defRPr sz="800">
+              <a:defRPr sz="880">
                 <a:solidFill>
                   <a:schemeClr val="tx1">
                     <a:tint val="82000"/>
@@ -4061,7 +3855,7 @@
             <a:fld id="{0671BF96-9467-0B49-AF35-7149D7F70E39}" type="datetimeFigureOut">
               <a:rPr lang="en-US" smtClean="0"/>
               <a:pPr/>
-              <a:t>5/7/25</a:t>
+              <a:t>5/22/25</a:t>
             </a:fld>
             <a:endParaRPr lang="en-US" dirty="0"/>
           </a:p>
@@ -4079,8 +3873,8 @@
         </p:nvSpPr>
         <p:spPr>
           <a:xfrm>
-            <a:off x="4694873" y="4237567"/>
-            <a:ext cx="4783455" cy="243417"/>
+            <a:off x="4694873" y="4661324"/>
+            <a:ext cx="4783455" cy="267758"/>
           </a:xfrm>
           <a:prstGeom prst="rect">
             <a:avLst/>
@@ -4090,7 +3884,7 @@
           <a:bodyPr vert="horz" lIns="91440" tIns="45720" rIns="91440" bIns="45720" rtlCol="0" anchor="ctr"/>
           <a:lstStyle>
             <a:lvl1pPr algn="ctr">
-              <a:defRPr sz="800">
+              <a:defRPr sz="880">
                 <a:solidFill>
                   <a:schemeClr val="tx1">
                     <a:tint val="82000"/>
@@ -4116,8 +3910,8 @@
         </p:nvSpPr>
         <p:spPr>
           <a:xfrm>
-            <a:off x="10009823" y="4237567"/>
-            <a:ext cx="3188970" cy="243417"/>
+            <a:off x="10009823" y="4661324"/>
+            <a:ext cx="3188970" cy="267758"/>
           </a:xfrm>
           <a:prstGeom prst="rect">
             <a:avLst/>
@@ -4127,7 +3921,7 @@
           <a:bodyPr vert="horz" lIns="91440" tIns="45720" rIns="91440" bIns="45720" rtlCol="0" anchor="ctr"/>
           <a:lstStyle>
             <a:lvl1pPr algn="r">
-              <a:defRPr sz="800">
+              <a:defRPr sz="880">
                 <a:solidFill>
                   <a:schemeClr val="tx1">
                     <a:tint val="82000"/>
@@ -4149,27 +3943,27 @@
     </p:spTree>
     <p:extLst>
       <p:ext uri="{BB962C8B-B14F-4D97-AF65-F5344CB8AC3E}">
-        <p14:creationId xmlns:p14="http://schemas.microsoft.com/office/powerpoint/2010/main" val="2751816586"/>
+        <p14:creationId xmlns:p14="http://schemas.microsoft.com/office/powerpoint/2010/main" val="3629770150"/>
       </p:ext>
     </p:extLst>
   </p:cSld>
   <p:clrMap bg1="lt1" tx1="dk1" bg2="lt2" tx2="dk2" accent1="accent1" accent2="accent2" accent3="accent3" accent4="accent4" accent5="accent5" accent6="accent6" hlink="hlink" folHlink="folHlink"/>
   <p:sldLayoutIdLst>
-    <p:sldLayoutId id="2147483685" r:id="rId1"/>
-    <p:sldLayoutId id="2147483686" r:id="rId2"/>
-    <p:sldLayoutId id="2147483687" r:id="rId3"/>
-    <p:sldLayoutId id="2147483688" r:id="rId4"/>
-    <p:sldLayoutId id="2147483689" r:id="rId5"/>
-    <p:sldLayoutId id="2147483690" r:id="rId6"/>
-    <p:sldLayoutId id="2147483691" r:id="rId7"/>
-    <p:sldLayoutId id="2147483692" r:id="rId8"/>
-    <p:sldLayoutId id="2147483693" r:id="rId9"/>
-    <p:sldLayoutId id="2147483694" r:id="rId10"/>
-    <p:sldLayoutId id="2147483695" r:id="rId11"/>
+    <p:sldLayoutId id="2147483697" r:id="rId1"/>
+    <p:sldLayoutId id="2147483698" r:id="rId2"/>
+    <p:sldLayoutId id="2147483699" r:id="rId3"/>
+    <p:sldLayoutId id="2147483700" r:id="rId4"/>
+    <p:sldLayoutId id="2147483701" r:id="rId5"/>
+    <p:sldLayoutId id="2147483702" r:id="rId6"/>
+    <p:sldLayoutId id="2147483703" r:id="rId7"/>
+    <p:sldLayoutId id="2147483704" r:id="rId8"/>
+    <p:sldLayoutId id="2147483705" r:id="rId9"/>
+    <p:sldLayoutId id="2147483706" r:id="rId10"/>
+    <p:sldLayoutId id="2147483707" r:id="rId11"/>
   </p:sldLayoutIdLst>
   <p:txStyles>
     <p:titleStyle>
-      <a:lvl1pPr algn="l" defTabSz="609630" rtl="0" eaLnBrk="1" latinLnBrk="0" hangingPunct="1">
+      <a:lvl1pPr algn="l" defTabSz="670530" rtl="0" eaLnBrk="1" latinLnBrk="0" hangingPunct="1">
         <a:lnSpc>
           <a:spcPct val="90000"/>
         </a:lnSpc>
@@ -4177,7 +3971,7 @@
           <a:spcPct val="0"/>
         </a:spcBef>
         <a:buNone/>
-        <a:defRPr sz="2933" kern="1200">
+        <a:defRPr sz="3227" kern="1200">
           <a:solidFill>
             <a:schemeClr val="tx1"/>
           </a:solidFill>
@@ -4188,16 +3982,16 @@
       </a:lvl1pPr>
     </p:titleStyle>
     <p:bodyStyle>
-      <a:lvl1pPr marL="152408" indent="-152408" algn="l" defTabSz="609630" rtl="0" eaLnBrk="1" latinLnBrk="0" hangingPunct="1">
+      <a:lvl1pPr marL="167632" indent="-167632" algn="l" defTabSz="670530" rtl="0" eaLnBrk="1" latinLnBrk="0" hangingPunct="1">
         <a:lnSpc>
           <a:spcPct val="90000"/>
         </a:lnSpc>
         <a:spcBef>
-          <a:spcPts val="667"/>
+          <a:spcPts val="733"/>
         </a:spcBef>
         <a:buFont typeface="Arial" panose="020B0604020202020204" pitchFamily="34" charset="0"/>
         <a:buChar char="•"/>
-        <a:defRPr sz="1867" kern="1200">
+        <a:defRPr sz="2053" kern="1200">
           <a:solidFill>
             <a:schemeClr val="tx1"/>
           </a:solidFill>
@@ -4206,16 +4000,16 @@
           <a:cs typeface="+mn-cs"/>
         </a:defRPr>
       </a:lvl1pPr>
-      <a:lvl2pPr marL="457223" indent="-152408" algn="l" defTabSz="609630" rtl="0" eaLnBrk="1" latinLnBrk="0" hangingPunct="1">
+      <a:lvl2pPr marL="502897" indent="-167632" algn="l" defTabSz="670530" rtl="0" eaLnBrk="1" latinLnBrk="0" hangingPunct="1">
         <a:lnSpc>
           <a:spcPct val="90000"/>
         </a:lnSpc>
         <a:spcBef>
-          <a:spcPts val="333"/>
+          <a:spcPts val="367"/>
         </a:spcBef>
         <a:buFont typeface="Arial" panose="020B0604020202020204" pitchFamily="34" charset="0"/>
         <a:buChar char="•"/>
-        <a:defRPr sz="1600" kern="1200">
+        <a:defRPr sz="1760" kern="1200">
           <a:solidFill>
             <a:schemeClr val="tx1"/>
           </a:solidFill>
@@ -4224,16 +4018,16 @@
           <a:cs typeface="+mn-cs"/>
         </a:defRPr>
       </a:lvl2pPr>
-      <a:lvl3pPr marL="762038" indent="-152408" algn="l" defTabSz="609630" rtl="0" eaLnBrk="1" latinLnBrk="0" hangingPunct="1">
+      <a:lvl3pPr marL="838162" indent="-167632" algn="l" defTabSz="670530" rtl="0" eaLnBrk="1" latinLnBrk="0" hangingPunct="1">
         <a:lnSpc>
           <a:spcPct val="90000"/>
         </a:lnSpc>
         <a:spcBef>
-          <a:spcPts val="333"/>
+          <a:spcPts val="367"/>
         </a:spcBef>
         <a:buFont typeface="Arial" panose="020B0604020202020204" pitchFamily="34" charset="0"/>
         <a:buChar char="•"/>
-        <a:defRPr sz="1333" kern="1200">
+        <a:defRPr sz="1467" kern="1200">
           <a:solidFill>
             <a:schemeClr val="tx1"/>
           </a:solidFill>
@@ -4242,16 +4036,16 @@
           <a:cs typeface="+mn-cs"/>
         </a:defRPr>
       </a:lvl3pPr>
-      <a:lvl4pPr marL="1066853" indent="-152408" algn="l" defTabSz="609630" rtl="0" eaLnBrk="1" latinLnBrk="0" hangingPunct="1">
+      <a:lvl4pPr marL="1173427" indent="-167632" algn="l" defTabSz="670530" rtl="0" eaLnBrk="1" latinLnBrk="0" hangingPunct="1">
         <a:lnSpc>
           <a:spcPct val="90000"/>
         </a:lnSpc>
         <a:spcBef>
-          <a:spcPts val="333"/>
+          <a:spcPts val="367"/>
         </a:spcBef>
         <a:buFont typeface="Arial" panose="020B0604020202020204" pitchFamily="34" charset="0"/>
         <a:buChar char="•"/>
-        <a:defRPr sz="1200" kern="1200">
+        <a:defRPr sz="1320" kern="1200">
           <a:solidFill>
             <a:schemeClr val="tx1"/>
           </a:solidFill>
@@ -4260,16 +4054,16 @@
           <a:cs typeface="+mn-cs"/>
         </a:defRPr>
       </a:lvl4pPr>
-      <a:lvl5pPr marL="1371669" indent="-152408" algn="l" defTabSz="609630" rtl="0" eaLnBrk="1" latinLnBrk="0" hangingPunct="1">
+      <a:lvl5pPr marL="1508691" indent="-167632" algn="l" defTabSz="670530" rtl="0" eaLnBrk="1" latinLnBrk="0" hangingPunct="1">
         <a:lnSpc>
           <a:spcPct val="90000"/>
         </a:lnSpc>
         <a:spcBef>
-          <a:spcPts val="333"/>
+          <a:spcPts val="367"/>
         </a:spcBef>
         <a:buFont typeface="Arial" panose="020B0604020202020204" pitchFamily="34" charset="0"/>
         <a:buChar char="•"/>
-        <a:defRPr sz="1200" kern="1200">
+        <a:defRPr sz="1320" kern="1200">
           <a:solidFill>
             <a:schemeClr val="tx1"/>
           </a:solidFill>
@@ -4278,16 +4072,16 @@
           <a:cs typeface="+mn-cs"/>
         </a:defRPr>
       </a:lvl5pPr>
-      <a:lvl6pPr marL="1676484" indent="-152408" algn="l" defTabSz="609630" rtl="0" eaLnBrk="1" latinLnBrk="0" hangingPunct="1">
+      <a:lvl6pPr marL="1843956" indent="-167632" algn="l" defTabSz="670530" rtl="0" eaLnBrk="1" latinLnBrk="0" hangingPunct="1">
         <a:lnSpc>
           <a:spcPct val="90000"/>
         </a:lnSpc>
         <a:spcBef>
-          <a:spcPts val="333"/>
+          <a:spcPts val="367"/>
         </a:spcBef>
         <a:buFont typeface="Arial" panose="020B0604020202020204" pitchFamily="34" charset="0"/>
         <a:buChar char="•"/>
-        <a:defRPr sz="1200" kern="1200">
+        <a:defRPr sz="1320" kern="1200">
           <a:solidFill>
             <a:schemeClr val="tx1"/>
           </a:solidFill>
@@ -4296,16 +4090,16 @@
           <a:cs typeface="+mn-cs"/>
         </a:defRPr>
       </a:lvl6pPr>
-      <a:lvl7pPr marL="1981299" indent="-152408" algn="l" defTabSz="609630" rtl="0" eaLnBrk="1" latinLnBrk="0" hangingPunct="1">
+      <a:lvl7pPr marL="2179221" indent="-167632" algn="l" defTabSz="670530" rtl="0" eaLnBrk="1" latinLnBrk="0" hangingPunct="1">
         <a:lnSpc>
           <a:spcPct val="90000"/>
         </a:lnSpc>
         <a:spcBef>
-          <a:spcPts val="333"/>
+          <a:spcPts val="367"/>
         </a:spcBef>
         <a:buFont typeface="Arial" panose="020B0604020202020204" pitchFamily="34" charset="0"/>
         <a:buChar char="•"/>
-        <a:defRPr sz="1200" kern="1200">
+        <a:defRPr sz="1320" kern="1200">
           <a:solidFill>
             <a:schemeClr val="tx1"/>
           </a:solidFill>
@@ -4314,16 +4108,16 @@
           <a:cs typeface="+mn-cs"/>
         </a:defRPr>
       </a:lvl7pPr>
-      <a:lvl8pPr marL="2286114" indent="-152408" algn="l" defTabSz="609630" rtl="0" eaLnBrk="1" latinLnBrk="0" hangingPunct="1">
+      <a:lvl8pPr marL="2514486" indent="-167632" algn="l" defTabSz="670530" rtl="0" eaLnBrk="1" latinLnBrk="0" hangingPunct="1">
         <a:lnSpc>
           <a:spcPct val="90000"/>
         </a:lnSpc>
         <a:spcBef>
-          <a:spcPts val="333"/>
+          <a:spcPts val="367"/>
         </a:spcBef>
         <a:buFont typeface="Arial" panose="020B0604020202020204" pitchFamily="34" charset="0"/>
         <a:buChar char="•"/>
-        <a:defRPr sz="1200" kern="1200">
+        <a:defRPr sz="1320" kern="1200">
           <a:solidFill>
             <a:schemeClr val="tx1"/>
           </a:solidFill>
@@ -4332,16 +4126,16 @@
           <a:cs typeface="+mn-cs"/>
         </a:defRPr>
       </a:lvl8pPr>
-      <a:lvl9pPr marL="2590930" indent="-152408" algn="l" defTabSz="609630" rtl="0" eaLnBrk="1" latinLnBrk="0" hangingPunct="1">
+      <a:lvl9pPr marL="2849750" indent="-167632" algn="l" defTabSz="670530" rtl="0" eaLnBrk="1" latinLnBrk="0" hangingPunct="1">
         <a:lnSpc>
           <a:spcPct val="90000"/>
         </a:lnSpc>
         <a:spcBef>
-          <a:spcPts val="333"/>
+          <a:spcPts val="367"/>
         </a:spcBef>
         <a:buFont typeface="Arial" panose="020B0604020202020204" pitchFamily="34" charset="0"/>
         <a:buChar char="•"/>
-        <a:defRPr sz="1200" kern="1200">
+        <a:defRPr sz="1320" kern="1200">
           <a:solidFill>
             <a:schemeClr val="tx1"/>
           </a:solidFill>
@@ -4355,8 +4149,8 @@
       <a:defPPr>
         <a:defRPr lang="en-US"/>
       </a:defPPr>
-      <a:lvl1pPr marL="0" algn="l" defTabSz="609630" rtl="0" eaLnBrk="1" latinLnBrk="0" hangingPunct="1">
-        <a:defRPr sz="1200" kern="1200">
+      <a:lvl1pPr marL="0" algn="l" defTabSz="670530" rtl="0" eaLnBrk="1" latinLnBrk="0" hangingPunct="1">
+        <a:defRPr sz="1320" kern="1200">
           <a:solidFill>
             <a:schemeClr val="tx1"/>
           </a:solidFill>
@@ -4365,8 +4159,8 @@
           <a:cs typeface="+mn-cs"/>
         </a:defRPr>
       </a:lvl1pPr>
-      <a:lvl2pPr marL="304815" algn="l" defTabSz="609630" rtl="0" eaLnBrk="1" latinLnBrk="0" hangingPunct="1">
-        <a:defRPr sz="1200" kern="1200">
+      <a:lvl2pPr marL="335265" algn="l" defTabSz="670530" rtl="0" eaLnBrk="1" latinLnBrk="0" hangingPunct="1">
+        <a:defRPr sz="1320" kern="1200">
           <a:solidFill>
             <a:schemeClr val="tx1"/>
           </a:solidFill>
@@ -4375,8 +4169,8 @@
           <a:cs typeface="+mn-cs"/>
         </a:defRPr>
       </a:lvl2pPr>
-      <a:lvl3pPr marL="609630" algn="l" defTabSz="609630" rtl="0" eaLnBrk="1" latinLnBrk="0" hangingPunct="1">
-        <a:defRPr sz="1200" kern="1200">
+      <a:lvl3pPr marL="670530" algn="l" defTabSz="670530" rtl="0" eaLnBrk="1" latinLnBrk="0" hangingPunct="1">
+        <a:defRPr sz="1320" kern="1200">
           <a:solidFill>
             <a:schemeClr val="tx1"/>
           </a:solidFill>
@@ -4385,8 +4179,8 @@
           <a:cs typeface="+mn-cs"/>
         </a:defRPr>
       </a:lvl3pPr>
-      <a:lvl4pPr marL="914446" algn="l" defTabSz="609630" rtl="0" eaLnBrk="1" latinLnBrk="0" hangingPunct="1">
-        <a:defRPr sz="1200" kern="1200">
+      <a:lvl4pPr marL="1005794" algn="l" defTabSz="670530" rtl="0" eaLnBrk="1" latinLnBrk="0" hangingPunct="1">
+        <a:defRPr sz="1320" kern="1200">
           <a:solidFill>
             <a:schemeClr val="tx1"/>
           </a:solidFill>
@@ -4395,8 +4189,8 @@
           <a:cs typeface="+mn-cs"/>
         </a:defRPr>
       </a:lvl4pPr>
-      <a:lvl5pPr marL="1219261" algn="l" defTabSz="609630" rtl="0" eaLnBrk="1" latinLnBrk="0" hangingPunct="1">
-        <a:defRPr sz="1200" kern="1200">
+      <a:lvl5pPr marL="1341059" algn="l" defTabSz="670530" rtl="0" eaLnBrk="1" latinLnBrk="0" hangingPunct="1">
+        <a:defRPr sz="1320" kern="1200">
           <a:solidFill>
             <a:schemeClr val="tx1"/>
           </a:solidFill>
@@ -4405,8 +4199,8 @@
           <a:cs typeface="+mn-cs"/>
         </a:defRPr>
       </a:lvl5pPr>
-      <a:lvl6pPr marL="1524076" algn="l" defTabSz="609630" rtl="0" eaLnBrk="1" latinLnBrk="0" hangingPunct="1">
-        <a:defRPr sz="1200" kern="1200">
+      <a:lvl6pPr marL="1676324" algn="l" defTabSz="670530" rtl="0" eaLnBrk="1" latinLnBrk="0" hangingPunct="1">
+        <a:defRPr sz="1320" kern="1200">
           <a:solidFill>
             <a:schemeClr val="tx1"/>
           </a:solidFill>
@@ -4415,8 +4209,8 @@
           <a:cs typeface="+mn-cs"/>
         </a:defRPr>
       </a:lvl6pPr>
-      <a:lvl7pPr marL="1828891" algn="l" defTabSz="609630" rtl="0" eaLnBrk="1" latinLnBrk="0" hangingPunct="1">
-        <a:defRPr sz="1200" kern="1200">
+      <a:lvl7pPr marL="2011589" algn="l" defTabSz="670530" rtl="0" eaLnBrk="1" latinLnBrk="0" hangingPunct="1">
+        <a:defRPr sz="1320" kern="1200">
           <a:solidFill>
             <a:schemeClr val="tx1"/>
           </a:solidFill>
@@ -4425,8 +4219,8 @@
           <a:cs typeface="+mn-cs"/>
         </a:defRPr>
       </a:lvl7pPr>
-      <a:lvl8pPr marL="2133707" algn="l" defTabSz="609630" rtl="0" eaLnBrk="1" latinLnBrk="0" hangingPunct="1">
-        <a:defRPr sz="1200" kern="1200">
+      <a:lvl8pPr marL="2346853" algn="l" defTabSz="670530" rtl="0" eaLnBrk="1" latinLnBrk="0" hangingPunct="1">
+        <a:defRPr sz="1320" kern="1200">
           <a:solidFill>
             <a:schemeClr val="tx1"/>
           </a:solidFill>
@@ -4435,8 +4229,8 @@
           <a:cs typeface="+mn-cs"/>
         </a:defRPr>
       </a:lvl8pPr>
-      <a:lvl9pPr marL="2438522" algn="l" defTabSz="609630" rtl="0" eaLnBrk="1" latinLnBrk="0" hangingPunct="1">
-        <a:defRPr sz="1200" kern="1200">
+      <a:lvl9pPr marL="2682118" algn="l" defTabSz="670530" rtl="0" eaLnBrk="1" latinLnBrk="0" hangingPunct="1">
+        <a:defRPr sz="1320" kern="1200">
           <a:solidFill>
             <a:schemeClr val="tx1"/>
           </a:solidFill>
@@ -4489,7 +4283,7 @@
         </p:blipFill>
         <p:spPr>
           <a:xfrm>
-            <a:off x="92342" y="179373"/>
+            <a:off x="92343" y="639200"/>
             <a:ext cx="3461657" cy="3979236"/>
           </a:xfrm>
           <a:prstGeom prst="rect">
@@ -4511,7 +4305,7 @@
         </p:nvSpPr>
         <p:spPr>
           <a:xfrm>
-            <a:off x="0" y="10198"/>
+            <a:off x="0" y="470025"/>
             <a:ext cx="2162062" cy="361188"/>
           </a:xfrm>
           <a:prstGeom prst="rect">
@@ -4563,7 +4357,7 @@
         </p:nvSpPr>
         <p:spPr>
           <a:xfrm>
-            <a:off x="64314" y="7730"/>
+            <a:off x="64315" y="467557"/>
             <a:ext cx="2629459" cy="338554"/>
           </a:xfrm>
           <a:prstGeom prst="rect">
@@ -4603,8 +4397,8 @@
         </p:nvSpPr>
         <p:spPr>
           <a:xfrm>
-            <a:off x="1395159" y="4024001"/>
-            <a:ext cx="1215838" cy="134608"/>
+            <a:off x="1395159" y="4483829"/>
+            <a:ext cx="1215838" cy="276999"/>
           </a:xfrm>
           <a:prstGeom prst="rect">
             <a:avLst/>
@@ -4637,8 +4431,8 @@
         </p:nvSpPr>
         <p:spPr>
           <a:xfrm rot="5400000">
-            <a:off x="-451368" y="2095012"/>
-            <a:ext cx="1215838" cy="134608"/>
+            <a:off x="-451368" y="2483645"/>
+            <a:ext cx="1215838" cy="276999"/>
           </a:xfrm>
           <a:prstGeom prst="rect">
             <a:avLst/>
@@ -4657,1172 +4451,1130 @@
           </a:p>
         </p:txBody>
       </p:sp>
-      <p:grpSp>
-        <p:nvGrpSpPr>
-          <p:cNvPr id="77" name="Group 76">
+      <p:pic>
+        <p:nvPicPr>
+          <p:cNvPr id="5" name="Picture 4" descr="A graph of different colored squares&#10;&#10;AI-generated content may be incorrect.">
             <a:extLst>
               <a:ext uri="{FF2B5EF4-FFF2-40B4-BE49-F238E27FC236}">
-                <a16:creationId xmlns:a16="http://schemas.microsoft.com/office/drawing/2014/main" id="{519BA70F-32AF-6196-42A2-4FAF6B9DC567}"/>
+                <a16:creationId xmlns:a16="http://schemas.microsoft.com/office/drawing/2014/main" id="{0E0AED48-620C-1F0E-65CC-725094FFD129}"/>
               </a:ext>
             </a:extLst>
           </p:cNvPr>
-          <p:cNvGrpSpPr/>
+          <p:cNvPicPr>
+            <a:picLocks noChangeAspect="1"/>
+          </p:cNvPicPr>
           <p:nvPr/>
-        </p:nvGrpSpPr>
-        <p:grpSpPr>
+        </p:nvPicPr>
+        <p:blipFill>
+          <a:blip r:embed="rId3"/>
+          <a:stretch>
+            <a:fillRect/>
+          </a:stretch>
+        </p:blipFill>
+        <p:spPr>
           <a:xfrm>
-            <a:off x="3840480" y="8495"/>
-            <a:ext cx="5040415" cy="4563505"/>
-            <a:chOff x="3630306" y="8495"/>
-            <a:chExt cx="5040415" cy="4563505"/>
-          </a:xfrm>
-        </p:grpSpPr>
-        <p:pic>
-          <p:nvPicPr>
-            <p:cNvPr id="5" name="Picture 4" descr="A graph of different colored squares&#10;&#10;AI-generated content may be incorrect.">
-              <a:extLst>
-                <a:ext uri="{FF2B5EF4-FFF2-40B4-BE49-F238E27FC236}">
-                  <a16:creationId xmlns:a16="http://schemas.microsoft.com/office/drawing/2014/main" id="{0E0AED48-620C-1F0E-65CC-725094FFD129}"/>
-                </a:ext>
-              </a:extLst>
-            </p:cNvPr>
-            <p:cNvPicPr>
-              <a:picLocks noChangeAspect="1"/>
-            </p:cNvPicPr>
-            <p:nvPr/>
-          </p:nvPicPr>
-          <p:blipFill>
-            <a:blip r:embed="rId3"/>
-            <a:stretch>
-              <a:fillRect/>
-            </a:stretch>
-          </p:blipFill>
-          <p:spPr>
-            <a:xfrm>
-              <a:off x="3662321" y="2384547"/>
-              <a:ext cx="5008400" cy="2168992"/>
-            </a:xfrm>
-            <a:prstGeom prst="rect">
-              <a:avLst/>
-            </a:prstGeom>
-          </p:spPr>
-        </p:pic>
-        <p:pic>
-          <p:nvPicPr>
-            <p:cNvPr id="11" name="Picture 10" descr="A graph of colored dots&#10;&#10;AI-generated content may be incorrect.">
-              <a:extLst>
-                <a:ext uri="{FF2B5EF4-FFF2-40B4-BE49-F238E27FC236}">
-                  <a16:creationId xmlns:a16="http://schemas.microsoft.com/office/drawing/2014/main" id="{CD44AFD6-3DD0-BBEC-3DB0-8F75835943A8}"/>
-                </a:ext>
-              </a:extLst>
-            </p:cNvPr>
-            <p:cNvPicPr>
-              <a:picLocks noChangeAspect="1"/>
-            </p:cNvPicPr>
-            <p:nvPr/>
-          </p:nvPicPr>
-          <p:blipFill>
-            <a:blip r:embed="rId4"/>
-            <a:stretch>
-              <a:fillRect/>
-            </a:stretch>
-          </p:blipFill>
-          <p:spPr>
-            <a:xfrm>
-              <a:off x="3662320" y="123882"/>
-              <a:ext cx="5008400" cy="2168992"/>
-            </a:xfrm>
-            <a:prstGeom prst="rect">
-              <a:avLst/>
-            </a:prstGeom>
-          </p:spPr>
-        </p:pic>
-        <p:sp>
-          <p:nvSpPr>
-            <p:cNvPr id="13" name="Rectangle 12">
-              <a:extLst>
-                <a:ext uri="{FF2B5EF4-FFF2-40B4-BE49-F238E27FC236}">
-                  <a16:creationId xmlns:a16="http://schemas.microsoft.com/office/drawing/2014/main" id="{7B91DD4F-8E1E-E9FB-FE2A-E9A0304EE8A1}"/>
-                </a:ext>
-              </a:extLst>
-            </p:cNvPr>
-            <p:cNvSpPr/>
-            <p:nvPr/>
-          </p:nvSpPr>
-          <p:spPr>
-            <a:xfrm>
-              <a:off x="8332728" y="598141"/>
-              <a:ext cx="337993" cy="3458220"/>
-            </a:xfrm>
-            <a:prstGeom prst="rect">
-              <a:avLst/>
-            </a:prstGeom>
-            <a:solidFill>
-              <a:schemeClr val="bg1"/>
-            </a:solidFill>
-            <a:ln>
-              <a:noFill/>
-            </a:ln>
-          </p:spPr>
-          <p:style>
-            <a:lnRef idx="2">
-              <a:schemeClr val="accent1">
-                <a:shade val="15000"/>
-              </a:schemeClr>
-            </a:lnRef>
-            <a:fillRef idx="1">
-              <a:schemeClr val="accent1"/>
-            </a:fillRef>
-            <a:effectRef idx="0">
-              <a:schemeClr val="accent1"/>
-            </a:effectRef>
-            <a:fontRef idx="minor">
-              <a:schemeClr val="lt1"/>
-            </a:fontRef>
-          </p:style>
-          <p:txBody>
-            <a:bodyPr rtlCol="0" anchor="ctr"/>
-            <a:lstStyle/>
-            <a:p>
-              <a:pPr algn="ctr"/>
-              <a:endParaRPr lang="en-US"/>
-            </a:p>
-          </p:txBody>
-        </p:sp>
-        <p:sp>
-          <p:nvSpPr>
-            <p:cNvPr id="18" name="Rectangle 17">
-              <a:extLst>
-                <a:ext uri="{FF2B5EF4-FFF2-40B4-BE49-F238E27FC236}">
-                  <a16:creationId xmlns:a16="http://schemas.microsoft.com/office/drawing/2014/main" id="{D10A3D1F-6FAF-0137-94F8-3B0AF6F172D8}"/>
-                </a:ext>
-              </a:extLst>
-            </p:cNvPr>
-            <p:cNvSpPr/>
-            <p:nvPr/>
-          </p:nvSpPr>
-          <p:spPr>
-            <a:xfrm rot="16200000">
-              <a:off x="6101502" y="-1844716"/>
-              <a:ext cx="130035" cy="4302169"/>
-            </a:xfrm>
-            <a:prstGeom prst="rect">
-              <a:avLst/>
-            </a:prstGeom>
-            <a:solidFill>
-              <a:schemeClr val="bg1"/>
-            </a:solidFill>
-            <a:ln>
-              <a:noFill/>
-            </a:ln>
-          </p:spPr>
-          <p:style>
-            <a:lnRef idx="2">
-              <a:schemeClr val="accent1">
-                <a:shade val="15000"/>
-              </a:schemeClr>
-            </a:lnRef>
-            <a:fillRef idx="1">
-              <a:schemeClr val="accent1"/>
-            </a:fillRef>
-            <a:effectRef idx="0">
-              <a:schemeClr val="accent1"/>
-            </a:effectRef>
-            <a:fontRef idx="minor">
-              <a:schemeClr val="lt1"/>
-            </a:fontRef>
-          </p:style>
-          <p:txBody>
-            <a:bodyPr rtlCol="0" anchor="ctr"/>
-            <a:lstStyle/>
-            <a:p>
-              <a:pPr algn="ctr"/>
-              <a:endParaRPr lang="en-US"/>
-            </a:p>
-          </p:txBody>
-        </p:sp>
-        <p:sp>
-          <p:nvSpPr>
-            <p:cNvPr id="19" name="Rectangle 18">
-              <a:extLst>
-                <a:ext uri="{FF2B5EF4-FFF2-40B4-BE49-F238E27FC236}">
-                  <a16:creationId xmlns:a16="http://schemas.microsoft.com/office/drawing/2014/main" id="{4315B280-3EAC-DD2E-7B99-DE549B779C6A}"/>
-                </a:ext>
-              </a:extLst>
-            </p:cNvPr>
-            <p:cNvSpPr/>
-            <p:nvPr/>
-          </p:nvSpPr>
-          <p:spPr>
-            <a:xfrm rot="16200000">
-              <a:off x="6269527" y="390737"/>
-              <a:ext cx="130035" cy="4302169"/>
-            </a:xfrm>
-            <a:prstGeom prst="rect">
-              <a:avLst/>
-            </a:prstGeom>
-            <a:solidFill>
-              <a:schemeClr val="bg1"/>
-            </a:solidFill>
-            <a:ln>
-              <a:noFill/>
-            </a:ln>
-          </p:spPr>
-          <p:style>
-            <a:lnRef idx="2">
-              <a:schemeClr val="accent1">
-                <a:shade val="15000"/>
-              </a:schemeClr>
-            </a:lnRef>
-            <a:fillRef idx="1">
-              <a:schemeClr val="accent1"/>
-            </a:fillRef>
-            <a:effectRef idx="0">
-              <a:schemeClr val="accent1"/>
-            </a:effectRef>
-            <a:fontRef idx="minor">
-              <a:schemeClr val="lt1"/>
-            </a:fontRef>
-          </p:style>
-          <p:txBody>
-            <a:bodyPr rtlCol="0" anchor="ctr"/>
-            <a:lstStyle/>
-            <a:p>
-              <a:pPr algn="ctr"/>
-              <a:endParaRPr lang="en-US"/>
-            </a:p>
-          </p:txBody>
-        </p:sp>
-        <p:sp>
-          <p:nvSpPr>
-            <p:cNvPr id="20" name="TextBox 19">
-              <a:extLst>
-                <a:ext uri="{FF2B5EF4-FFF2-40B4-BE49-F238E27FC236}">
-                  <a16:creationId xmlns:a16="http://schemas.microsoft.com/office/drawing/2014/main" id="{B847D3E9-F6AC-40DB-2581-58FA1DC09D0D}"/>
-                </a:ext>
-              </a:extLst>
-            </p:cNvPr>
-            <p:cNvSpPr txBox="1"/>
-            <p:nvPr/>
-          </p:nvSpPr>
-          <p:spPr>
-            <a:xfrm>
-              <a:off x="3955319" y="284730"/>
-              <a:ext cx="482824" cy="307777"/>
-            </a:xfrm>
-            <a:prstGeom prst="rect">
-              <a:avLst/>
-            </a:prstGeom>
-            <a:noFill/>
-          </p:spPr>
-          <p:txBody>
-            <a:bodyPr wrap="none" rtlCol="0">
-              <a:spAutoFit/>
-            </a:bodyPr>
-            <a:lstStyle/>
-            <a:p>
-              <a:r>
-                <a:rPr lang="en-US" sz="1400" dirty="0">
-                  <a:latin typeface="Arial" panose="020B0604020202020204" pitchFamily="34" charset="0"/>
-                  <a:cs typeface="Arial" panose="020B0604020202020204" pitchFamily="34" charset="0"/>
-                </a:rPr>
-                <a:t>Left</a:t>
-              </a:r>
-            </a:p>
-          </p:txBody>
-        </p:sp>
-        <p:sp>
-          <p:nvSpPr>
-            <p:cNvPr id="21" name="TextBox 20">
-              <a:extLst>
-                <a:ext uri="{FF2B5EF4-FFF2-40B4-BE49-F238E27FC236}">
-                  <a16:creationId xmlns:a16="http://schemas.microsoft.com/office/drawing/2014/main" id="{9FB21508-310C-084C-90DB-4536FA70C578}"/>
-                </a:ext>
-              </a:extLst>
-            </p:cNvPr>
-            <p:cNvSpPr txBox="1"/>
-            <p:nvPr/>
-          </p:nvSpPr>
-          <p:spPr>
-            <a:xfrm>
-              <a:off x="3955319" y="2683894"/>
-              <a:ext cx="482824" cy="307777"/>
-            </a:xfrm>
-            <a:prstGeom prst="rect">
-              <a:avLst/>
-            </a:prstGeom>
-            <a:solidFill>
-              <a:schemeClr val="bg1">
-                <a:alpha val="65119"/>
-              </a:schemeClr>
-            </a:solidFill>
-          </p:spPr>
-          <p:txBody>
-            <a:bodyPr wrap="none" rtlCol="0">
-              <a:spAutoFit/>
-            </a:bodyPr>
-            <a:lstStyle/>
-            <a:p>
-              <a:r>
-                <a:rPr lang="en-US" sz="1400" dirty="0">
-                  <a:latin typeface="Arial" panose="020B0604020202020204" pitchFamily="34" charset="0"/>
-                  <a:cs typeface="Arial" panose="020B0604020202020204" pitchFamily="34" charset="0"/>
-                </a:rPr>
-                <a:t>Left</a:t>
-              </a:r>
-            </a:p>
-          </p:txBody>
-        </p:sp>
-        <p:sp>
-          <p:nvSpPr>
-            <p:cNvPr id="25" name="TextBox 24">
-              <a:extLst>
-                <a:ext uri="{FF2B5EF4-FFF2-40B4-BE49-F238E27FC236}">
-                  <a16:creationId xmlns:a16="http://schemas.microsoft.com/office/drawing/2014/main" id="{6CACE375-140F-ABBF-99B5-E90E4D3F0097}"/>
-                </a:ext>
-              </a:extLst>
-            </p:cNvPr>
-            <p:cNvSpPr txBox="1"/>
-            <p:nvPr/>
-          </p:nvSpPr>
-          <p:spPr>
-            <a:xfrm>
-              <a:off x="6166519" y="288442"/>
-              <a:ext cx="603050" cy="307777"/>
-            </a:xfrm>
-            <a:prstGeom prst="rect">
-              <a:avLst/>
-            </a:prstGeom>
-            <a:noFill/>
-          </p:spPr>
-          <p:txBody>
-            <a:bodyPr wrap="none" rtlCol="0">
-              <a:spAutoFit/>
-            </a:bodyPr>
-            <a:lstStyle/>
-            <a:p>
-              <a:r>
-                <a:rPr lang="en-US" sz="1400" dirty="0">
-                  <a:latin typeface="Arial" panose="020B0604020202020204" pitchFamily="34" charset="0"/>
-                  <a:cs typeface="Arial" panose="020B0604020202020204" pitchFamily="34" charset="0"/>
-                </a:rPr>
-                <a:t>Right</a:t>
-              </a:r>
-            </a:p>
-          </p:txBody>
-        </p:sp>
-        <p:sp>
-          <p:nvSpPr>
-            <p:cNvPr id="29" name="TextBox 28">
-              <a:extLst>
-                <a:ext uri="{FF2B5EF4-FFF2-40B4-BE49-F238E27FC236}">
-                  <a16:creationId xmlns:a16="http://schemas.microsoft.com/office/drawing/2014/main" id="{F83DFDAD-3292-5568-9297-AEBC3860A5DA}"/>
-                </a:ext>
-              </a:extLst>
-            </p:cNvPr>
-            <p:cNvSpPr txBox="1"/>
-            <p:nvPr/>
-          </p:nvSpPr>
-          <p:spPr>
-            <a:xfrm>
-              <a:off x="6166520" y="2683893"/>
-              <a:ext cx="603050" cy="307777"/>
-            </a:xfrm>
-            <a:prstGeom prst="rect">
-              <a:avLst/>
-            </a:prstGeom>
-            <a:solidFill>
-              <a:schemeClr val="bg1">
-                <a:alpha val="65000"/>
-              </a:schemeClr>
-            </a:solidFill>
-          </p:spPr>
-          <p:txBody>
-            <a:bodyPr wrap="none" rtlCol="0">
-              <a:spAutoFit/>
-            </a:bodyPr>
-            <a:lstStyle/>
-            <a:p>
-              <a:r>
-                <a:rPr lang="en-US" sz="1400" dirty="0">
-                  <a:latin typeface="Arial" panose="020B0604020202020204" pitchFamily="34" charset="0"/>
-                  <a:cs typeface="Arial" panose="020B0604020202020204" pitchFamily="34" charset="0"/>
-                </a:rPr>
-                <a:t>Right</a:t>
-              </a:r>
-            </a:p>
-          </p:txBody>
-        </p:sp>
-        <p:sp>
-          <p:nvSpPr>
-            <p:cNvPr id="35" name="TextBox 34">
-              <a:extLst>
-                <a:ext uri="{FF2B5EF4-FFF2-40B4-BE49-F238E27FC236}">
-                  <a16:creationId xmlns:a16="http://schemas.microsoft.com/office/drawing/2014/main" id="{31E5522E-260A-87C4-320B-130EB388D970}"/>
-                </a:ext>
-              </a:extLst>
-            </p:cNvPr>
-            <p:cNvSpPr txBox="1"/>
-            <p:nvPr/>
-          </p:nvSpPr>
-          <p:spPr>
-            <a:xfrm>
-              <a:off x="3766202" y="8495"/>
-              <a:ext cx="3079332" cy="338554"/>
-            </a:xfrm>
-            <a:prstGeom prst="rect">
-              <a:avLst/>
-            </a:prstGeom>
-            <a:solidFill>
-              <a:schemeClr val="bg1"/>
-            </a:solidFill>
-          </p:spPr>
-          <p:txBody>
-            <a:bodyPr wrap="square" rtlCol="0">
-              <a:spAutoFit/>
-            </a:bodyPr>
-            <a:lstStyle/>
-            <a:p>
-              <a:r>
-                <a:rPr lang="en-US" sz="1600" dirty="0">
-                  <a:latin typeface="Arial" panose="020B0604020202020204" pitchFamily="34" charset="0"/>
-                  <a:cs typeface="Arial" panose="020B0604020202020204" pitchFamily="34" charset="0"/>
-                </a:rPr>
-                <a:t>Step 1: Translate to origin</a:t>
-              </a:r>
-            </a:p>
-          </p:txBody>
-        </p:sp>
-        <p:sp>
-          <p:nvSpPr>
-            <p:cNvPr id="37" name="TextBox 36">
-              <a:extLst>
-                <a:ext uri="{FF2B5EF4-FFF2-40B4-BE49-F238E27FC236}">
-                  <a16:creationId xmlns:a16="http://schemas.microsoft.com/office/drawing/2014/main" id="{D961E832-5A9C-7FA5-B576-F946E195770F}"/>
-                </a:ext>
-              </a:extLst>
-            </p:cNvPr>
-            <p:cNvSpPr txBox="1"/>
-            <p:nvPr/>
-          </p:nvSpPr>
-          <p:spPr>
-            <a:xfrm>
-              <a:off x="3766201" y="2329840"/>
-              <a:ext cx="4043159" cy="338554"/>
-            </a:xfrm>
-            <a:prstGeom prst="rect">
-              <a:avLst/>
-            </a:prstGeom>
-            <a:solidFill>
-              <a:schemeClr val="bg1"/>
-            </a:solidFill>
-          </p:spPr>
-          <p:txBody>
-            <a:bodyPr wrap="square" rtlCol="0">
-              <a:spAutoFit/>
-            </a:bodyPr>
-            <a:lstStyle/>
-            <a:p>
-              <a:r>
-                <a:rPr lang="en-US" sz="1600" dirty="0">
-                  <a:latin typeface="Arial" panose="020B0604020202020204" pitchFamily="34" charset="0"/>
-                  <a:cs typeface="Arial" panose="020B0604020202020204" pitchFamily="34" charset="0"/>
-                </a:rPr>
-                <a:t>Step 3: Fit quadratic to L4 and flatten</a:t>
-              </a:r>
-            </a:p>
-          </p:txBody>
-        </p:sp>
-        <p:sp>
-          <p:nvSpPr>
-            <p:cNvPr id="50" name="TextBox 49">
-              <a:extLst>
-                <a:ext uri="{FF2B5EF4-FFF2-40B4-BE49-F238E27FC236}">
-                  <a16:creationId xmlns:a16="http://schemas.microsoft.com/office/drawing/2014/main" id="{B7B1CAC3-A690-A8BA-ABAE-E523DEA91CD3}"/>
-                </a:ext>
-              </a:extLst>
-            </p:cNvPr>
-            <p:cNvSpPr txBox="1"/>
-            <p:nvPr/>
-          </p:nvSpPr>
-          <p:spPr>
-            <a:xfrm>
-              <a:off x="5480609" y="2196793"/>
-              <a:ext cx="1215838" cy="134608"/>
-            </a:xfrm>
-            <a:prstGeom prst="rect">
-              <a:avLst/>
-            </a:prstGeom>
-            <a:solidFill>
-              <a:schemeClr val="bg1"/>
-            </a:solidFill>
-          </p:spPr>
-          <p:txBody>
-            <a:bodyPr wrap="square" rtlCol="0">
-              <a:spAutoFit/>
-            </a:bodyPr>
-            <a:lstStyle/>
-            <a:p>
-              <a:endParaRPr lang="en-US" sz="1200" b="1" dirty="0"/>
-            </a:p>
-          </p:txBody>
-        </p:sp>
-        <p:sp>
-          <p:nvSpPr>
-            <p:cNvPr id="51" name="TextBox 50">
-              <a:extLst>
-                <a:ext uri="{FF2B5EF4-FFF2-40B4-BE49-F238E27FC236}">
-                  <a16:creationId xmlns:a16="http://schemas.microsoft.com/office/drawing/2014/main" id="{9A0BE34F-57FC-A882-BE9C-DE71B97773AC}"/>
-                </a:ext>
-              </a:extLst>
-            </p:cNvPr>
-            <p:cNvSpPr txBox="1"/>
-            <p:nvPr/>
-          </p:nvSpPr>
-          <p:spPr>
-            <a:xfrm>
-              <a:off x="5574318" y="4437392"/>
-              <a:ext cx="1215838" cy="134608"/>
-            </a:xfrm>
-            <a:prstGeom prst="rect">
-              <a:avLst/>
-            </a:prstGeom>
-            <a:solidFill>
-              <a:schemeClr val="bg1"/>
-            </a:solidFill>
-          </p:spPr>
-          <p:txBody>
-            <a:bodyPr wrap="square" rtlCol="0">
-              <a:spAutoFit/>
-            </a:bodyPr>
-            <a:lstStyle/>
-            <a:p>
-              <a:endParaRPr lang="en-US" sz="1200" b="1" dirty="0"/>
-            </a:p>
-          </p:txBody>
-        </p:sp>
-        <p:sp>
-          <p:nvSpPr>
-            <p:cNvPr id="68" name="TextBox 67">
-              <a:extLst>
-                <a:ext uri="{FF2B5EF4-FFF2-40B4-BE49-F238E27FC236}">
-                  <a16:creationId xmlns:a16="http://schemas.microsoft.com/office/drawing/2014/main" id="{549FB2DF-D27D-0D92-AE12-899E4D85F4C0}"/>
-                </a:ext>
-              </a:extLst>
-            </p:cNvPr>
-            <p:cNvSpPr txBox="1"/>
-            <p:nvPr/>
-          </p:nvSpPr>
-          <p:spPr>
-            <a:xfrm rot="5400000">
-              <a:off x="2157563" y="2318927"/>
-              <a:ext cx="3071391" cy="125906"/>
-            </a:xfrm>
-            <a:prstGeom prst="rect">
-              <a:avLst/>
-            </a:prstGeom>
-            <a:solidFill>
-              <a:schemeClr val="bg1"/>
-            </a:solidFill>
-          </p:spPr>
-          <p:txBody>
-            <a:bodyPr wrap="square" rtlCol="0">
-              <a:spAutoFit/>
-            </a:bodyPr>
-            <a:lstStyle/>
-            <a:p>
-              <a:endParaRPr lang="en-US" sz="1200" b="1" dirty="0"/>
-            </a:p>
-          </p:txBody>
-        </p:sp>
-      </p:grpSp>
-      <p:grpSp>
-        <p:nvGrpSpPr>
-          <p:cNvPr id="78" name="Group 77">
+            <a:off x="3872495" y="2844374"/>
+            <a:ext cx="5008400" cy="2168992"/>
+          </a:xfrm>
+          <a:prstGeom prst="rect">
+            <a:avLst/>
+          </a:prstGeom>
+        </p:spPr>
+      </p:pic>
+      <p:pic>
+        <p:nvPicPr>
+          <p:cNvPr id="11" name="Picture 10" descr="A graph of colored dots&#10;&#10;AI-generated content may be incorrect.">
             <a:extLst>
               <a:ext uri="{FF2B5EF4-FFF2-40B4-BE49-F238E27FC236}">
-                <a16:creationId xmlns:a16="http://schemas.microsoft.com/office/drawing/2014/main" id="{7766C44C-11AD-0AB1-46BD-BEBF37DE3127}"/>
+                <a16:creationId xmlns:a16="http://schemas.microsoft.com/office/drawing/2014/main" id="{CD44AFD6-3DD0-BBEC-3DB0-8F75835943A8}"/>
               </a:ext>
             </a:extLst>
           </p:cNvPr>
-          <p:cNvGrpSpPr/>
+          <p:cNvPicPr>
+            <a:picLocks noChangeAspect="1"/>
+          </p:cNvPicPr>
           <p:nvPr/>
-        </p:nvGrpSpPr>
-        <p:grpSpPr>
+        </p:nvPicPr>
+        <p:blipFill>
+          <a:blip r:embed="rId4"/>
+          <a:stretch>
+            <a:fillRect/>
+          </a:stretch>
+        </p:blipFill>
+        <p:spPr>
           <a:xfrm>
-            <a:off x="8740190" y="8495"/>
-            <a:ext cx="5047254" cy="4563505"/>
-            <a:chOff x="8740190" y="8495"/>
-            <a:chExt cx="5047254" cy="4563505"/>
-          </a:xfrm>
-        </p:grpSpPr>
-        <p:pic>
-          <p:nvPicPr>
-            <p:cNvPr id="3" name="Picture 2" descr="A group of colored squares&#10;&#10;AI-generated content may be incorrect.">
-              <a:extLst>
-                <a:ext uri="{FF2B5EF4-FFF2-40B4-BE49-F238E27FC236}">
-                  <a16:creationId xmlns:a16="http://schemas.microsoft.com/office/drawing/2014/main" id="{9544E333-E1FA-8662-37B6-E2500278F6AE}"/>
-                </a:ext>
-              </a:extLst>
-            </p:cNvPr>
-            <p:cNvPicPr>
-              <a:picLocks noChangeAspect="1"/>
-            </p:cNvPicPr>
-            <p:nvPr/>
-          </p:nvPicPr>
-          <p:blipFill>
-            <a:blip r:embed="rId5"/>
-            <a:stretch>
-              <a:fillRect/>
-            </a:stretch>
-          </p:blipFill>
-          <p:spPr>
-            <a:xfrm>
-              <a:off x="8779044" y="2384546"/>
-              <a:ext cx="5008400" cy="2168992"/>
-            </a:xfrm>
-            <a:prstGeom prst="rect">
-              <a:avLst/>
-            </a:prstGeom>
-          </p:spPr>
-        </p:pic>
-        <p:pic>
-          <p:nvPicPr>
-            <p:cNvPr id="7" name="Picture 6" descr="A graph of colored lines&#10;&#10;AI-generated content may be incorrect.">
-              <a:extLst>
-                <a:ext uri="{FF2B5EF4-FFF2-40B4-BE49-F238E27FC236}">
-                  <a16:creationId xmlns:a16="http://schemas.microsoft.com/office/drawing/2014/main" id="{76E4B8B8-4670-CE42-1DCF-D61EA9453DED}"/>
-                </a:ext>
-              </a:extLst>
-            </p:cNvPr>
-            <p:cNvPicPr>
-              <a:picLocks noChangeAspect="1"/>
-            </p:cNvPicPr>
-            <p:nvPr/>
-          </p:nvPicPr>
-          <p:blipFill>
-            <a:blip r:embed="rId6"/>
-            <a:stretch>
-              <a:fillRect/>
-            </a:stretch>
-          </p:blipFill>
-          <p:spPr>
-            <a:xfrm>
-              <a:off x="8779042" y="123882"/>
-              <a:ext cx="5008400" cy="2168992"/>
-            </a:xfrm>
-            <a:prstGeom prst="rect">
-              <a:avLst/>
-            </a:prstGeom>
-          </p:spPr>
-        </p:pic>
-        <p:sp>
-          <p:nvSpPr>
-            <p:cNvPr id="14" name="Rectangle 13">
-              <a:extLst>
-                <a:ext uri="{FF2B5EF4-FFF2-40B4-BE49-F238E27FC236}">
-                  <a16:creationId xmlns:a16="http://schemas.microsoft.com/office/drawing/2014/main" id="{7CABAB10-265F-7B21-7E4A-78722ABB6501}"/>
-                </a:ext>
-              </a:extLst>
-            </p:cNvPr>
-            <p:cNvSpPr/>
-            <p:nvPr/>
-          </p:nvSpPr>
-          <p:spPr>
-            <a:xfrm>
-              <a:off x="13449450" y="598141"/>
-              <a:ext cx="337993" cy="3458220"/>
-            </a:xfrm>
-            <a:prstGeom prst="rect">
-              <a:avLst/>
-            </a:prstGeom>
-            <a:solidFill>
-              <a:schemeClr val="bg1"/>
-            </a:solidFill>
-            <a:ln>
-              <a:noFill/>
-            </a:ln>
-          </p:spPr>
-          <p:style>
-            <a:lnRef idx="2">
-              <a:schemeClr val="accent1">
-                <a:shade val="15000"/>
-              </a:schemeClr>
-            </a:lnRef>
-            <a:fillRef idx="1">
-              <a:schemeClr val="accent1"/>
-            </a:fillRef>
-            <a:effectRef idx="0">
-              <a:schemeClr val="accent1"/>
-            </a:effectRef>
-            <a:fontRef idx="minor">
-              <a:schemeClr val="lt1"/>
-            </a:fontRef>
-          </p:style>
-          <p:txBody>
-            <a:bodyPr rtlCol="0" anchor="ctr"/>
-            <a:lstStyle/>
-            <a:p>
-              <a:pPr algn="ctr"/>
-              <a:endParaRPr lang="en-US"/>
-            </a:p>
-          </p:txBody>
-        </p:sp>
-        <p:sp>
-          <p:nvSpPr>
-            <p:cNvPr id="15" name="Rectangle 14">
-              <a:extLst>
-                <a:ext uri="{FF2B5EF4-FFF2-40B4-BE49-F238E27FC236}">
-                  <a16:creationId xmlns:a16="http://schemas.microsoft.com/office/drawing/2014/main" id="{09BF9B13-3340-B1E4-256E-9A39D868530C}"/>
-                </a:ext>
-              </a:extLst>
-            </p:cNvPr>
-            <p:cNvSpPr/>
-            <p:nvPr/>
-          </p:nvSpPr>
-          <p:spPr>
-            <a:xfrm rot="16200000">
-              <a:off x="11053012" y="-1844716"/>
-              <a:ext cx="130035" cy="4302169"/>
-            </a:xfrm>
-            <a:prstGeom prst="rect">
-              <a:avLst/>
-            </a:prstGeom>
-            <a:solidFill>
-              <a:schemeClr val="bg1"/>
-            </a:solidFill>
-            <a:ln>
-              <a:noFill/>
-            </a:ln>
-          </p:spPr>
-          <p:style>
-            <a:lnRef idx="2">
-              <a:schemeClr val="accent1">
-                <a:shade val="15000"/>
-              </a:schemeClr>
-            </a:lnRef>
-            <a:fillRef idx="1">
-              <a:schemeClr val="accent1"/>
-            </a:fillRef>
-            <a:effectRef idx="0">
-              <a:schemeClr val="accent1"/>
-            </a:effectRef>
-            <a:fontRef idx="minor">
-              <a:schemeClr val="lt1"/>
-            </a:fontRef>
-          </p:style>
-          <p:txBody>
-            <a:bodyPr rtlCol="0" anchor="ctr"/>
-            <a:lstStyle/>
-            <a:p>
-              <a:pPr algn="ctr"/>
-              <a:endParaRPr lang="en-US"/>
-            </a:p>
-          </p:txBody>
-        </p:sp>
-        <p:sp>
-          <p:nvSpPr>
-            <p:cNvPr id="17" name="Rectangle 16">
-              <a:extLst>
-                <a:ext uri="{FF2B5EF4-FFF2-40B4-BE49-F238E27FC236}">
-                  <a16:creationId xmlns:a16="http://schemas.microsoft.com/office/drawing/2014/main" id="{BCB5E42C-BDAF-4472-57FD-CEC87C4ED0C1}"/>
-                </a:ext>
-              </a:extLst>
-            </p:cNvPr>
-            <p:cNvSpPr/>
-            <p:nvPr/>
-          </p:nvSpPr>
-          <p:spPr>
-            <a:xfrm rot="16200000">
-              <a:off x="10939933" y="390737"/>
-              <a:ext cx="130035" cy="4302169"/>
-            </a:xfrm>
-            <a:prstGeom prst="rect">
-              <a:avLst/>
-            </a:prstGeom>
-            <a:solidFill>
-              <a:schemeClr val="bg1"/>
-            </a:solidFill>
-            <a:ln>
-              <a:noFill/>
-            </a:ln>
-          </p:spPr>
-          <p:style>
-            <a:lnRef idx="2">
-              <a:schemeClr val="accent1">
-                <a:shade val="15000"/>
-              </a:schemeClr>
-            </a:lnRef>
-            <a:fillRef idx="1">
-              <a:schemeClr val="accent1"/>
-            </a:fillRef>
-            <a:effectRef idx="0">
-              <a:schemeClr val="accent1"/>
-            </a:effectRef>
-            <a:fontRef idx="minor">
-              <a:schemeClr val="lt1"/>
-            </a:fontRef>
-          </p:style>
-          <p:txBody>
-            <a:bodyPr rtlCol="0" anchor="ctr"/>
-            <a:lstStyle/>
-            <a:p>
-              <a:pPr algn="ctr"/>
-              <a:endParaRPr lang="en-US"/>
-            </a:p>
-          </p:txBody>
-        </p:sp>
-        <p:sp>
-          <p:nvSpPr>
-            <p:cNvPr id="22" name="TextBox 21">
-              <a:extLst>
-                <a:ext uri="{FF2B5EF4-FFF2-40B4-BE49-F238E27FC236}">
-                  <a16:creationId xmlns:a16="http://schemas.microsoft.com/office/drawing/2014/main" id="{0D3340DE-406D-11E2-8775-79C3AE14B727}"/>
-                </a:ext>
-              </a:extLst>
-            </p:cNvPr>
-            <p:cNvSpPr txBox="1"/>
-            <p:nvPr/>
-          </p:nvSpPr>
-          <p:spPr>
-            <a:xfrm>
-              <a:off x="9126606" y="284729"/>
-              <a:ext cx="482824" cy="307777"/>
-            </a:xfrm>
-            <a:prstGeom prst="rect">
-              <a:avLst/>
-            </a:prstGeom>
-            <a:solidFill>
-              <a:schemeClr val="bg1">
-                <a:alpha val="65000"/>
-              </a:schemeClr>
-            </a:solidFill>
-          </p:spPr>
-          <p:txBody>
-            <a:bodyPr wrap="none" rtlCol="0">
-              <a:spAutoFit/>
-            </a:bodyPr>
-            <a:lstStyle/>
-            <a:p>
-              <a:r>
-                <a:rPr lang="en-US" sz="1400" dirty="0">
-                  <a:latin typeface="Arial" panose="020B0604020202020204" pitchFamily="34" charset="0"/>
-                  <a:cs typeface="Arial" panose="020B0604020202020204" pitchFamily="34" charset="0"/>
-                </a:rPr>
-                <a:t>Left</a:t>
-              </a:r>
-            </a:p>
-          </p:txBody>
-        </p:sp>
-        <p:sp>
-          <p:nvSpPr>
-            <p:cNvPr id="23" name="TextBox 22">
-              <a:extLst>
-                <a:ext uri="{FF2B5EF4-FFF2-40B4-BE49-F238E27FC236}">
-                  <a16:creationId xmlns:a16="http://schemas.microsoft.com/office/drawing/2014/main" id="{B51C9DC5-F89E-0FC9-7E6B-863DA0C1F720}"/>
-                </a:ext>
-              </a:extLst>
-            </p:cNvPr>
-            <p:cNvSpPr txBox="1"/>
-            <p:nvPr/>
-          </p:nvSpPr>
-          <p:spPr>
-            <a:xfrm>
-              <a:off x="9126606" y="2683894"/>
-              <a:ext cx="482824" cy="307777"/>
-            </a:xfrm>
-            <a:prstGeom prst="rect">
-              <a:avLst/>
-            </a:prstGeom>
-            <a:solidFill>
-              <a:schemeClr val="bg1">
-                <a:alpha val="65000"/>
-              </a:schemeClr>
-            </a:solidFill>
-          </p:spPr>
-          <p:txBody>
-            <a:bodyPr wrap="none" rtlCol="0">
-              <a:spAutoFit/>
-            </a:bodyPr>
-            <a:lstStyle/>
-            <a:p>
-              <a:r>
-                <a:rPr lang="en-US" sz="1400" dirty="0">
-                  <a:latin typeface="Arial" panose="020B0604020202020204" pitchFamily="34" charset="0"/>
-                  <a:cs typeface="Arial" panose="020B0604020202020204" pitchFamily="34" charset="0"/>
-                </a:rPr>
-                <a:t>Left</a:t>
-              </a:r>
-            </a:p>
-          </p:txBody>
-        </p:sp>
-        <p:sp>
-          <p:nvSpPr>
-            <p:cNvPr id="30" name="TextBox 29">
-              <a:extLst>
-                <a:ext uri="{FF2B5EF4-FFF2-40B4-BE49-F238E27FC236}">
-                  <a16:creationId xmlns:a16="http://schemas.microsoft.com/office/drawing/2014/main" id="{609293E5-FAEF-B4AC-3345-328CCDC32FFE}"/>
-                </a:ext>
-              </a:extLst>
-            </p:cNvPr>
-            <p:cNvSpPr txBox="1"/>
-            <p:nvPr/>
-          </p:nvSpPr>
-          <p:spPr>
-            <a:xfrm>
-              <a:off x="11283242" y="284729"/>
-              <a:ext cx="603050" cy="307777"/>
-            </a:xfrm>
-            <a:prstGeom prst="rect">
-              <a:avLst/>
-            </a:prstGeom>
-            <a:solidFill>
-              <a:schemeClr val="bg1">
-                <a:alpha val="65000"/>
-              </a:schemeClr>
-            </a:solidFill>
-          </p:spPr>
-          <p:txBody>
-            <a:bodyPr wrap="none" rtlCol="0">
-              <a:spAutoFit/>
-            </a:bodyPr>
-            <a:lstStyle/>
-            <a:p>
-              <a:r>
-                <a:rPr lang="en-US" sz="1400" dirty="0">
-                  <a:latin typeface="Arial" panose="020B0604020202020204" pitchFamily="34" charset="0"/>
-                  <a:cs typeface="Arial" panose="020B0604020202020204" pitchFamily="34" charset="0"/>
-                </a:rPr>
-                <a:t>Right</a:t>
-              </a:r>
-            </a:p>
-          </p:txBody>
-        </p:sp>
-        <p:sp>
-          <p:nvSpPr>
-            <p:cNvPr id="32" name="TextBox 31">
-              <a:extLst>
-                <a:ext uri="{FF2B5EF4-FFF2-40B4-BE49-F238E27FC236}">
-                  <a16:creationId xmlns:a16="http://schemas.microsoft.com/office/drawing/2014/main" id="{9472E4EF-A136-9742-80DD-A64970F72AEF}"/>
-                </a:ext>
-              </a:extLst>
-            </p:cNvPr>
-            <p:cNvSpPr txBox="1"/>
-            <p:nvPr/>
-          </p:nvSpPr>
-          <p:spPr>
-            <a:xfrm>
-              <a:off x="11283243" y="2683892"/>
-              <a:ext cx="603050" cy="307777"/>
-            </a:xfrm>
-            <a:prstGeom prst="rect">
-              <a:avLst/>
-            </a:prstGeom>
-            <a:solidFill>
-              <a:schemeClr val="bg1">
-                <a:alpha val="65000"/>
-              </a:schemeClr>
-            </a:solidFill>
-          </p:spPr>
-          <p:txBody>
-            <a:bodyPr wrap="none" rtlCol="0">
-              <a:spAutoFit/>
-            </a:bodyPr>
-            <a:lstStyle/>
-            <a:p>
-              <a:r>
-                <a:rPr lang="en-US" sz="1400" dirty="0">
-                  <a:latin typeface="Arial" panose="020B0604020202020204" pitchFamily="34" charset="0"/>
-                  <a:cs typeface="Arial" panose="020B0604020202020204" pitchFamily="34" charset="0"/>
-                </a:rPr>
-                <a:t>Right</a:t>
-              </a:r>
-            </a:p>
-          </p:txBody>
-        </p:sp>
-        <p:sp>
-          <p:nvSpPr>
-            <p:cNvPr id="36" name="TextBox 35">
-              <a:extLst>
-                <a:ext uri="{FF2B5EF4-FFF2-40B4-BE49-F238E27FC236}">
-                  <a16:creationId xmlns:a16="http://schemas.microsoft.com/office/drawing/2014/main" id="{D6CEB36B-1F87-DD10-A42A-BEC8CD516816}"/>
-                </a:ext>
-              </a:extLst>
-            </p:cNvPr>
-            <p:cNvSpPr txBox="1"/>
-            <p:nvPr/>
-          </p:nvSpPr>
-          <p:spPr>
-            <a:xfrm>
-              <a:off x="8851472" y="8495"/>
-              <a:ext cx="4765674" cy="338554"/>
-            </a:xfrm>
-            <a:prstGeom prst="rect">
-              <a:avLst/>
-            </a:prstGeom>
-            <a:solidFill>
-              <a:schemeClr val="bg1"/>
-            </a:solidFill>
-          </p:spPr>
-          <p:txBody>
-            <a:bodyPr wrap="square" rtlCol="0">
-              <a:spAutoFit/>
-            </a:bodyPr>
-            <a:lstStyle/>
-            <a:p>
-              <a:r>
-                <a:rPr lang="en-US" sz="1600" dirty="0">
-                  <a:latin typeface="Arial" panose="020B0604020202020204" pitchFamily="34" charset="0"/>
-                  <a:cs typeface="Arial" panose="020B0604020202020204" pitchFamily="34" charset="0"/>
-                </a:rPr>
-                <a:t>Step 2: Level L4 and rotate to put L2/3 on top</a:t>
-              </a:r>
-            </a:p>
-          </p:txBody>
-        </p:sp>
-        <p:sp>
-          <p:nvSpPr>
-            <p:cNvPr id="38" name="TextBox 37">
-              <a:extLst>
-                <a:ext uri="{FF2B5EF4-FFF2-40B4-BE49-F238E27FC236}">
-                  <a16:creationId xmlns:a16="http://schemas.microsoft.com/office/drawing/2014/main" id="{9A6EB0F7-039E-DF0B-BDCE-5B7C2881181F}"/>
-                </a:ext>
-              </a:extLst>
-            </p:cNvPr>
-            <p:cNvSpPr txBox="1"/>
-            <p:nvPr/>
-          </p:nvSpPr>
-          <p:spPr>
-            <a:xfrm>
-              <a:off x="8846966" y="2327251"/>
-              <a:ext cx="4770180" cy="338554"/>
-            </a:xfrm>
-            <a:prstGeom prst="rect">
-              <a:avLst/>
-            </a:prstGeom>
-            <a:solidFill>
-              <a:schemeClr val="bg1"/>
-            </a:solidFill>
-          </p:spPr>
-          <p:txBody>
-            <a:bodyPr wrap="square" rtlCol="0">
-              <a:spAutoFit/>
-            </a:bodyPr>
-            <a:lstStyle/>
-            <a:p>
-              <a:r>
-                <a:rPr lang="en-US" sz="1600" dirty="0">
-                  <a:latin typeface="Arial" panose="020B0604020202020204" pitchFamily="34" charset="0"/>
-                  <a:cs typeface="Arial" panose="020B0604020202020204" pitchFamily="34" charset="0"/>
-                </a:rPr>
-                <a:t>Step 4: Bin coordinates and rescale to edges</a:t>
-              </a:r>
-            </a:p>
-          </p:txBody>
-        </p:sp>
-        <p:sp>
-          <p:nvSpPr>
-            <p:cNvPr id="61" name="TextBox 60">
-              <a:extLst>
-                <a:ext uri="{FF2B5EF4-FFF2-40B4-BE49-F238E27FC236}">
-                  <a16:creationId xmlns:a16="http://schemas.microsoft.com/office/drawing/2014/main" id="{A64F5549-0FC3-C0C8-82DA-2E112CEFFB46}"/>
-                </a:ext>
-              </a:extLst>
-            </p:cNvPr>
-            <p:cNvSpPr txBox="1"/>
-            <p:nvPr/>
-          </p:nvSpPr>
-          <p:spPr>
-            <a:xfrm>
-              <a:off x="10772443" y="2193624"/>
-              <a:ext cx="1215838" cy="134608"/>
-            </a:xfrm>
-            <a:prstGeom prst="rect">
-              <a:avLst/>
-            </a:prstGeom>
-            <a:solidFill>
-              <a:schemeClr val="bg1"/>
-            </a:solidFill>
-          </p:spPr>
-          <p:txBody>
-            <a:bodyPr wrap="square" rtlCol="0">
-              <a:spAutoFit/>
-            </a:bodyPr>
-            <a:lstStyle/>
-            <a:p>
-              <a:endParaRPr lang="en-US" sz="1200" b="1" dirty="0"/>
-            </a:p>
-          </p:txBody>
-        </p:sp>
-        <p:sp>
-          <p:nvSpPr>
-            <p:cNvPr id="63" name="TextBox 62">
-              <a:extLst>
-                <a:ext uri="{FF2B5EF4-FFF2-40B4-BE49-F238E27FC236}">
-                  <a16:creationId xmlns:a16="http://schemas.microsoft.com/office/drawing/2014/main" id="{942A2658-E403-25D7-3AC3-3E31397ED7F3}"/>
-                </a:ext>
-              </a:extLst>
-            </p:cNvPr>
-            <p:cNvSpPr txBox="1"/>
-            <p:nvPr/>
-          </p:nvSpPr>
-          <p:spPr>
-            <a:xfrm>
-              <a:off x="10561286" y="4437392"/>
-              <a:ext cx="1215838" cy="134608"/>
-            </a:xfrm>
-            <a:prstGeom prst="rect">
-              <a:avLst/>
-            </a:prstGeom>
-            <a:solidFill>
-              <a:schemeClr val="bg1"/>
-            </a:solidFill>
-          </p:spPr>
-          <p:txBody>
-            <a:bodyPr wrap="square" rtlCol="0">
-              <a:spAutoFit/>
-            </a:bodyPr>
-            <a:lstStyle/>
-            <a:p>
-              <a:endParaRPr lang="en-US" sz="1200" b="1" dirty="0"/>
-            </a:p>
-          </p:txBody>
-        </p:sp>
-        <p:sp>
-          <p:nvSpPr>
-            <p:cNvPr id="69" name="TextBox 68">
-              <a:extLst>
-                <a:ext uri="{FF2B5EF4-FFF2-40B4-BE49-F238E27FC236}">
-                  <a16:creationId xmlns:a16="http://schemas.microsoft.com/office/drawing/2014/main" id="{5F0D54BB-7B2F-BE9F-E94A-AB4B7CA0E82E}"/>
-                </a:ext>
-              </a:extLst>
-            </p:cNvPr>
-            <p:cNvSpPr txBox="1"/>
-            <p:nvPr/>
-          </p:nvSpPr>
-          <p:spPr>
-            <a:xfrm rot="5400000">
-              <a:off x="7267447" y="2399610"/>
-              <a:ext cx="3071391" cy="125906"/>
-            </a:xfrm>
-            <a:prstGeom prst="rect">
-              <a:avLst/>
-            </a:prstGeom>
-            <a:solidFill>
-              <a:schemeClr val="bg1"/>
-            </a:solidFill>
-          </p:spPr>
-          <p:txBody>
-            <a:bodyPr wrap="square" rtlCol="0">
-              <a:spAutoFit/>
-            </a:bodyPr>
-            <a:lstStyle/>
-            <a:p>
-              <a:endParaRPr lang="en-US" sz="1200" b="1" dirty="0"/>
-            </a:p>
-          </p:txBody>
-        </p:sp>
-      </p:grpSp>
+            <a:off x="3872494" y="583709"/>
+            <a:ext cx="5008400" cy="2168992"/>
+          </a:xfrm>
+          <a:prstGeom prst="rect">
+            <a:avLst/>
+          </a:prstGeom>
+        </p:spPr>
+      </p:pic>
+      <p:sp>
+        <p:nvSpPr>
+          <p:cNvPr id="13" name="Rectangle 12">
+            <a:extLst>
+              <a:ext uri="{FF2B5EF4-FFF2-40B4-BE49-F238E27FC236}">
+                <a16:creationId xmlns:a16="http://schemas.microsoft.com/office/drawing/2014/main" id="{7B91DD4F-8E1E-E9FB-FE2A-E9A0304EE8A1}"/>
+              </a:ext>
+            </a:extLst>
+          </p:cNvPr>
+          <p:cNvSpPr/>
+          <p:nvPr/>
+        </p:nvSpPr>
+        <p:spPr>
+          <a:xfrm>
+            <a:off x="8542902" y="1057968"/>
+            <a:ext cx="337993" cy="3458220"/>
+          </a:xfrm>
+          <a:prstGeom prst="rect">
+            <a:avLst/>
+          </a:prstGeom>
+          <a:solidFill>
+            <a:schemeClr val="bg1"/>
+          </a:solidFill>
+          <a:ln>
+            <a:noFill/>
+          </a:ln>
+        </p:spPr>
+        <p:style>
+          <a:lnRef idx="2">
+            <a:schemeClr val="accent1">
+              <a:shade val="15000"/>
+            </a:schemeClr>
+          </a:lnRef>
+          <a:fillRef idx="1">
+            <a:schemeClr val="accent1"/>
+          </a:fillRef>
+          <a:effectRef idx="0">
+            <a:schemeClr val="accent1"/>
+          </a:effectRef>
+          <a:fontRef idx="minor">
+            <a:schemeClr val="lt1"/>
+          </a:fontRef>
+        </p:style>
+        <p:txBody>
+          <a:bodyPr rtlCol="0" anchor="ctr"/>
+          <a:lstStyle/>
+          <a:p>
+            <a:pPr algn="ctr"/>
+            <a:endParaRPr lang="en-US"/>
+          </a:p>
+        </p:txBody>
+      </p:sp>
+      <p:sp>
+        <p:nvSpPr>
+          <p:cNvPr id="18" name="Rectangle 17">
+            <a:extLst>
+              <a:ext uri="{FF2B5EF4-FFF2-40B4-BE49-F238E27FC236}">
+                <a16:creationId xmlns:a16="http://schemas.microsoft.com/office/drawing/2014/main" id="{D10A3D1F-6FAF-0137-94F8-3B0AF6F172D8}"/>
+              </a:ext>
+            </a:extLst>
+          </p:cNvPr>
+          <p:cNvSpPr/>
+          <p:nvPr/>
+        </p:nvSpPr>
+        <p:spPr>
+          <a:xfrm rot="16200000">
+            <a:off x="6311676" y="-1384889"/>
+            <a:ext cx="130035" cy="4302169"/>
+          </a:xfrm>
+          <a:prstGeom prst="rect">
+            <a:avLst/>
+          </a:prstGeom>
+          <a:solidFill>
+            <a:schemeClr val="bg1"/>
+          </a:solidFill>
+          <a:ln>
+            <a:noFill/>
+          </a:ln>
+        </p:spPr>
+        <p:style>
+          <a:lnRef idx="2">
+            <a:schemeClr val="accent1">
+              <a:shade val="15000"/>
+            </a:schemeClr>
+          </a:lnRef>
+          <a:fillRef idx="1">
+            <a:schemeClr val="accent1"/>
+          </a:fillRef>
+          <a:effectRef idx="0">
+            <a:schemeClr val="accent1"/>
+          </a:effectRef>
+          <a:fontRef idx="minor">
+            <a:schemeClr val="lt1"/>
+          </a:fontRef>
+        </p:style>
+        <p:txBody>
+          <a:bodyPr rtlCol="0" anchor="ctr"/>
+          <a:lstStyle/>
+          <a:p>
+            <a:pPr algn="ctr"/>
+            <a:endParaRPr lang="en-US"/>
+          </a:p>
+        </p:txBody>
+      </p:sp>
+      <p:sp>
+        <p:nvSpPr>
+          <p:cNvPr id="19" name="Rectangle 18">
+            <a:extLst>
+              <a:ext uri="{FF2B5EF4-FFF2-40B4-BE49-F238E27FC236}">
+                <a16:creationId xmlns:a16="http://schemas.microsoft.com/office/drawing/2014/main" id="{4315B280-3EAC-DD2E-7B99-DE549B779C6A}"/>
+              </a:ext>
+            </a:extLst>
+          </p:cNvPr>
+          <p:cNvSpPr/>
+          <p:nvPr/>
+        </p:nvSpPr>
+        <p:spPr>
+          <a:xfrm rot="16200000">
+            <a:off x="6479701" y="850564"/>
+            <a:ext cx="130035" cy="4302169"/>
+          </a:xfrm>
+          <a:prstGeom prst="rect">
+            <a:avLst/>
+          </a:prstGeom>
+          <a:solidFill>
+            <a:schemeClr val="bg1"/>
+          </a:solidFill>
+          <a:ln>
+            <a:noFill/>
+          </a:ln>
+        </p:spPr>
+        <p:style>
+          <a:lnRef idx="2">
+            <a:schemeClr val="accent1">
+              <a:shade val="15000"/>
+            </a:schemeClr>
+          </a:lnRef>
+          <a:fillRef idx="1">
+            <a:schemeClr val="accent1"/>
+          </a:fillRef>
+          <a:effectRef idx="0">
+            <a:schemeClr val="accent1"/>
+          </a:effectRef>
+          <a:fontRef idx="minor">
+            <a:schemeClr val="lt1"/>
+          </a:fontRef>
+        </p:style>
+        <p:txBody>
+          <a:bodyPr rtlCol="0" anchor="ctr"/>
+          <a:lstStyle/>
+          <a:p>
+            <a:pPr algn="ctr"/>
+            <a:endParaRPr lang="en-US"/>
+          </a:p>
+        </p:txBody>
+      </p:sp>
+      <p:sp>
+        <p:nvSpPr>
+          <p:cNvPr id="20" name="TextBox 19">
+            <a:extLst>
+              <a:ext uri="{FF2B5EF4-FFF2-40B4-BE49-F238E27FC236}">
+                <a16:creationId xmlns:a16="http://schemas.microsoft.com/office/drawing/2014/main" id="{B847D3E9-F6AC-40DB-2581-58FA1DC09D0D}"/>
+              </a:ext>
+            </a:extLst>
+          </p:cNvPr>
+          <p:cNvSpPr txBox="1"/>
+          <p:nvPr/>
+        </p:nvSpPr>
+        <p:spPr>
+          <a:xfrm>
+            <a:off x="4165493" y="744557"/>
+            <a:ext cx="482824" cy="307777"/>
+          </a:xfrm>
+          <a:prstGeom prst="rect">
+            <a:avLst/>
+          </a:prstGeom>
+          <a:noFill/>
+        </p:spPr>
+        <p:txBody>
+          <a:bodyPr wrap="none" rtlCol="0">
+            <a:spAutoFit/>
+          </a:bodyPr>
+          <a:lstStyle/>
+          <a:p>
+            <a:r>
+              <a:rPr lang="en-US" sz="1400" dirty="0">
+                <a:latin typeface="Arial" panose="020B0604020202020204" pitchFamily="34" charset="0"/>
+                <a:cs typeface="Arial" panose="020B0604020202020204" pitchFamily="34" charset="0"/>
+              </a:rPr>
+              <a:t>Left</a:t>
+            </a:r>
+          </a:p>
+        </p:txBody>
+      </p:sp>
+      <p:sp>
+        <p:nvSpPr>
+          <p:cNvPr id="21" name="TextBox 20">
+            <a:extLst>
+              <a:ext uri="{FF2B5EF4-FFF2-40B4-BE49-F238E27FC236}">
+                <a16:creationId xmlns:a16="http://schemas.microsoft.com/office/drawing/2014/main" id="{9FB21508-310C-084C-90DB-4536FA70C578}"/>
+              </a:ext>
+            </a:extLst>
+          </p:cNvPr>
+          <p:cNvSpPr txBox="1"/>
+          <p:nvPr/>
+        </p:nvSpPr>
+        <p:spPr>
+          <a:xfrm>
+            <a:off x="4165493" y="3143721"/>
+            <a:ext cx="482824" cy="307777"/>
+          </a:xfrm>
+          <a:prstGeom prst="rect">
+            <a:avLst/>
+          </a:prstGeom>
+          <a:solidFill>
+            <a:schemeClr val="bg1">
+              <a:alpha val="65119"/>
+            </a:schemeClr>
+          </a:solidFill>
+        </p:spPr>
+        <p:txBody>
+          <a:bodyPr wrap="none" rtlCol="0">
+            <a:spAutoFit/>
+          </a:bodyPr>
+          <a:lstStyle/>
+          <a:p>
+            <a:r>
+              <a:rPr lang="en-US" sz="1400" dirty="0">
+                <a:latin typeface="Arial" panose="020B0604020202020204" pitchFamily="34" charset="0"/>
+                <a:cs typeface="Arial" panose="020B0604020202020204" pitchFamily="34" charset="0"/>
+              </a:rPr>
+              <a:t>Left</a:t>
+            </a:r>
+          </a:p>
+        </p:txBody>
+      </p:sp>
+      <p:sp>
+        <p:nvSpPr>
+          <p:cNvPr id="25" name="TextBox 24">
+            <a:extLst>
+              <a:ext uri="{FF2B5EF4-FFF2-40B4-BE49-F238E27FC236}">
+                <a16:creationId xmlns:a16="http://schemas.microsoft.com/office/drawing/2014/main" id="{6CACE375-140F-ABBF-99B5-E90E4D3F0097}"/>
+              </a:ext>
+            </a:extLst>
+          </p:cNvPr>
+          <p:cNvSpPr txBox="1"/>
+          <p:nvPr/>
+        </p:nvSpPr>
+        <p:spPr>
+          <a:xfrm>
+            <a:off x="6376693" y="748269"/>
+            <a:ext cx="603050" cy="307777"/>
+          </a:xfrm>
+          <a:prstGeom prst="rect">
+            <a:avLst/>
+          </a:prstGeom>
+          <a:noFill/>
+        </p:spPr>
+        <p:txBody>
+          <a:bodyPr wrap="none" rtlCol="0">
+            <a:spAutoFit/>
+          </a:bodyPr>
+          <a:lstStyle/>
+          <a:p>
+            <a:r>
+              <a:rPr lang="en-US" sz="1400" dirty="0">
+                <a:latin typeface="Arial" panose="020B0604020202020204" pitchFamily="34" charset="0"/>
+                <a:cs typeface="Arial" panose="020B0604020202020204" pitchFamily="34" charset="0"/>
+              </a:rPr>
+              <a:t>Right</a:t>
+            </a:r>
+          </a:p>
+        </p:txBody>
+      </p:sp>
+      <p:sp>
+        <p:nvSpPr>
+          <p:cNvPr id="29" name="TextBox 28">
+            <a:extLst>
+              <a:ext uri="{FF2B5EF4-FFF2-40B4-BE49-F238E27FC236}">
+                <a16:creationId xmlns:a16="http://schemas.microsoft.com/office/drawing/2014/main" id="{F83DFDAD-3292-5568-9297-AEBC3860A5DA}"/>
+              </a:ext>
+            </a:extLst>
+          </p:cNvPr>
+          <p:cNvSpPr txBox="1"/>
+          <p:nvPr/>
+        </p:nvSpPr>
+        <p:spPr>
+          <a:xfrm>
+            <a:off x="6376694" y="3143720"/>
+            <a:ext cx="603050" cy="307777"/>
+          </a:xfrm>
+          <a:prstGeom prst="rect">
+            <a:avLst/>
+          </a:prstGeom>
+          <a:solidFill>
+            <a:schemeClr val="bg1">
+              <a:alpha val="65000"/>
+            </a:schemeClr>
+          </a:solidFill>
+        </p:spPr>
+        <p:txBody>
+          <a:bodyPr wrap="none" rtlCol="0">
+            <a:spAutoFit/>
+          </a:bodyPr>
+          <a:lstStyle/>
+          <a:p>
+            <a:r>
+              <a:rPr lang="en-US" sz="1400" dirty="0">
+                <a:latin typeface="Arial" panose="020B0604020202020204" pitchFamily="34" charset="0"/>
+                <a:cs typeface="Arial" panose="020B0604020202020204" pitchFamily="34" charset="0"/>
+              </a:rPr>
+              <a:t>Right</a:t>
+            </a:r>
+          </a:p>
+        </p:txBody>
+      </p:sp>
+      <p:sp>
+        <p:nvSpPr>
+          <p:cNvPr id="35" name="TextBox 34">
+            <a:extLst>
+              <a:ext uri="{FF2B5EF4-FFF2-40B4-BE49-F238E27FC236}">
+                <a16:creationId xmlns:a16="http://schemas.microsoft.com/office/drawing/2014/main" id="{31E5522E-260A-87C4-320B-130EB388D970}"/>
+              </a:ext>
+            </a:extLst>
+          </p:cNvPr>
+          <p:cNvSpPr txBox="1"/>
+          <p:nvPr/>
+        </p:nvSpPr>
+        <p:spPr>
+          <a:xfrm>
+            <a:off x="3976376" y="468322"/>
+            <a:ext cx="3079332" cy="338554"/>
+          </a:xfrm>
+          <a:prstGeom prst="rect">
+            <a:avLst/>
+          </a:prstGeom>
+          <a:solidFill>
+            <a:schemeClr val="bg1"/>
+          </a:solidFill>
+        </p:spPr>
+        <p:txBody>
+          <a:bodyPr wrap="square" rtlCol="0">
+            <a:spAutoFit/>
+          </a:bodyPr>
+          <a:lstStyle/>
+          <a:p>
+            <a:r>
+              <a:rPr lang="en-US" sz="1600" dirty="0">
+                <a:latin typeface="Arial" panose="020B0604020202020204" pitchFamily="34" charset="0"/>
+                <a:cs typeface="Arial" panose="020B0604020202020204" pitchFamily="34" charset="0"/>
+              </a:rPr>
+              <a:t>Step 1: Translate to origin</a:t>
+            </a:r>
+          </a:p>
+        </p:txBody>
+      </p:sp>
+      <p:sp>
+        <p:nvSpPr>
+          <p:cNvPr id="37" name="TextBox 36">
+            <a:extLst>
+              <a:ext uri="{FF2B5EF4-FFF2-40B4-BE49-F238E27FC236}">
+                <a16:creationId xmlns:a16="http://schemas.microsoft.com/office/drawing/2014/main" id="{D961E832-5A9C-7FA5-B576-F946E195770F}"/>
+              </a:ext>
+            </a:extLst>
+          </p:cNvPr>
+          <p:cNvSpPr txBox="1"/>
+          <p:nvPr/>
+        </p:nvSpPr>
+        <p:spPr>
+          <a:xfrm>
+            <a:off x="3976375" y="2789667"/>
+            <a:ext cx="4043159" cy="338554"/>
+          </a:xfrm>
+          <a:prstGeom prst="rect">
+            <a:avLst/>
+          </a:prstGeom>
+          <a:solidFill>
+            <a:schemeClr val="bg1"/>
+          </a:solidFill>
+        </p:spPr>
+        <p:txBody>
+          <a:bodyPr wrap="square" rtlCol="0">
+            <a:spAutoFit/>
+          </a:bodyPr>
+          <a:lstStyle/>
+          <a:p>
+            <a:r>
+              <a:rPr lang="en-US" sz="1600" dirty="0">
+                <a:latin typeface="Arial" panose="020B0604020202020204" pitchFamily="34" charset="0"/>
+                <a:cs typeface="Arial" panose="020B0604020202020204" pitchFamily="34" charset="0"/>
+              </a:rPr>
+              <a:t>Step 3: Fit quadratic to L4 and flatten</a:t>
+            </a:r>
+          </a:p>
+        </p:txBody>
+      </p:sp>
+      <p:sp>
+        <p:nvSpPr>
+          <p:cNvPr id="50" name="TextBox 49">
+            <a:extLst>
+              <a:ext uri="{FF2B5EF4-FFF2-40B4-BE49-F238E27FC236}">
+                <a16:creationId xmlns:a16="http://schemas.microsoft.com/office/drawing/2014/main" id="{B7B1CAC3-A690-A8BA-ABAE-E523DEA91CD3}"/>
+              </a:ext>
+            </a:extLst>
+          </p:cNvPr>
+          <p:cNvSpPr txBox="1"/>
+          <p:nvPr/>
+        </p:nvSpPr>
+        <p:spPr>
+          <a:xfrm>
+            <a:off x="5690783" y="2656620"/>
+            <a:ext cx="1215838" cy="276999"/>
+          </a:xfrm>
+          <a:prstGeom prst="rect">
+            <a:avLst/>
+          </a:prstGeom>
+          <a:solidFill>
+            <a:schemeClr val="bg1"/>
+          </a:solidFill>
+        </p:spPr>
+        <p:txBody>
+          <a:bodyPr wrap="square" rtlCol="0">
+            <a:spAutoFit/>
+          </a:bodyPr>
+          <a:lstStyle/>
+          <a:p>
+            <a:endParaRPr lang="en-US" sz="1200" b="1" dirty="0"/>
+          </a:p>
+        </p:txBody>
+      </p:sp>
+      <p:sp>
+        <p:nvSpPr>
+          <p:cNvPr id="51" name="TextBox 50">
+            <a:extLst>
+              <a:ext uri="{FF2B5EF4-FFF2-40B4-BE49-F238E27FC236}">
+                <a16:creationId xmlns:a16="http://schemas.microsoft.com/office/drawing/2014/main" id="{9A0BE34F-57FC-A882-BE9C-DE71B97773AC}"/>
+              </a:ext>
+            </a:extLst>
+          </p:cNvPr>
+          <p:cNvSpPr txBox="1"/>
+          <p:nvPr/>
+        </p:nvSpPr>
+        <p:spPr>
+          <a:xfrm>
+            <a:off x="5552887" y="4930936"/>
+            <a:ext cx="1215838" cy="91440"/>
+          </a:xfrm>
+          <a:prstGeom prst="rect">
+            <a:avLst/>
+          </a:prstGeom>
+          <a:solidFill>
+            <a:schemeClr val="bg1"/>
+          </a:solidFill>
+        </p:spPr>
+        <p:txBody>
+          <a:bodyPr wrap="square" rtlCol="0">
+            <a:spAutoFit/>
+          </a:bodyPr>
+          <a:lstStyle/>
+          <a:p>
+            <a:endParaRPr lang="en-US" sz="1200" b="1" dirty="0"/>
+          </a:p>
+        </p:txBody>
+      </p:sp>
+      <p:sp>
+        <p:nvSpPr>
+          <p:cNvPr id="68" name="TextBox 67">
+            <a:extLst>
+              <a:ext uri="{FF2B5EF4-FFF2-40B4-BE49-F238E27FC236}">
+                <a16:creationId xmlns:a16="http://schemas.microsoft.com/office/drawing/2014/main" id="{549FB2DF-D27D-0D92-AE12-899E4D85F4C0}"/>
+              </a:ext>
+            </a:extLst>
+          </p:cNvPr>
+          <p:cNvSpPr txBox="1"/>
+          <p:nvPr/>
+        </p:nvSpPr>
+        <p:spPr>
+          <a:xfrm rot="5400000">
+            <a:off x="2367737" y="2703208"/>
+            <a:ext cx="3071391" cy="276999"/>
+          </a:xfrm>
+          <a:prstGeom prst="rect">
+            <a:avLst/>
+          </a:prstGeom>
+          <a:solidFill>
+            <a:schemeClr val="bg1"/>
+          </a:solidFill>
+        </p:spPr>
+        <p:txBody>
+          <a:bodyPr wrap="square" rtlCol="0">
+            <a:spAutoFit/>
+          </a:bodyPr>
+          <a:lstStyle/>
+          <a:p>
+            <a:endParaRPr lang="en-US" sz="1200" b="1" dirty="0"/>
+          </a:p>
+        </p:txBody>
+      </p:sp>
+      <p:pic>
+        <p:nvPicPr>
+          <p:cNvPr id="3" name="Picture 2" descr="A group of colored squares&#10;&#10;AI-generated content may be incorrect.">
+            <a:extLst>
+              <a:ext uri="{FF2B5EF4-FFF2-40B4-BE49-F238E27FC236}">
+                <a16:creationId xmlns:a16="http://schemas.microsoft.com/office/drawing/2014/main" id="{9544E333-E1FA-8662-37B6-E2500278F6AE}"/>
+              </a:ext>
+            </a:extLst>
+          </p:cNvPr>
+          <p:cNvPicPr>
+            <a:picLocks noChangeAspect="1"/>
+          </p:cNvPicPr>
+          <p:nvPr/>
+        </p:nvPicPr>
+        <p:blipFill>
+          <a:blip r:embed="rId5"/>
+          <a:stretch>
+            <a:fillRect/>
+          </a:stretch>
+        </p:blipFill>
+        <p:spPr>
+          <a:xfrm>
+            <a:off x="8779045" y="2844373"/>
+            <a:ext cx="5008400" cy="2168992"/>
+          </a:xfrm>
+          <a:prstGeom prst="rect">
+            <a:avLst/>
+          </a:prstGeom>
+        </p:spPr>
+      </p:pic>
+      <p:pic>
+        <p:nvPicPr>
+          <p:cNvPr id="7" name="Picture 6" descr="A graph of colored lines&#10;&#10;AI-generated content may be incorrect.">
+            <a:extLst>
+              <a:ext uri="{FF2B5EF4-FFF2-40B4-BE49-F238E27FC236}">
+                <a16:creationId xmlns:a16="http://schemas.microsoft.com/office/drawing/2014/main" id="{76E4B8B8-4670-CE42-1DCF-D61EA9453DED}"/>
+              </a:ext>
+            </a:extLst>
+          </p:cNvPr>
+          <p:cNvPicPr>
+            <a:picLocks noChangeAspect="1"/>
+          </p:cNvPicPr>
+          <p:nvPr/>
+        </p:nvPicPr>
+        <p:blipFill>
+          <a:blip r:embed="rId6"/>
+          <a:stretch>
+            <a:fillRect/>
+          </a:stretch>
+        </p:blipFill>
+        <p:spPr>
+          <a:xfrm>
+            <a:off x="8779043" y="583709"/>
+            <a:ext cx="5008400" cy="2168992"/>
+          </a:xfrm>
+          <a:prstGeom prst="rect">
+            <a:avLst/>
+          </a:prstGeom>
+        </p:spPr>
+      </p:pic>
+      <p:sp>
+        <p:nvSpPr>
+          <p:cNvPr id="14" name="Rectangle 13">
+            <a:extLst>
+              <a:ext uri="{FF2B5EF4-FFF2-40B4-BE49-F238E27FC236}">
+                <a16:creationId xmlns:a16="http://schemas.microsoft.com/office/drawing/2014/main" id="{7CABAB10-265F-7B21-7E4A-78722ABB6501}"/>
+              </a:ext>
+            </a:extLst>
+          </p:cNvPr>
+          <p:cNvSpPr/>
+          <p:nvPr/>
+        </p:nvSpPr>
+        <p:spPr>
+          <a:xfrm>
+            <a:off x="13449451" y="1057968"/>
+            <a:ext cx="337993" cy="3458220"/>
+          </a:xfrm>
+          <a:prstGeom prst="rect">
+            <a:avLst/>
+          </a:prstGeom>
+          <a:solidFill>
+            <a:schemeClr val="bg1"/>
+          </a:solidFill>
+          <a:ln>
+            <a:noFill/>
+          </a:ln>
+        </p:spPr>
+        <p:style>
+          <a:lnRef idx="2">
+            <a:schemeClr val="accent1">
+              <a:shade val="15000"/>
+            </a:schemeClr>
+          </a:lnRef>
+          <a:fillRef idx="1">
+            <a:schemeClr val="accent1"/>
+          </a:fillRef>
+          <a:effectRef idx="0">
+            <a:schemeClr val="accent1"/>
+          </a:effectRef>
+          <a:fontRef idx="minor">
+            <a:schemeClr val="lt1"/>
+          </a:fontRef>
+        </p:style>
+        <p:txBody>
+          <a:bodyPr rtlCol="0" anchor="ctr"/>
+          <a:lstStyle/>
+          <a:p>
+            <a:pPr algn="ctr"/>
+            <a:endParaRPr lang="en-US"/>
+          </a:p>
+        </p:txBody>
+      </p:sp>
+      <p:sp>
+        <p:nvSpPr>
+          <p:cNvPr id="15" name="Rectangle 14">
+            <a:extLst>
+              <a:ext uri="{FF2B5EF4-FFF2-40B4-BE49-F238E27FC236}">
+                <a16:creationId xmlns:a16="http://schemas.microsoft.com/office/drawing/2014/main" id="{09BF9B13-3340-B1E4-256E-9A39D868530C}"/>
+              </a:ext>
+            </a:extLst>
+          </p:cNvPr>
+          <p:cNvSpPr/>
+          <p:nvPr/>
+        </p:nvSpPr>
+        <p:spPr>
+          <a:xfrm rot="16200000">
+            <a:off x="11053013" y="-1384889"/>
+            <a:ext cx="130035" cy="4302169"/>
+          </a:xfrm>
+          <a:prstGeom prst="rect">
+            <a:avLst/>
+          </a:prstGeom>
+          <a:solidFill>
+            <a:schemeClr val="bg1"/>
+          </a:solidFill>
+          <a:ln>
+            <a:noFill/>
+          </a:ln>
+        </p:spPr>
+        <p:style>
+          <a:lnRef idx="2">
+            <a:schemeClr val="accent1">
+              <a:shade val="15000"/>
+            </a:schemeClr>
+          </a:lnRef>
+          <a:fillRef idx="1">
+            <a:schemeClr val="accent1"/>
+          </a:fillRef>
+          <a:effectRef idx="0">
+            <a:schemeClr val="accent1"/>
+          </a:effectRef>
+          <a:fontRef idx="minor">
+            <a:schemeClr val="lt1"/>
+          </a:fontRef>
+        </p:style>
+        <p:txBody>
+          <a:bodyPr rtlCol="0" anchor="ctr"/>
+          <a:lstStyle/>
+          <a:p>
+            <a:pPr algn="ctr"/>
+            <a:endParaRPr lang="en-US"/>
+          </a:p>
+        </p:txBody>
+      </p:sp>
+      <p:sp>
+        <p:nvSpPr>
+          <p:cNvPr id="17" name="Rectangle 16">
+            <a:extLst>
+              <a:ext uri="{FF2B5EF4-FFF2-40B4-BE49-F238E27FC236}">
+                <a16:creationId xmlns:a16="http://schemas.microsoft.com/office/drawing/2014/main" id="{BCB5E42C-BDAF-4472-57FD-CEC87C4ED0C1}"/>
+              </a:ext>
+            </a:extLst>
+          </p:cNvPr>
+          <p:cNvSpPr/>
+          <p:nvPr/>
+        </p:nvSpPr>
+        <p:spPr>
+          <a:xfrm rot="16200000">
+            <a:off x="10939934" y="850564"/>
+            <a:ext cx="130035" cy="4302169"/>
+          </a:xfrm>
+          <a:prstGeom prst="rect">
+            <a:avLst/>
+          </a:prstGeom>
+          <a:solidFill>
+            <a:schemeClr val="bg1"/>
+          </a:solidFill>
+          <a:ln>
+            <a:noFill/>
+          </a:ln>
+        </p:spPr>
+        <p:style>
+          <a:lnRef idx="2">
+            <a:schemeClr val="accent1">
+              <a:shade val="15000"/>
+            </a:schemeClr>
+          </a:lnRef>
+          <a:fillRef idx="1">
+            <a:schemeClr val="accent1"/>
+          </a:fillRef>
+          <a:effectRef idx="0">
+            <a:schemeClr val="accent1"/>
+          </a:effectRef>
+          <a:fontRef idx="minor">
+            <a:schemeClr val="lt1"/>
+          </a:fontRef>
+        </p:style>
+        <p:txBody>
+          <a:bodyPr rtlCol="0" anchor="ctr"/>
+          <a:lstStyle/>
+          <a:p>
+            <a:pPr algn="ctr"/>
+            <a:endParaRPr lang="en-US"/>
+          </a:p>
+        </p:txBody>
+      </p:sp>
+      <p:sp>
+        <p:nvSpPr>
+          <p:cNvPr id="22" name="TextBox 21">
+            <a:extLst>
+              <a:ext uri="{FF2B5EF4-FFF2-40B4-BE49-F238E27FC236}">
+                <a16:creationId xmlns:a16="http://schemas.microsoft.com/office/drawing/2014/main" id="{0D3340DE-406D-11E2-8775-79C3AE14B727}"/>
+              </a:ext>
+            </a:extLst>
+          </p:cNvPr>
+          <p:cNvSpPr txBox="1"/>
+          <p:nvPr/>
+        </p:nvSpPr>
+        <p:spPr>
+          <a:xfrm>
+            <a:off x="9126607" y="744556"/>
+            <a:ext cx="482824" cy="307777"/>
+          </a:xfrm>
+          <a:prstGeom prst="rect">
+            <a:avLst/>
+          </a:prstGeom>
+          <a:solidFill>
+            <a:schemeClr val="bg1">
+              <a:alpha val="65000"/>
+            </a:schemeClr>
+          </a:solidFill>
+        </p:spPr>
+        <p:txBody>
+          <a:bodyPr wrap="none" rtlCol="0">
+            <a:spAutoFit/>
+          </a:bodyPr>
+          <a:lstStyle/>
+          <a:p>
+            <a:r>
+              <a:rPr lang="en-US" sz="1400" dirty="0">
+                <a:latin typeface="Arial" panose="020B0604020202020204" pitchFamily="34" charset="0"/>
+                <a:cs typeface="Arial" panose="020B0604020202020204" pitchFamily="34" charset="0"/>
+              </a:rPr>
+              <a:t>Left</a:t>
+            </a:r>
+          </a:p>
+        </p:txBody>
+      </p:sp>
+      <p:sp>
+        <p:nvSpPr>
+          <p:cNvPr id="23" name="TextBox 22">
+            <a:extLst>
+              <a:ext uri="{FF2B5EF4-FFF2-40B4-BE49-F238E27FC236}">
+                <a16:creationId xmlns:a16="http://schemas.microsoft.com/office/drawing/2014/main" id="{B51C9DC5-F89E-0FC9-7E6B-863DA0C1F720}"/>
+              </a:ext>
+            </a:extLst>
+          </p:cNvPr>
+          <p:cNvSpPr txBox="1"/>
+          <p:nvPr/>
+        </p:nvSpPr>
+        <p:spPr>
+          <a:xfrm>
+            <a:off x="9126607" y="3143721"/>
+            <a:ext cx="482824" cy="307777"/>
+          </a:xfrm>
+          <a:prstGeom prst="rect">
+            <a:avLst/>
+          </a:prstGeom>
+          <a:solidFill>
+            <a:schemeClr val="bg1">
+              <a:alpha val="65000"/>
+            </a:schemeClr>
+          </a:solidFill>
+        </p:spPr>
+        <p:txBody>
+          <a:bodyPr wrap="none" rtlCol="0">
+            <a:spAutoFit/>
+          </a:bodyPr>
+          <a:lstStyle/>
+          <a:p>
+            <a:r>
+              <a:rPr lang="en-US" sz="1400" dirty="0">
+                <a:latin typeface="Arial" panose="020B0604020202020204" pitchFamily="34" charset="0"/>
+                <a:cs typeface="Arial" panose="020B0604020202020204" pitchFamily="34" charset="0"/>
+              </a:rPr>
+              <a:t>Left</a:t>
+            </a:r>
+          </a:p>
+        </p:txBody>
+      </p:sp>
+      <p:sp>
+        <p:nvSpPr>
+          <p:cNvPr id="30" name="TextBox 29">
+            <a:extLst>
+              <a:ext uri="{FF2B5EF4-FFF2-40B4-BE49-F238E27FC236}">
+                <a16:creationId xmlns:a16="http://schemas.microsoft.com/office/drawing/2014/main" id="{609293E5-FAEF-B4AC-3345-328CCDC32FFE}"/>
+              </a:ext>
+            </a:extLst>
+          </p:cNvPr>
+          <p:cNvSpPr txBox="1"/>
+          <p:nvPr/>
+        </p:nvSpPr>
+        <p:spPr>
+          <a:xfrm>
+            <a:off x="11283243" y="744556"/>
+            <a:ext cx="603050" cy="307777"/>
+          </a:xfrm>
+          <a:prstGeom prst="rect">
+            <a:avLst/>
+          </a:prstGeom>
+          <a:solidFill>
+            <a:schemeClr val="bg1">
+              <a:alpha val="65000"/>
+            </a:schemeClr>
+          </a:solidFill>
+        </p:spPr>
+        <p:txBody>
+          <a:bodyPr wrap="none" rtlCol="0">
+            <a:spAutoFit/>
+          </a:bodyPr>
+          <a:lstStyle/>
+          <a:p>
+            <a:r>
+              <a:rPr lang="en-US" sz="1400" dirty="0">
+                <a:latin typeface="Arial" panose="020B0604020202020204" pitchFamily="34" charset="0"/>
+                <a:cs typeface="Arial" panose="020B0604020202020204" pitchFamily="34" charset="0"/>
+              </a:rPr>
+              <a:t>Right</a:t>
+            </a:r>
+          </a:p>
+        </p:txBody>
+      </p:sp>
+      <p:sp>
+        <p:nvSpPr>
+          <p:cNvPr id="32" name="TextBox 31">
+            <a:extLst>
+              <a:ext uri="{FF2B5EF4-FFF2-40B4-BE49-F238E27FC236}">
+                <a16:creationId xmlns:a16="http://schemas.microsoft.com/office/drawing/2014/main" id="{9472E4EF-A136-9742-80DD-A64970F72AEF}"/>
+              </a:ext>
+            </a:extLst>
+          </p:cNvPr>
+          <p:cNvSpPr txBox="1"/>
+          <p:nvPr/>
+        </p:nvSpPr>
+        <p:spPr>
+          <a:xfrm>
+            <a:off x="11283244" y="3143719"/>
+            <a:ext cx="603050" cy="307777"/>
+          </a:xfrm>
+          <a:prstGeom prst="rect">
+            <a:avLst/>
+          </a:prstGeom>
+          <a:solidFill>
+            <a:schemeClr val="bg1">
+              <a:alpha val="65000"/>
+            </a:schemeClr>
+          </a:solidFill>
+        </p:spPr>
+        <p:txBody>
+          <a:bodyPr wrap="none" rtlCol="0">
+            <a:spAutoFit/>
+          </a:bodyPr>
+          <a:lstStyle/>
+          <a:p>
+            <a:r>
+              <a:rPr lang="en-US" sz="1400" dirty="0">
+                <a:latin typeface="Arial" panose="020B0604020202020204" pitchFamily="34" charset="0"/>
+                <a:cs typeface="Arial" panose="020B0604020202020204" pitchFamily="34" charset="0"/>
+              </a:rPr>
+              <a:t>Right</a:t>
+            </a:r>
+          </a:p>
+        </p:txBody>
+      </p:sp>
+      <p:sp>
+        <p:nvSpPr>
+          <p:cNvPr id="36" name="TextBox 35">
+            <a:extLst>
+              <a:ext uri="{FF2B5EF4-FFF2-40B4-BE49-F238E27FC236}">
+                <a16:creationId xmlns:a16="http://schemas.microsoft.com/office/drawing/2014/main" id="{D6CEB36B-1F87-DD10-A42A-BEC8CD516816}"/>
+              </a:ext>
+            </a:extLst>
+          </p:cNvPr>
+          <p:cNvSpPr txBox="1"/>
+          <p:nvPr/>
+        </p:nvSpPr>
+        <p:spPr>
+          <a:xfrm>
+            <a:off x="8851473" y="468322"/>
+            <a:ext cx="4765674" cy="338554"/>
+          </a:xfrm>
+          <a:prstGeom prst="rect">
+            <a:avLst/>
+          </a:prstGeom>
+          <a:solidFill>
+            <a:schemeClr val="bg1"/>
+          </a:solidFill>
+        </p:spPr>
+        <p:txBody>
+          <a:bodyPr wrap="square" rtlCol="0">
+            <a:spAutoFit/>
+          </a:bodyPr>
+          <a:lstStyle/>
+          <a:p>
+            <a:r>
+              <a:rPr lang="en-US" sz="1600" dirty="0">
+                <a:latin typeface="Arial" panose="020B0604020202020204" pitchFamily="34" charset="0"/>
+                <a:cs typeface="Arial" panose="020B0604020202020204" pitchFamily="34" charset="0"/>
+              </a:rPr>
+              <a:t>Step 2: Level L4 and rotate to put L2/3 on top</a:t>
+            </a:r>
+          </a:p>
+        </p:txBody>
+      </p:sp>
+      <p:sp>
+        <p:nvSpPr>
+          <p:cNvPr id="38" name="TextBox 37">
+            <a:extLst>
+              <a:ext uri="{FF2B5EF4-FFF2-40B4-BE49-F238E27FC236}">
+                <a16:creationId xmlns:a16="http://schemas.microsoft.com/office/drawing/2014/main" id="{9A6EB0F7-039E-DF0B-BDCE-5B7C2881181F}"/>
+              </a:ext>
+            </a:extLst>
+          </p:cNvPr>
+          <p:cNvSpPr txBox="1"/>
+          <p:nvPr/>
+        </p:nvSpPr>
+        <p:spPr>
+          <a:xfrm>
+            <a:off x="8846967" y="2787078"/>
+            <a:ext cx="4770180" cy="338554"/>
+          </a:xfrm>
+          <a:prstGeom prst="rect">
+            <a:avLst/>
+          </a:prstGeom>
+          <a:solidFill>
+            <a:schemeClr val="bg1"/>
+          </a:solidFill>
+        </p:spPr>
+        <p:txBody>
+          <a:bodyPr wrap="square" rtlCol="0">
+            <a:spAutoFit/>
+          </a:bodyPr>
+          <a:lstStyle/>
+          <a:p>
+            <a:r>
+              <a:rPr lang="en-US" sz="1600" dirty="0">
+                <a:latin typeface="Arial" panose="020B0604020202020204" pitchFamily="34" charset="0"/>
+                <a:cs typeface="Arial" panose="020B0604020202020204" pitchFamily="34" charset="0"/>
+              </a:rPr>
+              <a:t>Step 4: Bin coordinates and rescale to edges</a:t>
+            </a:r>
+          </a:p>
+        </p:txBody>
+      </p:sp>
+      <p:sp>
+        <p:nvSpPr>
+          <p:cNvPr id="61" name="TextBox 60">
+            <a:extLst>
+              <a:ext uri="{FF2B5EF4-FFF2-40B4-BE49-F238E27FC236}">
+                <a16:creationId xmlns:a16="http://schemas.microsoft.com/office/drawing/2014/main" id="{A64F5549-0FC3-C0C8-82DA-2E112CEFFB46}"/>
+              </a:ext>
+            </a:extLst>
+          </p:cNvPr>
+          <p:cNvSpPr txBox="1"/>
+          <p:nvPr/>
+        </p:nvSpPr>
+        <p:spPr>
+          <a:xfrm>
+            <a:off x="10772444" y="2653451"/>
+            <a:ext cx="1215838" cy="276999"/>
+          </a:xfrm>
+          <a:prstGeom prst="rect">
+            <a:avLst/>
+          </a:prstGeom>
+          <a:solidFill>
+            <a:schemeClr val="bg1"/>
+          </a:solidFill>
+        </p:spPr>
+        <p:txBody>
+          <a:bodyPr wrap="square" rtlCol="0">
+            <a:spAutoFit/>
+          </a:bodyPr>
+          <a:lstStyle/>
+          <a:p>
+            <a:endParaRPr lang="en-US" sz="1200" b="1" dirty="0"/>
+          </a:p>
+        </p:txBody>
+      </p:sp>
+      <p:sp>
+        <p:nvSpPr>
+          <p:cNvPr id="63" name="TextBox 62">
+            <a:extLst>
+              <a:ext uri="{FF2B5EF4-FFF2-40B4-BE49-F238E27FC236}">
+                <a16:creationId xmlns:a16="http://schemas.microsoft.com/office/drawing/2014/main" id="{942A2658-E403-25D7-3AC3-3E31397ED7F3}"/>
+              </a:ext>
+            </a:extLst>
+          </p:cNvPr>
+          <p:cNvSpPr txBox="1"/>
+          <p:nvPr/>
+        </p:nvSpPr>
+        <p:spPr>
+          <a:xfrm>
+            <a:off x="10561287" y="4897219"/>
+            <a:ext cx="1215838" cy="91440"/>
+          </a:xfrm>
+          <a:prstGeom prst="rect">
+            <a:avLst/>
+          </a:prstGeom>
+          <a:solidFill>
+            <a:schemeClr val="bg1"/>
+          </a:solidFill>
+        </p:spPr>
+        <p:txBody>
+          <a:bodyPr wrap="square" rtlCol="0">
+            <a:spAutoFit/>
+          </a:bodyPr>
+          <a:lstStyle/>
+          <a:p>
+            <a:endParaRPr lang="en-US" sz="1200" b="1" dirty="0"/>
+          </a:p>
+        </p:txBody>
+      </p:sp>
+      <p:sp>
+        <p:nvSpPr>
+          <p:cNvPr id="69" name="TextBox 68">
+            <a:extLst>
+              <a:ext uri="{FF2B5EF4-FFF2-40B4-BE49-F238E27FC236}">
+                <a16:creationId xmlns:a16="http://schemas.microsoft.com/office/drawing/2014/main" id="{5F0D54BB-7B2F-BE9F-E94A-AB4B7CA0E82E}"/>
+              </a:ext>
+            </a:extLst>
+          </p:cNvPr>
+          <p:cNvSpPr txBox="1"/>
+          <p:nvPr/>
+        </p:nvSpPr>
+        <p:spPr>
+          <a:xfrm rot="5400000">
+            <a:off x="7267448" y="2783891"/>
+            <a:ext cx="3071391" cy="276999"/>
+          </a:xfrm>
+          <a:prstGeom prst="rect">
+            <a:avLst/>
+          </a:prstGeom>
+          <a:solidFill>
+            <a:schemeClr val="bg1"/>
+          </a:solidFill>
+        </p:spPr>
+        <p:txBody>
+          <a:bodyPr wrap="square" rtlCol="0">
+            <a:spAutoFit/>
+          </a:bodyPr>
+          <a:lstStyle/>
+          <a:p>
+            <a:endParaRPr lang="en-US" sz="1200" b="1" dirty="0"/>
+          </a:p>
+        </p:txBody>
+      </p:sp>
       <p:pic>
         <p:nvPicPr>
           <p:cNvPr id="12" name="Picture 11" descr="A graph of colored lines&#10;&#10;AI-generated content may be incorrect.">
@@ -5844,7 +5596,7 @@
         </p:blipFill>
         <p:spPr>
           <a:xfrm>
-            <a:off x="13419438" y="1015633"/>
+            <a:off x="13419438" y="1475461"/>
             <a:ext cx="753762" cy="2157481"/>
           </a:xfrm>
           <a:prstGeom prst="rect">
@@ -5866,7 +5618,7 @@
         </p:nvSpPr>
         <p:spPr>
           <a:xfrm>
-            <a:off x="9126606" y="3962729"/>
+            <a:off x="9126606" y="4422557"/>
             <a:ext cx="513282" cy="307777"/>
           </a:xfrm>
           <a:prstGeom prst="rect">
@@ -5908,7 +5660,7 @@
         </p:nvSpPr>
         <p:spPr>
           <a:xfrm>
-            <a:off x="11380362" y="3962729"/>
+            <a:off x="11380362" y="4422557"/>
             <a:ext cx="513282" cy="307777"/>
           </a:xfrm>
           <a:prstGeom prst="rect">
@@ -5950,7 +5702,7 @@
         </p:nvSpPr>
         <p:spPr>
           <a:xfrm>
-            <a:off x="12746625" y="3962728"/>
+            <a:off x="12746625" y="4422556"/>
             <a:ext cx="453970" cy="307777"/>
           </a:xfrm>
           <a:prstGeom prst="rect">
@@ -5992,7 +5744,7 @@
         </p:nvSpPr>
         <p:spPr>
           <a:xfrm>
-            <a:off x="10572348" y="3962728"/>
+            <a:off x="10572348" y="4422556"/>
             <a:ext cx="453970" cy="307777"/>
           </a:xfrm>
           <a:prstGeom prst="rect">
@@ -6016,6 +5768,45 @@
                 <a:cs typeface="Arial" panose="020B0604020202020204" pitchFamily="34" charset="0"/>
               </a:rPr>
               <a:t>Ant</a:t>
+            </a:r>
+          </a:p>
+        </p:txBody>
+      </p:sp>
+      <p:sp>
+        <p:nvSpPr>
+          <p:cNvPr id="4" name="TextBox 3">
+            <a:extLst>
+              <a:ext uri="{FF2B5EF4-FFF2-40B4-BE49-F238E27FC236}">
+                <a16:creationId xmlns:a16="http://schemas.microsoft.com/office/drawing/2014/main" id="{24205FA8-F77A-14F7-9549-610A8D9BD025}"/>
+              </a:ext>
+            </a:extLst>
+          </p:cNvPr>
+          <p:cNvSpPr txBox="1"/>
+          <p:nvPr/>
+        </p:nvSpPr>
+        <p:spPr>
+          <a:xfrm>
+            <a:off x="3829073" y="58717"/>
+            <a:ext cx="6515053" cy="400110"/>
+          </a:xfrm>
+          <a:prstGeom prst="rect">
+            <a:avLst/>
+          </a:prstGeom>
+          <a:noFill/>
+        </p:spPr>
+        <p:txBody>
+          <a:bodyPr wrap="none" rtlCol="0">
+            <a:spAutoFit/>
+          </a:bodyPr>
+          <a:lstStyle/>
+          <a:p>
+            <a:pPr algn="ctr"/>
+            <a:r>
+              <a:rPr lang="en-US" sz="2000" dirty="0">
+                <a:latin typeface="Arial" panose="020B0604020202020204" pitchFamily="34" charset="0"/>
+                <a:cs typeface="Arial" panose="020B0604020202020204" pitchFamily="34" charset="0"/>
+              </a:rPr>
+              <a:t>Transformation into Laminar and Columnar Coordinates</a:t>
             </a:r>
           </a:p>
         </p:txBody>

--- a/figs/fig_coordtrans.pptx
+++ b/figs/fig_coordtrans.pptx
@@ -418,22 +418,6 @@
             <ac:spMk id="105" creationId="{FBB96981-705A-C6BA-FD25-F7B3C75652C6}"/>
           </ac:spMkLst>
         </pc:spChg>
-        <pc:grpChg chg="mod">
-          <ac:chgData name="Barkasi, Michael" userId="604489e9-c8b5-4a18-ae0d-3a3e29c44efc" providerId="ADAL" clId="{7B240E68-553F-994D-927D-9E20778282F8}" dt="2025-05-06T03:10:52.854" v="679" actId="1076"/>
-          <ac:grpSpMkLst>
-            <pc:docMk/>
-            <pc:sldMk cId="1160241537" sldId="256"/>
-            <ac:grpSpMk id="77" creationId="{519BA70F-32AF-6196-42A2-4FAF6B9DC567}"/>
-          </ac:grpSpMkLst>
-        </pc:grpChg>
-        <pc:grpChg chg="mod">
-          <ac:chgData name="Barkasi, Michael" userId="604489e9-c8b5-4a18-ae0d-3a3e29c44efc" providerId="ADAL" clId="{7B240E68-553F-994D-927D-9E20778282F8}" dt="2025-05-06T03:10:01.807" v="669" actId="1076"/>
-          <ac:grpSpMkLst>
-            <pc:docMk/>
-            <pc:sldMk cId="1160241537" sldId="256"/>
-            <ac:grpSpMk id="78" creationId="{7766C44C-11AD-0AB1-46BD-BEBF37DE3127}"/>
-          </ac:grpSpMkLst>
-        </pc:grpChg>
         <pc:picChg chg="add mod">
           <ac:chgData name="Barkasi, Michael" userId="604489e9-c8b5-4a18-ae0d-3a3e29c44efc" providerId="ADAL" clId="{7B240E68-553F-994D-927D-9E20778282F8}" dt="2025-05-06T02:32:23.257" v="61" actId="1076"/>
           <ac:picMkLst>
@@ -836,12 +820,12 @@
   <pc:docChgLst>
     <pc:chgData name="Barkasi, Michael" userId="604489e9-c8b5-4a18-ae0d-3a3e29c44efc" providerId="ADAL" clId="{14723DC9-91C2-A846-8CF6-085A7C83E4A0}"/>
     <pc:docChg chg="modSld modMainMaster">
-      <pc:chgData name="Barkasi, Michael" userId="604489e9-c8b5-4a18-ae0d-3a3e29c44efc" providerId="ADAL" clId="{14723DC9-91C2-A846-8CF6-085A7C83E4A0}" dt="2025-05-23T03:35:03.610" v="73" actId="1076"/>
+      <pc:chgData name="Barkasi, Michael" userId="604489e9-c8b5-4a18-ae0d-3a3e29c44efc" providerId="ADAL" clId="{14723DC9-91C2-A846-8CF6-085A7C83E4A0}" dt="2025-05-24T15:53:09.351" v="77" actId="14100"/>
       <pc:docMkLst>
         <pc:docMk/>
       </pc:docMkLst>
       <pc:sldChg chg="addSp delSp modSp mod">
-        <pc:chgData name="Barkasi, Michael" userId="604489e9-c8b5-4a18-ae0d-3a3e29c44efc" providerId="ADAL" clId="{14723DC9-91C2-A846-8CF6-085A7C83E4A0}" dt="2025-05-23T03:35:03.610" v="73" actId="1076"/>
+        <pc:chgData name="Barkasi, Michael" userId="604489e9-c8b5-4a18-ae0d-3a3e29c44efc" providerId="ADAL" clId="{14723DC9-91C2-A846-8CF6-085A7C83E4A0}" dt="2025-05-24T15:53:09.351" v="77" actId="14100"/>
         <pc:sldMkLst>
           <pc:docMk/>
           <pc:sldMk cId="1160241537" sldId="256"/>
@@ -1015,7 +999,7 @@
           </ac:spMkLst>
         </pc:spChg>
         <pc:spChg chg="mod topLvl">
-          <ac:chgData name="Barkasi, Michael" userId="604489e9-c8b5-4a18-ae0d-3a3e29c44efc" providerId="ADAL" clId="{14723DC9-91C2-A846-8CF6-085A7C83E4A0}" dt="2025-05-23T03:33:54.719" v="62" actId="165"/>
+          <ac:chgData name="Barkasi, Michael" userId="604489e9-c8b5-4a18-ae0d-3a3e29c44efc" providerId="ADAL" clId="{14723DC9-91C2-A846-8CF6-085A7C83E4A0}" dt="2025-05-24T15:52:59.520" v="75" actId="14100"/>
           <ac:spMkLst>
             <pc:docMk/>
             <pc:sldMk cId="1160241537" sldId="256"/>
@@ -1028,6 +1012,14 @@
             <pc:docMk/>
             <pc:sldMk cId="1160241537" sldId="256"/>
             <ac:spMk id="51" creationId="{9A0BE34F-57FC-A882-BE9C-DE71B97773AC}"/>
+          </ac:spMkLst>
+        </pc:spChg>
+        <pc:spChg chg="mod">
+          <ac:chgData name="Barkasi, Michael" userId="604489e9-c8b5-4a18-ae0d-3a3e29c44efc" providerId="ADAL" clId="{14723DC9-91C2-A846-8CF6-085A7C83E4A0}" dt="2025-05-24T15:53:09.351" v="77" actId="14100"/>
+          <ac:spMkLst>
+            <pc:docMk/>
+            <pc:sldMk cId="1160241537" sldId="256"/>
+            <ac:spMk id="61" creationId="{A64F5549-0FC3-C0C8-82DA-2E112CEFFB46}"/>
           </ac:spMkLst>
         </pc:spChg>
         <pc:spChg chg="mod">
@@ -1529,7 +1521,7 @@
           <a:p>
             <a:fld id="{0671BF96-9467-0B49-AF35-7149D7F70E39}" type="datetimeFigureOut">
               <a:rPr lang="en-US" smtClean="0"/>
-              <a:t>5/22/25</a:t>
+              <a:t>5/24/25</a:t>
             </a:fld>
             <a:endParaRPr lang="en-US"/>
           </a:p>
@@ -1699,7 +1691,7 @@
           <a:p>
             <a:fld id="{0671BF96-9467-0B49-AF35-7149D7F70E39}" type="datetimeFigureOut">
               <a:rPr lang="en-US" smtClean="0"/>
-              <a:t>5/22/25</a:t>
+              <a:t>5/24/25</a:t>
             </a:fld>
             <a:endParaRPr lang="en-US"/>
           </a:p>
@@ -1879,7 +1871,7 @@
           <a:p>
             <a:fld id="{0671BF96-9467-0B49-AF35-7149D7F70E39}" type="datetimeFigureOut">
               <a:rPr lang="en-US" smtClean="0"/>
-              <a:t>5/22/25</a:t>
+              <a:t>5/24/25</a:t>
             </a:fld>
             <a:endParaRPr lang="en-US"/>
           </a:p>
@@ -2049,7 +2041,7 @@
           <a:p>
             <a:fld id="{0671BF96-9467-0B49-AF35-7149D7F70E39}" type="datetimeFigureOut">
               <a:rPr lang="en-US" smtClean="0"/>
-              <a:t>5/22/25</a:t>
+              <a:t>5/24/25</a:t>
             </a:fld>
             <a:endParaRPr lang="en-US"/>
           </a:p>
@@ -2295,7 +2287,7 @@
           <a:p>
             <a:fld id="{0671BF96-9467-0B49-AF35-7149D7F70E39}" type="datetimeFigureOut">
               <a:rPr lang="en-US" smtClean="0"/>
-              <a:t>5/22/25</a:t>
+              <a:t>5/24/25</a:t>
             </a:fld>
             <a:endParaRPr lang="en-US"/>
           </a:p>
@@ -2527,7 +2519,7 @@
           <a:p>
             <a:fld id="{0671BF96-9467-0B49-AF35-7149D7F70E39}" type="datetimeFigureOut">
               <a:rPr lang="en-US" smtClean="0"/>
-              <a:t>5/22/25</a:t>
+              <a:t>5/24/25</a:t>
             </a:fld>
             <a:endParaRPr lang="en-US"/>
           </a:p>
@@ -2894,7 +2886,7 @@
           <a:p>
             <a:fld id="{0671BF96-9467-0B49-AF35-7149D7F70E39}" type="datetimeFigureOut">
               <a:rPr lang="en-US" smtClean="0"/>
-              <a:t>5/22/25</a:t>
+              <a:t>5/24/25</a:t>
             </a:fld>
             <a:endParaRPr lang="en-US"/>
           </a:p>
@@ -3012,7 +3004,7 @@
           <a:p>
             <a:fld id="{0671BF96-9467-0B49-AF35-7149D7F70E39}" type="datetimeFigureOut">
               <a:rPr lang="en-US" smtClean="0"/>
-              <a:t>5/22/25</a:t>
+              <a:t>5/24/25</a:t>
             </a:fld>
             <a:endParaRPr lang="en-US"/>
           </a:p>
@@ -3107,7 +3099,7 @@
           <a:p>
             <a:fld id="{0671BF96-9467-0B49-AF35-7149D7F70E39}" type="datetimeFigureOut">
               <a:rPr lang="en-US" smtClean="0"/>
-              <a:t>5/22/25</a:t>
+              <a:t>5/24/25</a:t>
             </a:fld>
             <a:endParaRPr lang="en-US"/>
           </a:p>
@@ -3384,7 +3376,7 @@
           <a:p>
             <a:fld id="{0671BF96-9467-0B49-AF35-7149D7F70E39}" type="datetimeFigureOut">
               <a:rPr lang="en-US" smtClean="0"/>
-              <a:t>5/22/25</a:t>
+              <a:t>5/24/25</a:t>
             </a:fld>
             <a:endParaRPr lang="en-US"/>
           </a:p>
@@ -3641,7 +3633,7 @@
           <a:p>
             <a:fld id="{0671BF96-9467-0B49-AF35-7149D7F70E39}" type="datetimeFigureOut">
               <a:rPr lang="en-US" smtClean="0"/>
-              <a:t>5/22/25</a:t>
+              <a:t>5/24/25</a:t>
             </a:fld>
             <a:endParaRPr lang="en-US"/>
           </a:p>
@@ -3855,7 +3847,7 @@
             <a:fld id="{0671BF96-9467-0B49-AF35-7149D7F70E39}" type="datetimeFigureOut">
               <a:rPr lang="en-US" smtClean="0"/>
               <a:pPr/>
-              <a:t>5/22/25</a:t>
+              <a:t>5/24/25</a:t>
             </a:fld>
             <a:endParaRPr lang="en-US" dirty="0"/>
           </a:p>
@@ -4922,7 +4914,7 @@
         <p:spPr>
           <a:xfrm>
             <a:off x="5690783" y="2656620"/>
-            <a:ext cx="1215838" cy="276999"/>
+            <a:ext cx="1215838" cy="182880"/>
           </a:xfrm>
           <a:prstGeom prst="rect">
             <a:avLst/>
@@ -5488,7 +5480,7 @@
         <p:spPr>
           <a:xfrm>
             <a:off x="10772444" y="2653451"/>
-            <a:ext cx="1215838" cy="276999"/>
+            <a:ext cx="1215838" cy="182880"/>
           </a:xfrm>
           <a:prstGeom prst="rect">
             <a:avLst/>
